--- a/Modele.pptx
+++ b/Modele.pptx
@@ -6,6 +6,9 @@
   </p:sldMasterIdLst>
   <p:sldIdLst>
     <p:sldId id="256" r:id="rId5"/>
+    <p:sldId id="258" r:id="rId6"/>
+    <p:sldId id="259" r:id="rId7"/>
+    <p:sldId id="257" r:id="rId8"/>
   </p:sldIdLst>
   <p:sldSz cx="12192000" cy="6858000"/>
   <p:notesSz cx="6858000" cy="9144000"/>
@@ -104,6 +107,11 @@
       </a:defRPr>
     </a:lvl9pPr>
   </p:defaultTextStyle>
+  <p:extLst>
+    <p:ext uri="{EFAFB233-063F-42B5-8137-9DF3F51BA10A}">
+      <p15:sldGuideLst xmlns:p15="http://schemas.microsoft.com/office/powerpoint/2012/main"/>
+    </p:ext>
+  </p:extLst>
 </p:presentation>
 </file>
 
@@ -238,7 +246,7 @@
           <a:p>
             <a:fld id="{CC6D09B4-5341-4C7A-BACE-050C44A4B9D3}" type="datetimeFigureOut">
               <a:rPr lang="fr-FR" smtClean="0"/>
-              <a:t>19/10/2022</a:t>
+              <a:t>24/10/2022</a:t>
             </a:fld>
             <a:endParaRPr lang="fr-FR"/>
           </a:p>
@@ -408,7 +416,7 @@
           <a:p>
             <a:fld id="{CC6D09B4-5341-4C7A-BACE-050C44A4B9D3}" type="datetimeFigureOut">
               <a:rPr lang="fr-FR" smtClean="0"/>
-              <a:t>19/10/2022</a:t>
+              <a:t>24/10/2022</a:t>
             </a:fld>
             <a:endParaRPr lang="fr-FR"/>
           </a:p>
@@ -588,7 +596,7 @@
           <a:p>
             <a:fld id="{CC6D09B4-5341-4C7A-BACE-050C44A4B9D3}" type="datetimeFigureOut">
               <a:rPr lang="fr-FR" smtClean="0"/>
-              <a:t>19/10/2022</a:t>
+              <a:t>24/10/2022</a:t>
             </a:fld>
             <a:endParaRPr lang="fr-FR"/>
           </a:p>
@@ -758,7 +766,7 @@
           <a:p>
             <a:fld id="{CC6D09B4-5341-4C7A-BACE-050C44A4B9D3}" type="datetimeFigureOut">
               <a:rPr lang="fr-FR" smtClean="0"/>
-              <a:t>19/10/2022</a:t>
+              <a:t>24/10/2022</a:t>
             </a:fld>
             <a:endParaRPr lang="fr-FR"/>
           </a:p>
@@ -1004,7 +1012,7 @@
           <a:p>
             <a:fld id="{CC6D09B4-5341-4C7A-BACE-050C44A4B9D3}" type="datetimeFigureOut">
               <a:rPr lang="fr-FR" smtClean="0"/>
-              <a:t>19/10/2022</a:t>
+              <a:t>24/10/2022</a:t>
             </a:fld>
             <a:endParaRPr lang="fr-FR"/>
           </a:p>
@@ -1236,7 +1244,7 @@
           <a:p>
             <a:fld id="{CC6D09B4-5341-4C7A-BACE-050C44A4B9D3}" type="datetimeFigureOut">
               <a:rPr lang="fr-FR" smtClean="0"/>
-              <a:t>19/10/2022</a:t>
+              <a:t>24/10/2022</a:t>
             </a:fld>
             <a:endParaRPr lang="fr-FR"/>
           </a:p>
@@ -1603,7 +1611,7 @@
           <a:p>
             <a:fld id="{CC6D09B4-5341-4C7A-BACE-050C44A4B9D3}" type="datetimeFigureOut">
               <a:rPr lang="fr-FR" smtClean="0"/>
-              <a:t>19/10/2022</a:t>
+              <a:t>24/10/2022</a:t>
             </a:fld>
             <a:endParaRPr lang="fr-FR"/>
           </a:p>
@@ -1721,7 +1729,7 @@
           <a:p>
             <a:fld id="{CC6D09B4-5341-4C7A-BACE-050C44A4B9D3}" type="datetimeFigureOut">
               <a:rPr lang="fr-FR" smtClean="0"/>
-              <a:t>19/10/2022</a:t>
+              <a:t>24/10/2022</a:t>
             </a:fld>
             <a:endParaRPr lang="fr-FR"/>
           </a:p>
@@ -1816,7 +1824,7 @@
           <a:p>
             <a:fld id="{CC6D09B4-5341-4C7A-BACE-050C44A4B9D3}" type="datetimeFigureOut">
               <a:rPr lang="fr-FR" smtClean="0"/>
-              <a:t>19/10/2022</a:t>
+              <a:t>24/10/2022</a:t>
             </a:fld>
             <a:endParaRPr lang="fr-FR"/>
           </a:p>
@@ -2093,7 +2101,7 @@
           <a:p>
             <a:fld id="{CC6D09B4-5341-4C7A-BACE-050C44A4B9D3}" type="datetimeFigureOut">
               <a:rPr lang="fr-FR" smtClean="0"/>
-              <a:t>19/10/2022</a:t>
+              <a:t>24/10/2022</a:t>
             </a:fld>
             <a:endParaRPr lang="fr-FR"/>
           </a:p>
@@ -2346,7 +2354,7 @@
           <a:p>
             <a:fld id="{CC6D09B4-5341-4C7A-BACE-050C44A4B9D3}" type="datetimeFigureOut">
               <a:rPr lang="fr-FR" smtClean="0"/>
-              <a:t>19/10/2022</a:t>
+              <a:t>24/10/2022</a:t>
             </a:fld>
             <a:endParaRPr lang="fr-FR"/>
           </a:p>
@@ -2559,7 +2567,7 @@
           <a:p>
             <a:fld id="{CC6D09B4-5341-4C7A-BACE-050C44A4B9D3}" type="datetimeFigureOut">
               <a:rPr lang="fr-FR" smtClean="0"/>
-              <a:t>19/10/2022</a:t>
+              <a:t>24/10/2022</a:t>
             </a:fld>
             <a:endParaRPr lang="fr-FR"/>
           </a:p>
@@ -3186,6 +3194,1266 @@
     <p:extLst>
       <p:ext uri="{BB962C8B-B14F-4D97-AF65-F5344CB8AC3E}">
         <p14:creationId xmlns:p14="http://schemas.microsoft.com/office/powerpoint/2010/main" val="3598361729"/>
+      </p:ext>
+    </p:extLst>
+  </p:cSld>
+  <p:clrMapOvr>
+    <a:masterClrMapping/>
+  </p:clrMapOvr>
+</p:sld>
+</file>
+
+<file path=ppt/slides/slide2.xml><?xml version="1.0" encoding="utf-8"?>
+<p:sld xmlns:a="http://schemas.openxmlformats.org/drawingml/2006/main" xmlns:r="http://schemas.openxmlformats.org/officeDocument/2006/relationships" xmlns:p="http://schemas.openxmlformats.org/presentationml/2006/main">
+  <p:cSld>
+    <p:spTree>
+      <p:nvGrpSpPr>
+        <p:cNvPr id="1" name=""/>
+        <p:cNvGrpSpPr/>
+        <p:nvPr/>
+      </p:nvGrpSpPr>
+      <p:grpSpPr>
+        <a:xfrm>
+          <a:off x="0" y="0"/>
+          <a:ext cx="0" cy="0"/>
+          <a:chOff x="0" y="0"/>
+          <a:chExt cx="0" cy="0"/>
+        </a:xfrm>
+      </p:grpSpPr>
+      <p:pic>
+        <p:nvPicPr>
+          <p:cNvPr id="2" name="Image 1"/>
+          <p:cNvPicPr>
+            <a:picLocks noChangeAspect="1"/>
+          </p:cNvPicPr>
+          <p:nvPr/>
+        </p:nvPicPr>
+        <p:blipFill>
+          <a:blip r:embed="rId2" cstate="print">
+            <a:extLst>
+              <a:ext uri="{28A0092B-C50C-407E-A947-70E740481C1C}">
+                <a14:useLocalDpi xmlns:a14="http://schemas.microsoft.com/office/drawing/2010/main" val="0"/>
+              </a:ext>
+            </a:extLst>
+          </a:blip>
+          <a:stretch>
+            <a:fillRect/>
+          </a:stretch>
+        </p:blipFill>
+        <p:spPr>
+          <a:xfrm>
+            <a:off x="2666999" y="1020278"/>
+            <a:ext cx="7654159" cy="4945506"/>
+          </a:xfrm>
+          <a:prstGeom prst="rect">
+            <a:avLst/>
+          </a:prstGeom>
+        </p:spPr>
+      </p:pic>
+      <p:sp>
+        <p:nvSpPr>
+          <p:cNvPr id="6" name="ZoneTexte 5"/>
+          <p:cNvSpPr txBox="1"/>
+          <p:nvPr/>
+        </p:nvSpPr>
+        <p:spPr>
+          <a:xfrm>
+            <a:off x="2666999" y="4642345"/>
+            <a:ext cx="7654157" cy="1323439"/>
+          </a:xfrm>
+          <a:prstGeom prst="rect">
+            <a:avLst/>
+          </a:prstGeom>
+          <a:solidFill>
+            <a:srgbClr val="F8F8F8">
+              <a:alpha val="74902"/>
+            </a:srgbClr>
+          </a:solidFill>
+        </p:spPr>
+        <p:txBody>
+          <a:bodyPr wrap="square" rtlCol="0">
+            <a:spAutoFit/>
+          </a:bodyPr>
+          <a:lstStyle/>
+          <a:p>
+            <a:pPr algn="r"/>
+            <a:r>
+              <a:rPr lang="fr-FR" sz="4000" b="1" dirty="0" smtClean="0">
+                <a:solidFill>
+                  <a:srgbClr val="DC4E32"/>
+                </a:solidFill>
+                <a:latin typeface="Arial" panose="020B0604020202020204" pitchFamily="34" charset="0"/>
+                <a:cs typeface="Arial" panose="020B0604020202020204" pitchFamily="34" charset="0"/>
+              </a:rPr>
+              <a:t>La </a:t>
+            </a:r>
+            <a:r>
+              <a:rPr lang="fr-FR" sz="4000" b="1" dirty="0" err="1" smtClean="0">
+                <a:solidFill>
+                  <a:srgbClr val="DC4E32"/>
+                </a:solidFill>
+                <a:latin typeface="Arial" panose="020B0604020202020204" pitchFamily="34" charset="0"/>
+                <a:cs typeface="Arial" panose="020B0604020202020204" pitchFamily="34" charset="0"/>
+              </a:rPr>
+              <a:t>PiEdTHONe</a:t>
+            </a:r>
+            <a:r>
+              <a:rPr lang="fr-FR" sz="4000" b="1" dirty="0" smtClean="0">
+                <a:solidFill>
+                  <a:srgbClr val="DC4E32"/>
+                </a:solidFill>
+                <a:latin typeface="Arial" panose="020B0604020202020204" pitchFamily="34" charset="0"/>
+                <a:cs typeface="Arial" panose="020B0604020202020204" pitchFamily="34" charset="0"/>
+              </a:rPr>
+              <a:t> 2022</a:t>
+            </a:r>
+          </a:p>
+          <a:p>
+            <a:pPr algn="r"/>
+            <a:endParaRPr lang="fr-FR" sz="4000" b="1" dirty="0">
+              <a:solidFill>
+                <a:srgbClr val="FF0000"/>
+              </a:solidFill>
+              <a:latin typeface="Arial" panose="020B0604020202020204" pitchFamily="34" charset="0"/>
+              <a:cs typeface="Arial" panose="020B0604020202020204" pitchFamily="34" charset="0"/>
+            </a:endParaRPr>
+          </a:p>
+        </p:txBody>
+      </p:sp>
+      <p:sp>
+        <p:nvSpPr>
+          <p:cNvPr id="12" name="ZoneTexte 11"/>
+          <p:cNvSpPr txBox="1"/>
+          <p:nvPr/>
+        </p:nvSpPr>
+        <p:spPr>
+          <a:xfrm>
+            <a:off x="2666999" y="1164655"/>
+            <a:ext cx="7654157" cy="900000"/>
+          </a:xfrm>
+          <a:prstGeom prst="rect">
+            <a:avLst/>
+          </a:prstGeom>
+          <a:solidFill>
+            <a:srgbClr val="F8F8F8">
+              <a:alpha val="74902"/>
+            </a:srgbClr>
+          </a:solidFill>
+        </p:spPr>
+        <p:txBody>
+          <a:bodyPr wrap="square" rtlCol="0">
+            <a:spAutoFit/>
+          </a:bodyPr>
+          <a:lstStyle/>
+          <a:p>
+            <a:pPr algn="ctr"/>
+            <a:endParaRPr lang="fr-FR" sz="6000" b="1" dirty="0"/>
+          </a:p>
+        </p:txBody>
+      </p:sp>
+      <p:sp>
+        <p:nvSpPr>
+          <p:cNvPr id="14" name="Rectangle à coins arrondis 13"/>
+          <p:cNvSpPr/>
+          <p:nvPr/>
+        </p:nvSpPr>
+        <p:spPr>
+          <a:xfrm>
+            <a:off x="4624137" y="2669863"/>
+            <a:ext cx="2943726" cy="1126156"/>
+          </a:xfrm>
+          <a:prstGeom prst="roundRect">
+            <a:avLst/>
+          </a:prstGeom>
+          <a:solidFill>
+            <a:srgbClr val="FFFFFF"/>
+          </a:solidFill>
+          <a:ln>
+            <a:noFill/>
+          </a:ln>
+        </p:spPr>
+        <p:style>
+          <a:lnRef idx="2">
+            <a:schemeClr val="accent1">
+              <a:shade val="50000"/>
+            </a:schemeClr>
+          </a:lnRef>
+          <a:fillRef idx="1">
+            <a:schemeClr val="accent1"/>
+          </a:fillRef>
+          <a:effectRef idx="0">
+            <a:schemeClr val="accent1"/>
+          </a:effectRef>
+          <a:fontRef idx="minor">
+            <a:schemeClr val="lt1"/>
+          </a:fontRef>
+        </p:style>
+        <p:txBody>
+          <a:bodyPr rtlCol="0" anchor="ctr"/>
+          <a:lstStyle/>
+          <a:p>
+            <a:pPr algn="ctr"/>
+            <a:endParaRPr lang="fr-FR"/>
+          </a:p>
+        </p:txBody>
+      </p:sp>
+      <p:pic>
+        <p:nvPicPr>
+          <p:cNvPr id="13" name="Image 12"/>
+          <p:cNvPicPr>
+            <a:picLocks noChangeAspect="1"/>
+          </p:cNvPicPr>
+          <p:nvPr/>
+        </p:nvPicPr>
+        <p:blipFill>
+          <a:blip r:embed="rId3" cstate="print">
+            <a:extLst>
+              <a:ext uri="{28A0092B-C50C-407E-A947-70E740481C1C}">
+                <a14:useLocalDpi xmlns:a14="http://schemas.microsoft.com/office/drawing/2010/main" val="0"/>
+              </a:ext>
+            </a:extLst>
+          </a:blip>
+          <a:stretch>
+            <a:fillRect/>
+          </a:stretch>
+        </p:blipFill>
+        <p:spPr>
+          <a:xfrm>
+            <a:off x="2834773" y="4704893"/>
+            <a:ext cx="1440000" cy="536624"/>
+          </a:xfrm>
+          <a:prstGeom prst="rect">
+            <a:avLst/>
+          </a:prstGeom>
+        </p:spPr>
+      </p:pic>
+      <p:pic>
+        <p:nvPicPr>
+          <p:cNvPr id="15" name="Image 14"/>
+          <p:cNvPicPr>
+            <a:picLocks noChangeAspect="1"/>
+          </p:cNvPicPr>
+          <p:nvPr/>
+        </p:nvPicPr>
+        <p:blipFill>
+          <a:blip r:embed="rId4" cstate="print">
+            <a:extLst>
+              <a:ext uri="{BEBA8EAE-BF5A-486C-A8C5-ECC9F3942E4B}">
+                <a14:imgProps xmlns:a14="http://schemas.microsoft.com/office/drawing/2010/main">
+                  <a14:imgLayer r:embed="rId5">
+                    <a14:imgEffect>
+                      <a14:saturation sat="400000"/>
+                    </a14:imgEffect>
+                    <a14:imgEffect>
+                      <a14:brightnessContrast bright="-20000" contrast="40000"/>
+                    </a14:imgEffect>
+                  </a14:imgLayer>
+                </a14:imgProps>
+              </a:ext>
+              <a:ext uri="{28A0092B-C50C-407E-A947-70E740481C1C}">
+                <a14:useLocalDpi xmlns:a14="http://schemas.microsoft.com/office/drawing/2010/main" val="0"/>
+              </a:ext>
+            </a:extLst>
+          </a:blip>
+          <a:stretch>
+            <a:fillRect/>
+          </a:stretch>
+        </p:blipFill>
+        <p:spPr>
+          <a:xfrm>
+            <a:off x="3067978" y="5460665"/>
+            <a:ext cx="810812" cy="360000"/>
+          </a:xfrm>
+          <a:prstGeom prst="rect">
+            <a:avLst/>
+          </a:prstGeom>
+        </p:spPr>
+      </p:pic>
+      <p:pic>
+        <p:nvPicPr>
+          <p:cNvPr id="16" name="Image 15"/>
+          <p:cNvPicPr>
+            <a:picLocks noChangeAspect="1"/>
+          </p:cNvPicPr>
+          <p:nvPr/>
+        </p:nvPicPr>
+        <p:blipFill>
+          <a:blip r:embed="rId6" cstate="print">
+            <a:extLst>
+              <a:ext uri="{28A0092B-C50C-407E-A947-70E740481C1C}">
+                <a14:useLocalDpi xmlns:a14="http://schemas.microsoft.com/office/drawing/2010/main" val="0"/>
+              </a:ext>
+            </a:extLst>
+          </a:blip>
+          <a:stretch>
+            <a:fillRect/>
+          </a:stretch>
+        </p:blipFill>
+        <p:spPr>
+          <a:xfrm>
+            <a:off x="5457776" y="5454925"/>
+            <a:ext cx="424478" cy="360000"/>
+          </a:xfrm>
+          <a:prstGeom prst="rect">
+            <a:avLst/>
+          </a:prstGeom>
+        </p:spPr>
+      </p:pic>
+      <p:pic>
+        <p:nvPicPr>
+          <p:cNvPr id="17" name="Image 16"/>
+          <p:cNvPicPr>
+            <a:picLocks noChangeAspect="1"/>
+          </p:cNvPicPr>
+          <p:nvPr/>
+        </p:nvPicPr>
+        <p:blipFill>
+          <a:blip r:embed="rId7" cstate="print">
+            <a:extLst>
+              <a:ext uri="{28A0092B-C50C-407E-A947-70E740481C1C}">
+                <a14:useLocalDpi xmlns:a14="http://schemas.microsoft.com/office/drawing/2010/main" val="0"/>
+              </a:ext>
+            </a:extLst>
+          </a:blip>
+          <a:stretch>
+            <a:fillRect/>
+          </a:stretch>
+        </p:blipFill>
+        <p:spPr>
+          <a:xfrm>
+            <a:off x="4226767" y="5471927"/>
+            <a:ext cx="883032" cy="360000"/>
+          </a:xfrm>
+          <a:prstGeom prst="rect">
+            <a:avLst/>
+          </a:prstGeom>
+        </p:spPr>
+      </p:pic>
+      <p:pic>
+        <p:nvPicPr>
+          <p:cNvPr id="18" name="Image 17"/>
+          <p:cNvPicPr>
+            <a:picLocks noChangeAspect="1"/>
+          </p:cNvPicPr>
+          <p:nvPr/>
+        </p:nvPicPr>
+        <p:blipFill>
+          <a:blip r:embed="rId8" cstate="print">
+            <a:extLst>
+              <a:ext uri="{28A0092B-C50C-407E-A947-70E740481C1C}">
+                <a14:useLocalDpi xmlns:a14="http://schemas.microsoft.com/office/drawing/2010/main" val="0"/>
+              </a:ext>
+            </a:extLst>
+          </a:blip>
+          <a:stretch>
+            <a:fillRect/>
+          </a:stretch>
+        </p:blipFill>
+        <p:spPr>
+          <a:xfrm>
+            <a:off x="6230231" y="5454925"/>
+            <a:ext cx="1730151" cy="360000"/>
+          </a:xfrm>
+          <a:prstGeom prst="rect">
+            <a:avLst/>
+          </a:prstGeom>
+        </p:spPr>
+      </p:pic>
+      <p:cxnSp>
+        <p:nvCxnSpPr>
+          <p:cNvPr id="4" name="Connecteur droit 3"/>
+          <p:cNvCxnSpPr>
+            <a:stCxn id="6" idx="1"/>
+            <a:endCxn id="6" idx="3"/>
+          </p:cNvCxnSpPr>
+          <p:nvPr/>
+        </p:nvCxnSpPr>
+        <p:spPr>
+          <a:xfrm>
+            <a:off x="2666999" y="5304065"/>
+            <a:ext cx="7654157" cy="0"/>
+          </a:xfrm>
+          <a:prstGeom prst="line">
+            <a:avLst/>
+          </a:prstGeom>
+          <a:ln>
+            <a:solidFill>
+              <a:schemeClr val="tx1"/>
+            </a:solidFill>
+          </a:ln>
+        </p:spPr>
+        <p:style>
+          <a:lnRef idx="1">
+            <a:schemeClr val="accent1"/>
+          </a:lnRef>
+          <a:fillRef idx="0">
+            <a:schemeClr val="accent1"/>
+          </a:fillRef>
+          <a:effectRef idx="0">
+            <a:schemeClr val="accent1"/>
+          </a:effectRef>
+          <a:fontRef idx="minor">
+            <a:schemeClr val="tx1"/>
+          </a:fontRef>
+        </p:style>
+      </p:cxnSp>
+      <p:pic>
+        <p:nvPicPr>
+          <p:cNvPr id="5" name="Image 4"/>
+          <p:cNvPicPr>
+            <a:picLocks noChangeAspect="1"/>
+          </p:cNvPicPr>
+          <p:nvPr/>
+        </p:nvPicPr>
+        <p:blipFill>
+          <a:blip r:embed="rId9" cstate="print">
+            <a:extLst>
+              <a:ext uri="{28A0092B-C50C-407E-A947-70E740481C1C}">
+                <a14:useLocalDpi xmlns:a14="http://schemas.microsoft.com/office/drawing/2010/main" val="0"/>
+              </a:ext>
+            </a:extLst>
+          </a:blip>
+          <a:stretch>
+            <a:fillRect/>
+          </a:stretch>
+        </p:blipFill>
+        <p:spPr>
+          <a:xfrm>
+            <a:off x="8308357" y="5454925"/>
+            <a:ext cx="1714286" cy="360000"/>
+          </a:xfrm>
+          <a:prstGeom prst="rect">
+            <a:avLst/>
+          </a:prstGeom>
+        </p:spPr>
+      </p:pic>
+      <p:sp>
+        <p:nvSpPr>
+          <p:cNvPr id="19" name="ZoneTexte 18"/>
+          <p:cNvSpPr txBox="1"/>
+          <p:nvPr/>
+        </p:nvSpPr>
+        <p:spPr>
+          <a:xfrm>
+            <a:off x="2666018" y="4382653"/>
+            <a:ext cx="7655139" cy="261610"/>
+          </a:xfrm>
+          <a:prstGeom prst="rect">
+            <a:avLst/>
+          </a:prstGeom>
+          <a:solidFill>
+            <a:srgbClr val="F8F8F8">
+              <a:alpha val="74902"/>
+            </a:srgbClr>
+          </a:solidFill>
+        </p:spPr>
+        <p:txBody>
+          <a:bodyPr wrap="square" rtlCol="0">
+            <a:spAutoFit/>
+          </a:bodyPr>
+          <a:lstStyle/>
+          <a:p>
+            <a:r>
+              <a:rPr lang="fr-FR" sz="1100" b="1" dirty="0" smtClean="0">
+                <a:latin typeface="Arial" panose="020B0604020202020204" pitchFamily="34" charset="0"/>
+                <a:cs typeface="Arial" panose="020B0604020202020204" pitchFamily="34" charset="0"/>
+              </a:rPr>
+              <a:t>16</a:t>
+            </a:r>
+            <a:r>
+              <a:rPr lang="fr-FR" sz="1100" b="1" baseline="30000" dirty="0" smtClean="0">
+                <a:latin typeface="Arial" panose="020B0604020202020204" pitchFamily="34" charset="0"/>
+                <a:cs typeface="Arial" panose="020B0604020202020204" pitchFamily="34" charset="0"/>
+              </a:rPr>
+              <a:t>ème</a:t>
+            </a:r>
+            <a:r>
+              <a:rPr lang="fr-FR" sz="1100" b="1" dirty="0" smtClean="0">
+                <a:latin typeface="Arial" panose="020B0604020202020204" pitchFamily="34" charset="0"/>
+                <a:cs typeface="Arial" panose="020B0604020202020204" pitchFamily="34" charset="0"/>
+              </a:rPr>
+              <a:t> course virtuelle connectée au profit de</a:t>
+            </a:r>
+            <a:endParaRPr lang="fr-FR" sz="1100" b="1" dirty="0">
+              <a:latin typeface="Arial" panose="020B0604020202020204" pitchFamily="34" charset="0"/>
+              <a:cs typeface="Arial" panose="020B0604020202020204" pitchFamily="34" charset="0"/>
+            </a:endParaRPr>
+          </a:p>
+        </p:txBody>
+      </p:sp>
+      <p:pic>
+        <p:nvPicPr>
+          <p:cNvPr id="8" name="Image 7"/>
+          <p:cNvPicPr>
+            <a:picLocks noChangeAspect="1"/>
+          </p:cNvPicPr>
+          <p:nvPr/>
+        </p:nvPicPr>
+        <p:blipFill rotWithShape="1">
+          <a:blip r:embed="rId10" cstate="print">
+            <a:extLst>
+              <a:ext uri="{28A0092B-C50C-407E-A947-70E740481C1C}">
+                <a14:useLocalDpi xmlns:a14="http://schemas.microsoft.com/office/drawing/2010/main" val="0"/>
+              </a:ext>
+            </a:extLst>
+          </a:blip>
+          <a:srcRect t="23299"/>
+          <a:stretch/>
+        </p:blipFill>
+        <p:spPr>
+          <a:xfrm flipH="1">
+            <a:off x="3004511" y="2279053"/>
+            <a:ext cx="3960000" cy="1810283"/>
+          </a:xfrm>
+          <a:prstGeom prst="rect">
+            <a:avLst/>
+          </a:prstGeom>
+        </p:spPr>
+      </p:pic>
+    </p:spTree>
+    <p:extLst>
+      <p:ext uri="{BB962C8B-B14F-4D97-AF65-F5344CB8AC3E}">
+        <p14:creationId xmlns:p14="http://schemas.microsoft.com/office/powerpoint/2010/main" val="3610113574"/>
+      </p:ext>
+    </p:extLst>
+  </p:cSld>
+  <p:clrMapOvr>
+    <a:masterClrMapping/>
+  </p:clrMapOvr>
+</p:sld>
+</file>
+
+<file path=ppt/slides/slide3.xml><?xml version="1.0" encoding="utf-8"?>
+<p:sld xmlns:a="http://schemas.openxmlformats.org/drawingml/2006/main" xmlns:r="http://schemas.openxmlformats.org/officeDocument/2006/relationships" xmlns:p="http://schemas.openxmlformats.org/presentationml/2006/main">
+  <p:cSld>
+    <p:spTree>
+      <p:nvGrpSpPr>
+        <p:cNvPr id="1" name=""/>
+        <p:cNvGrpSpPr/>
+        <p:nvPr/>
+      </p:nvGrpSpPr>
+      <p:grpSpPr>
+        <a:xfrm>
+          <a:off x="0" y="0"/>
+          <a:ext cx="0" cy="0"/>
+          <a:chOff x="0" y="0"/>
+          <a:chExt cx="0" cy="0"/>
+        </a:xfrm>
+      </p:grpSpPr>
+      <p:pic>
+        <p:nvPicPr>
+          <p:cNvPr id="3" name="Image 2"/>
+          <p:cNvPicPr preferRelativeResize="0">
+            <a:picLocks/>
+          </p:cNvPicPr>
+          <p:nvPr/>
+        </p:nvPicPr>
+        <p:blipFill rotWithShape="1">
+          <a:blip r:embed="rId2" cstate="print">
+            <a:extLst>
+              <a:ext uri="{28A0092B-C50C-407E-A947-70E740481C1C}">
+                <a14:useLocalDpi xmlns:a14="http://schemas.microsoft.com/office/drawing/2010/main" val="0"/>
+              </a:ext>
+            </a:extLst>
+          </a:blip>
+          <a:srcRect t="12987"/>
+          <a:stretch/>
+        </p:blipFill>
+        <p:spPr>
+          <a:xfrm>
+            <a:off x="2662408" y="925784"/>
+            <a:ext cx="7920000" cy="5040000"/>
+          </a:xfrm>
+          <a:prstGeom prst="rect">
+            <a:avLst/>
+          </a:prstGeom>
+        </p:spPr>
+      </p:pic>
+      <p:sp>
+        <p:nvSpPr>
+          <p:cNvPr id="6" name="ZoneTexte 5"/>
+          <p:cNvSpPr txBox="1"/>
+          <p:nvPr/>
+        </p:nvSpPr>
+        <p:spPr>
+          <a:xfrm>
+            <a:off x="2666999" y="4642345"/>
+            <a:ext cx="7915409" cy="1323439"/>
+          </a:xfrm>
+          <a:prstGeom prst="rect">
+            <a:avLst/>
+          </a:prstGeom>
+          <a:solidFill>
+            <a:srgbClr val="F8F8F8">
+              <a:alpha val="74902"/>
+            </a:srgbClr>
+          </a:solidFill>
+        </p:spPr>
+        <p:txBody>
+          <a:bodyPr wrap="square" rtlCol="0">
+            <a:spAutoFit/>
+          </a:bodyPr>
+          <a:lstStyle/>
+          <a:p>
+            <a:pPr algn="r"/>
+            <a:r>
+              <a:rPr lang="fr-FR" sz="4000" b="1" dirty="0" smtClean="0">
+                <a:solidFill>
+                  <a:srgbClr val="DC4E32"/>
+                </a:solidFill>
+                <a:latin typeface="Arial" panose="020B0604020202020204" pitchFamily="34" charset="0"/>
+                <a:cs typeface="Arial" panose="020B0604020202020204" pitchFamily="34" charset="0"/>
+              </a:rPr>
+              <a:t>La </a:t>
+            </a:r>
+            <a:r>
+              <a:rPr lang="fr-FR" sz="4000" b="1" dirty="0" err="1" smtClean="0">
+                <a:solidFill>
+                  <a:srgbClr val="DC4E32"/>
+                </a:solidFill>
+                <a:latin typeface="Arial" panose="020B0604020202020204" pitchFamily="34" charset="0"/>
+                <a:cs typeface="Arial" panose="020B0604020202020204" pitchFamily="34" charset="0"/>
+              </a:rPr>
+              <a:t>PiEdTHONe</a:t>
+            </a:r>
+            <a:r>
+              <a:rPr lang="fr-FR" sz="4000" b="1" dirty="0" smtClean="0">
+                <a:solidFill>
+                  <a:srgbClr val="DC4E32"/>
+                </a:solidFill>
+                <a:latin typeface="Arial" panose="020B0604020202020204" pitchFamily="34" charset="0"/>
+                <a:cs typeface="Arial" panose="020B0604020202020204" pitchFamily="34" charset="0"/>
+              </a:rPr>
+              <a:t> 2022</a:t>
+            </a:r>
+          </a:p>
+          <a:p>
+            <a:pPr algn="r"/>
+            <a:endParaRPr lang="fr-FR" sz="4000" b="1" dirty="0">
+              <a:solidFill>
+                <a:srgbClr val="FF0000"/>
+              </a:solidFill>
+              <a:latin typeface="Arial" panose="020B0604020202020204" pitchFamily="34" charset="0"/>
+              <a:cs typeface="Arial" panose="020B0604020202020204" pitchFamily="34" charset="0"/>
+            </a:endParaRPr>
+          </a:p>
+        </p:txBody>
+      </p:sp>
+      <p:sp>
+        <p:nvSpPr>
+          <p:cNvPr id="14" name="Rectangle à coins arrondis 13"/>
+          <p:cNvSpPr/>
+          <p:nvPr/>
+        </p:nvSpPr>
+        <p:spPr>
+          <a:xfrm>
+            <a:off x="4624137" y="2669863"/>
+            <a:ext cx="2943726" cy="1126156"/>
+          </a:xfrm>
+          <a:prstGeom prst="roundRect">
+            <a:avLst/>
+          </a:prstGeom>
+          <a:solidFill>
+            <a:srgbClr val="FFFFFF"/>
+          </a:solidFill>
+          <a:ln>
+            <a:noFill/>
+          </a:ln>
+        </p:spPr>
+        <p:style>
+          <a:lnRef idx="2">
+            <a:schemeClr val="accent1">
+              <a:shade val="50000"/>
+            </a:schemeClr>
+          </a:lnRef>
+          <a:fillRef idx="1">
+            <a:schemeClr val="accent1"/>
+          </a:fillRef>
+          <a:effectRef idx="0">
+            <a:schemeClr val="accent1"/>
+          </a:effectRef>
+          <a:fontRef idx="minor">
+            <a:schemeClr val="lt1"/>
+          </a:fontRef>
+        </p:style>
+        <p:txBody>
+          <a:bodyPr rtlCol="0" anchor="ctr"/>
+          <a:lstStyle/>
+          <a:p>
+            <a:pPr algn="ctr"/>
+            <a:endParaRPr lang="fr-FR"/>
+          </a:p>
+        </p:txBody>
+      </p:sp>
+      <p:pic>
+        <p:nvPicPr>
+          <p:cNvPr id="13" name="Image 12"/>
+          <p:cNvPicPr>
+            <a:picLocks noChangeAspect="1"/>
+          </p:cNvPicPr>
+          <p:nvPr/>
+        </p:nvPicPr>
+        <p:blipFill>
+          <a:blip r:embed="rId3" cstate="print">
+            <a:extLst>
+              <a:ext uri="{28A0092B-C50C-407E-A947-70E740481C1C}">
+                <a14:useLocalDpi xmlns:a14="http://schemas.microsoft.com/office/drawing/2010/main" val="0"/>
+              </a:ext>
+            </a:extLst>
+          </a:blip>
+          <a:stretch>
+            <a:fillRect/>
+          </a:stretch>
+        </p:blipFill>
+        <p:spPr>
+          <a:xfrm>
+            <a:off x="2834773" y="4704893"/>
+            <a:ext cx="1440000" cy="536624"/>
+          </a:xfrm>
+          <a:prstGeom prst="rect">
+            <a:avLst/>
+          </a:prstGeom>
+        </p:spPr>
+      </p:pic>
+      <p:pic>
+        <p:nvPicPr>
+          <p:cNvPr id="15" name="Image 14"/>
+          <p:cNvPicPr>
+            <a:picLocks noChangeAspect="1"/>
+          </p:cNvPicPr>
+          <p:nvPr/>
+        </p:nvPicPr>
+        <p:blipFill>
+          <a:blip r:embed="rId4" cstate="print">
+            <a:extLst>
+              <a:ext uri="{BEBA8EAE-BF5A-486C-A8C5-ECC9F3942E4B}">
+                <a14:imgProps xmlns:a14="http://schemas.microsoft.com/office/drawing/2010/main">
+                  <a14:imgLayer r:embed="rId5">
+                    <a14:imgEffect>
+                      <a14:saturation sat="400000"/>
+                    </a14:imgEffect>
+                    <a14:imgEffect>
+                      <a14:brightnessContrast bright="-20000" contrast="40000"/>
+                    </a14:imgEffect>
+                  </a14:imgLayer>
+                </a14:imgProps>
+              </a:ext>
+              <a:ext uri="{28A0092B-C50C-407E-A947-70E740481C1C}">
+                <a14:useLocalDpi xmlns:a14="http://schemas.microsoft.com/office/drawing/2010/main" val="0"/>
+              </a:ext>
+            </a:extLst>
+          </a:blip>
+          <a:stretch>
+            <a:fillRect/>
+          </a:stretch>
+        </p:blipFill>
+        <p:spPr>
+          <a:xfrm>
+            <a:off x="3067978" y="5460665"/>
+            <a:ext cx="810812" cy="360000"/>
+          </a:xfrm>
+          <a:prstGeom prst="rect">
+            <a:avLst/>
+          </a:prstGeom>
+        </p:spPr>
+      </p:pic>
+      <p:pic>
+        <p:nvPicPr>
+          <p:cNvPr id="16" name="Image 15"/>
+          <p:cNvPicPr>
+            <a:picLocks noChangeAspect="1"/>
+          </p:cNvPicPr>
+          <p:nvPr/>
+        </p:nvPicPr>
+        <p:blipFill>
+          <a:blip r:embed="rId6" cstate="print">
+            <a:extLst>
+              <a:ext uri="{28A0092B-C50C-407E-A947-70E740481C1C}">
+                <a14:useLocalDpi xmlns:a14="http://schemas.microsoft.com/office/drawing/2010/main" val="0"/>
+              </a:ext>
+            </a:extLst>
+          </a:blip>
+          <a:stretch>
+            <a:fillRect/>
+          </a:stretch>
+        </p:blipFill>
+        <p:spPr>
+          <a:xfrm>
+            <a:off x="5457776" y="5454925"/>
+            <a:ext cx="424478" cy="360000"/>
+          </a:xfrm>
+          <a:prstGeom prst="rect">
+            <a:avLst/>
+          </a:prstGeom>
+        </p:spPr>
+      </p:pic>
+      <p:pic>
+        <p:nvPicPr>
+          <p:cNvPr id="17" name="Image 16"/>
+          <p:cNvPicPr>
+            <a:picLocks noChangeAspect="1"/>
+          </p:cNvPicPr>
+          <p:nvPr/>
+        </p:nvPicPr>
+        <p:blipFill>
+          <a:blip r:embed="rId7" cstate="print">
+            <a:extLst>
+              <a:ext uri="{28A0092B-C50C-407E-A947-70E740481C1C}">
+                <a14:useLocalDpi xmlns:a14="http://schemas.microsoft.com/office/drawing/2010/main" val="0"/>
+              </a:ext>
+            </a:extLst>
+          </a:blip>
+          <a:stretch>
+            <a:fillRect/>
+          </a:stretch>
+        </p:blipFill>
+        <p:spPr>
+          <a:xfrm>
+            <a:off x="4226767" y="5471927"/>
+            <a:ext cx="883032" cy="360000"/>
+          </a:xfrm>
+          <a:prstGeom prst="rect">
+            <a:avLst/>
+          </a:prstGeom>
+        </p:spPr>
+      </p:pic>
+      <p:pic>
+        <p:nvPicPr>
+          <p:cNvPr id="18" name="Image 17"/>
+          <p:cNvPicPr>
+            <a:picLocks noChangeAspect="1"/>
+          </p:cNvPicPr>
+          <p:nvPr/>
+        </p:nvPicPr>
+        <p:blipFill>
+          <a:blip r:embed="rId8" cstate="print">
+            <a:extLst>
+              <a:ext uri="{28A0092B-C50C-407E-A947-70E740481C1C}">
+                <a14:useLocalDpi xmlns:a14="http://schemas.microsoft.com/office/drawing/2010/main" val="0"/>
+              </a:ext>
+            </a:extLst>
+          </a:blip>
+          <a:stretch>
+            <a:fillRect/>
+          </a:stretch>
+        </p:blipFill>
+        <p:spPr>
+          <a:xfrm>
+            <a:off x="6230231" y="5454925"/>
+            <a:ext cx="1730151" cy="360000"/>
+          </a:xfrm>
+          <a:prstGeom prst="rect">
+            <a:avLst/>
+          </a:prstGeom>
+        </p:spPr>
+      </p:pic>
+      <p:cxnSp>
+        <p:nvCxnSpPr>
+          <p:cNvPr id="4" name="Connecteur droit 3"/>
+          <p:cNvCxnSpPr>
+            <a:stCxn id="6" idx="1"/>
+            <a:endCxn id="6" idx="3"/>
+          </p:cNvCxnSpPr>
+          <p:nvPr/>
+        </p:nvCxnSpPr>
+        <p:spPr>
+          <a:xfrm>
+            <a:off x="2666999" y="5304065"/>
+            <a:ext cx="7915409" cy="0"/>
+          </a:xfrm>
+          <a:prstGeom prst="line">
+            <a:avLst/>
+          </a:prstGeom>
+          <a:ln>
+            <a:solidFill>
+              <a:schemeClr val="tx1"/>
+            </a:solidFill>
+          </a:ln>
+        </p:spPr>
+        <p:style>
+          <a:lnRef idx="1">
+            <a:schemeClr val="accent1"/>
+          </a:lnRef>
+          <a:fillRef idx="0">
+            <a:schemeClr val="accent1"/>
+          </a:fillRef>
+          <a:effectRef idx="0">
+            <a:schemeClr val="accent1"/>
+          </a:effectRef>
+          <a:fontRef idx="minor">
+            <a:schemeClr val="tx1"/>
+          </a:fontRef>
+        </p:style>
+      </p:cxnSp>
+      <p:pic>
+        <p:nvPicPr>
+          <p:cNvPr id="5" name="Image 4"/>
+          <p:cNvPicPr>
+            <a:picLocks noChangeAspect="1"/>
+          </p:cNvPicPr>
+          <p:nvPr/>
+        </p:nvPicPr>
+        <p:blipFill>
+          <a:blip r:embed="rId9" cstate="print">
+            <a:extLst>
+              <a:ext uri="{28A0092B-C50C-407E-A947-70E740481C1C}">
+                <a14:useLocalDpi xmlns:a14="http://schemas.microsoft.com/office/drawing/2010/main" val="0"/>
+              </a:ext>
+            </a:extLst>
+          </a:blip>
+          <a:stretch>
+            <a:fillRect/>
+          </a:stretch>
+        </p:blipFill>
+        <p:spPr>
+          <a:xfrm>
+            <a:off x="8308357" y="5454925"/>
+            <a:ext cx="1714286" cy="360000"/>
+          </a:xfrm>
+          <a:prstGeom prst="rect">
+            <a:avLst/>
+          </a:prstGeom>
+        </p:spPr>
+      </p:pic>
+      <p:sp>
+        <p:nvSpPr>
+          <p:cNvPr id="19" name="ZoneTexte 18"/>
+          <p:cNvSpPr txBox="1"/>
+          <p:nvPr/>
+        </p:nvSpPr>
+        <p:spPr>
+          <a:xfrm>
+            <a:off x="2666018" y="4382653"/>
+            <a:ext cx="7916390" cy="259692"/>
+          </a:xfrm>
+          <a:prstGeom prst="rect">
+            <a:avLst/>
+          </a:prstGeom>
+          <a:solidFill>
+            <a:srgbClr val="F8F8F8">
+              <a:alpha val="74902"/>
+            </a:srgbClr>
+          </a:solidFill>
+        </p:spPr>
+        <p:txBody>
+          <a:bodyPr wrap="square" rtlCol="0">
+            <a:spAutoFit/>
+          </a:bodyPr>
+          <a:lstStyle/>
+          <a:p>
+            <a:r>
+              <a:rPr lang="fr-FR" sz="1100" b="1" dirty="0" smtClean="0">
+                <a:latin typeface="Arial" panose="020B0604020202020204" pitchFamily="34" charset="0"/>
+                <a:cs typeface="Arial" panose="020B0604020202020204" pitchFamily="34" charset="0"/>
+              </a:rPr>
+              <a:t>16</a:t>
+            </a:r>
+            <a:r>
+              <a:rPr lang="fr-FR" sz="1100" b="1" baseline="30000" dirty="0" smtClean="0">
+                <a:latin typeface="Arial" panose="020B0604020202020204" pitchFamily="34" charset="0"/>
+                <a:cs typeface="Arial" panose="020B0604020202020204" pitchFamily="34" charset="0"/>
+              </a:rPr>
+              <a:t>ème</a:t>
+            </a:r>
+            <a:r>
+              <a:rPr lang="fr-FR" sz="1100" b="1" dirty="0" smtClean="0">
+                <a:latin typeface="Arial" panose="020B0604020202020204" pitchFamily="34" charset="0"/>
+                <a:cs typeface="Arial" panose="020B0604020202020204" pitchFamily="34" charset="0"/>
+              </a:rPr>
+              <a:t> course virtuelle connectée au profit de</a:t>
+            </a:r>
+            <a:endParaRPr lang="fr-FR" sz="1100" b="1" dirty="0">
+              <a:latin typeface="Arial" panose="020B0604020202020204" pitchFamily="34" charset="0"/>
+              <a:cs typeface="Arial" panose="020B0604020202020204" pitchFamily="34" charset="0"/>
+            </a:endParaRPr>
+          </a:p>
+        </p:txBody>
+      </p:sp>
+      <p:pic>
+        <p:nvPicPr>
+          <p:cNvPr id="21" name="Image 20"/>
+          <p:cNvPicPr>
+            <a:picLocks noChangeAspect="1"/>
+          </p:cNvPicPr>
+          <p:nvPr/>
+        </p:nvPicPr>
+        <p:blipFill rotWithShape="1">
+          <a:blip r:embed="rId10" cstate="print">
+            <a:extLst>
+              <a:ext uri="{28A0092B-C50C-407E-A947-70E740481C1C}">
+                <a14:useLocalDpi xmlns:a14="http://schemas.microsoft.com/office/drawing/2010/main" val="0"/>
+              </a:ext>
+            </a:extLst>
+          </a:blip>
+          <a:srcRect t="23299"/>
+          <a:stretch/>
+        </p:blipFill>
+        <p:spPr>
+          <a:xfrm flipH="1">
+            <a:off x="6262408" y="925783"/>
+            <a:ext cx="4320000" cy="1974854"/>
+          </a:xfrm>
+          <a:prstGeom prst="rect">
+            <a:avLst/>
+          </a:prstGeom>
+        </p:spPr>
+      </p:pic>
+      <p:pic>
+        <p:nvPicPr>
+          <p:cNvPr id="20" name="Image 19"/>
+          <p:cNvPicPr>
+            <a:picLocks noChangeAspect="1"/>
+          </p:cNvPicPr>
+          <p:nvPr/>
+        </p:nvPicPr>
+        <p:blipFill rotWithShape="1">
+          <a:blip r:embed="rId10" cstate="print">
+            <a:extLst>
+              <a:ext uri="{28A0092B-C50C-407E-A947-70E740481C1C}">
+                <a14:useLocalDpi xmlns:a14="http://schemas.microsoft.com/office/drawing/2010/main" val="0"/>
+              </a:ext>
+            </a:extLst>
+          </a:blip>
+          <a:srcRect t="23299"/>
+          <a:stretch/>
+        </p:blipFill>
+        <p:spPr>
+          <a:xfrm flipH="1">
+            <a:off x="2688283" y="925783"/>
+            <a:ext cx="4320000" cy="1974854"/>
+          </a:xfrm>
+          <a:prstGeom prst="rect">
+            <a:avLst/>
+          </a:prstGeom>
+        </p:spPr>
+      </p:pic>
+      <p:sp>
+        <p:nvSpPr>
+          <p:cNvPr id="12" name="ZoneTexte 11"/>
+          <p:cNvSpPr txBox="1"/>
+          <p:nvPr/>
+        </p:nvSpPr>
+        <p:spPr>
+          <a:xfrm>
+            <a:off x="2666999" y="1164655"/>
+            <a:ext cx="7915409" cy="900000"/>
+          </a:xfrm>
+          <a:prstGeom prst="rect">
+            <a:avLst/>
+          </a:prstGeom>
+          <a:solidFill>
+            <a:srgbClr val="F8F8F8">
+              <a:alpha val="74902"/>
+            </a:srgbClr>
+          </a:solidFill>
+        </p:spPr>
+        <p:txBody>
+          <a:bodyPr wrap="square" rtlCol="0">
+            <a:spAutoFit/>
+          </a:bodyPr>
+          <a:lstStyle/>
+          <a:p>
+            <a:pPr algn="ctr"/>
+            <a:endParaRPr lang="fr-FR" sz="6000" b="1" dirty="0"/>
+          </a:p>
+        </p:txBody>
+      </p:sp>
+    </p:spTree>
+    <p:extLst>
+      <p:ext uri="{BB962C8B-B14F-4D97-AF65-F5344CB8AC3E}">
+        <p14:creationId xmlns:p14="http://schemas.microsoft.com/office/powerpoint/2010/main" val="1864667488"/>
+      </p:ext>
+    </p:extLst>
+  </p:cSld>
+  <p:clrMapOvr>
+    <a:masterClrMapping/>
+  </p:clrMapOvr>
+</p:sld>
+</file>
+
+<file path=ppt/slides/slide4.xml><?xml version="1.0" encoding="utf-8"?>
+<p:sld xmlns:a="http://schemas.openxmlformats.org/drawingml/2006/main" xmlns:r="http://schemas.openxmlformats.org/officeDocument/2006/relationships" xmlns:p="http://schemas.openxmlformats.org/presentationml/2006/main">
+  <p:cSld>
+    <p:spTree>
+      <p:nvGrpSpPr>
+        <p:cNvPr id="1" name=""/>
+        <p:cNvGrpSpPr/>
+        <p:nvPr/>
+      </p:nvGrpSpPr>
+      <p:grpSpPr>
+        <a:xfrm>
+          <a:off x="0" y="0"/>
+          <a:ext cx="0" cy="0"/>
+          <a:chOff x="0" y="0"/>
+          <a:chExt cx="0" cy="0"/>
+        </a:xfrm>
+      </p:grpSpPr>
+      <p:pic>
+        <p:nvPicPr>
+          <p:cNvPr id="5" name="Image 4"/>
+          <p:cNvPicPr>
+            <a:picLocks noChangeAspect="1"/>
+          </p:cNvPicPr>
+          <p:nvPr/>
+        </p:nvPicPr>
+        <p:blipFill>
+          <a:blip r:embed="rId2" cstate="print">
+            <a:extLst>
+              <a:ext uri="{BEBA8EAE-BF5A-486C-A8C5-ECC9F3942E4B}">
+                <a14:imgProps xmlns:a14="http://schemas.microsoft.com/office/drawing/2010/main">
+                  <a14:imgLayer r:embed="rId3">
+                    <a14:imgEffect>
+                      <a14:saturation sat="400000"/>
+                    </a14:imgEffect>
+                    <a14:imgEffect>
+                      <a14:brightnessContrast bright="-20000" contrast="40000"/>
+                    </a14:imgEffect>
+                  </a14:imgLayer>
+                </a14:imgProps>
+              </a:ext>
+              <a:ext uri="{28A0092B-C50C-407E-A947-70E740481C1C}">
+                <a14:useLocalDpi xmlns:a14="http://schemas.microsoft.com/office/drawing/2010/main" val="0"/>
+              </a:ext>
+            </a:extLst>
+          </a:blip>
+          <a:stretch>
+            <a:fillRect/>
+          </a:stretch>
+        </p:blipFill>
+        <p:spPr>
+          <a:xfrm>
+            <a:off x="2158348" y="878040"/>
+            <a:ext cx="1440000" cy="639360"/>
+          </a:xfrm>
+          <a:prstGeom prst="rect">
+            <a:avLst/>
+          </a:prstGeom>
+        </p:spPr>
+      </p:pic>
+      <p:pic>
+        <p:nvPicPr>
+          <p:cNvPr id="6" name="Image 5"/>
+          <p:cNvPicPr>
+            <a:picLocks noChangeAspect="1"/>
+          </p:cNvPicPr>
+          <p:nvPr/>
+        </p:nvPicPr>
+        <p:blipFill>
+          <a:blip r:embed="rId4" cstate="print">
+            <a:extLst>
+              <a:ext uri="{28A0092B-C50C-407E-A947-70E740481C1C}">
+                <a14:useLocalDpi xmlns:a14="http://schemas.microsoft.com/office/drawing/2010/main" val="0"/>
+              </a:ext>
+            </a:extLst>
+          </a:blip>
+          <a:stretch>
+            <a:fillRect/>
+          </a:stretch>
+        </p:blipFill>
+        <p:spPr>
+          <a:xfrm>
+            <a:off x="2524124" y="2387466"/>
+            <a:ext cx="798821" cy="677481"/>
+          </a:xfrm>
+          <a:prstGeom prst="rect">
+            <a:avLst/>
+          </a:prstGeom>
+        </p:spPr>
+      </p:pic>
+      <p:pic>
+        <p:nvPicPr>
+          <p:cNvPr id="7" name="Image 6"/>
+          <p:cNvPicPr>
+            <a:picLocks noChangeAspect="1"/>
+          </p:cNvPicPr>
+          <p:nvPr/>
+        </p:nvPicPr>
+        <p:blipFill>
+          <a:blip r:embed="rId5" cstate="print">
+            <a:extLst>
+              <a:ext uri="{28A0092B-C50C-407E-A947-70E740481C1C}">
+                <a14:useLocalDpi xmlns:a14="http://schemas.microsoft.com/office/drawing/2010/main" val="0"/>
+              </a:ext>
+            </a:extLst>
+          </a:blip>
+          <a:stretch>
+            <a:fillRect/>
+          </a:stretch>
+        </p:blipFill>
+        <p:spPr>
+          <a:xfrm>
+            <a:off x="2158348" y="3356784"/>
+            <a:ext cx="1440000" cy="587068"/>
+          </a:xfrm>
+          <a:prstGeom prst="rect">
+            <a:avLst/>
+          </a:prstGeom>
+        </p:spPr>
+      </p:pic>
+      <p:pic>
+        <p:nvPicPr>
+          <p:cNvPr id="8" name="Image 7"/>
+          <p:cNvPicPr>
+            <a:picLocks noChangeAspect="1"/>
+          </p:cNvPicPr>
+          <p:nvPr/>
+        </p:nvPicPr>
+        <p:blipFill>
+          <a:blip r:embed="rId6" cstate="print">
+            <a:extLst>
+              <a:ext uri="{28A0092B-C50C-407E-A947-70E740481C1C}">
+                <a14:useLocalDpi xmlns:a14="http://schemas.microsoft.com/office/drawing/2010/main" val="0"/>
+              </a:ext>
+            </a:extLst>
+          </a:blip>
+          <a:stretch>
+            <a:fillRect/>
+          </a:stretch>
+        </p:blipFill>
+        <p:spPr>
+          <a:xfrm>
+            <a:off x="2158348" y="4110572"/>
+            <a:ext cx="1440000" cy="299627"/>
+          </a:xfrm>
+          <a:prstGeom prst="rect">
+            <a:avLst/>
+          </a:prstGeom>
+        </p:spPr>
+      </p:pic>
+      <p:pic>
+        <p:nvPicPr>
+          <p:cNvPr id="9" name="Image 8"/>
+          <p:cNvPicPr>
+            <a:picLocks noChangeAspect="1"/>
+          </p:cNvPicPr>
+          <p:nvPr/>
+        </p:nvPicPr>
+        <p:blipFill>
+          <a:blip r:embed="rId7" cstate="print">
+            <a:extLst>
+              <a:ext uri="{28A0092B-C50C-407E-A947-70E740481C1C}">
+                <a14:useLocalDpi xmlns:a14="http://schemas.microsoft.com/office/drawing/2010/main" val="0"/>
+              </a:ext>
+            </a:extLst>
+          </a:blip>
+          <a:stretch>
+            <a:fillRect/>
+          </a:stretch>
+        </p:blipFill>
+        <p:spPr>
+          <a:xfrm>
+            <a:off x="2148823" y="1791708"/>
+            <a:ext cx="1692000" cy="355320"/>
+          </a:xfrm>
+          <a:prstGeom prst="rect">
+            <a:avLst/>
+          </a:prstGeom>
+        </p:spPr>
+      </p:pic>
+    </p:spTree>
+    <p:extLst>
+      <p:ext uri="{BB962C8B-B14F-4D97-AF65-F5344CB8AC3E}">
+        <p14:creationId xmlns:p14="http://schemas.microsoft.com/office/powerpoint/2010/main" val="1361195516"/>
       </p:ext>
     </p:extLst>
   </p:cSld>
@@ -3724,16 +4992,16 @@
 <file path=customXml/itemProps3.xml><?xml version="1.0" encoding="utf-8"?>
 <ds:datastoreItem xmlns:ds="http://schemas.openxmlformats.org/officeDocument/2006/customXml" ds:itemID="{ECF70076-0E67-41E2-BB15-93A25F949074}">
   <ds:schemaRefs>
+    <ds:schemaRef ds:uri="http://purl.org/dc/terms/"/>
+    <ds:schemaRef ds:uri="http://schemas.microsoft.com/office/2006/documentManagement/types"/>
+    <ds:schemaRef ds:uri="c8438557-ce8b-4c4c-b94d-6a2491d2cc6d"/>
+    <ds:schemaRef ds:uri="http://www.w3.org/XML/1998/namespace"/>
     <ds:schemaRef ds:uri="http://schemas.openxmlformats.org/package/2006/metadata/core-properties"/>
-    <ds:schemaRef ds:uri="c8438557-ce8b-4c4c-b94d-6a2491d2cc6d"/>
-    <ds:schemaRef ds:uri="http://schemas.microsoft.com/office/2006/documentManagement/types"/>
     <ds:schemaRef ds:uri="http://purl.org/dc/elements/1.1/"/>
+    <ds:schemaRef ds:uri="http://schemas.microsoft.com/office/2006/metadata/properties"/>
     <ds:schemaRef ds:uri="http://schemas.microsoft.com/office/infopath/2007/PartnerControls"/>
+    <ds:schemaRef ds:uri="230486b7-ae46-4a7b-9810-315006c8cb07"/>
     <ds:schemaRef ds:uri="http://purl.org/dc/dcmitype/"/>
-    <ds:schemaRef ds:uri="230486b7-ae46-4a7b-9810-315006c8cb07"/>
-    <ds:schemaRef ds:uri="http://schemas.microsoft.com/office/2006/metadata/properties"/>
-    <ds:schemaRef ds:uri="http://www.w3.org/XML/1998/namespace"/>
-    <ds:schemaRef ds:uri="http://purl.org/dc/terms/"/>
   </ds:schemaRefs>
 </ds:datastoreItem>
 </file>
--- a/Modele.pptx
+++ b/Modele.pptx
@@ -3769,16 +3769,74 @@
           </a:prstGeom>
         </p:spPr>
       </p:pic>
-      <p:sp>
-        <p:nvSpPr>
-          <p:cNvPr id="6" name="ZoneTexte 5"/>
+      <p:pic>
+        <p:nvPicPr>
+          <p:cNvPr id="21" name="Image 20"/>
+          <p:cNvPicPr>
+            <a:picLocks noChangeAspect="1"/>
+          </p:cNvPicPr>
+          <p:nvPr/>
+        </p:nvPicPr>
+        <p:blipFill rotWithShape="1">
+          <a:blip r:embed="rId3" cstate="print">
+            <a:extLst>
+              <a:ext uri="{28A0092B-C50C-407E-A947-70E740481C1C}">
+                <a14:useLocalDpi xmlns:a14="http://schemas.microsoft.com/office/drawing/2010/main" val="0"/>
+              </a:ext>
+            </a:extLst>
+          </a:blip>
+          <a:srcRect t="12005"/>
+          <a:stretch/>
+        </p:blipFill>
+        <p:spPr>
+          <a:xfrm flipH="1">
+            <a:off x="6262408" y="915029"/>
+            <a:ext cx="4320000" cy="1985608"/>
+          </a:xfrm>
+          <a:prstGeom prst="rect">
+            <a:avLst/>
+          </a:prstGeom>
+        </p:spPr>
+      </p:pic>
+      <p:pic>
+        <p:nvPicPr>
+          <p:cNvPr id="20" name="Image 19"/>
+          <p:cNvPicPr>
+            <a:picLocks noChangeAspect="1"/>
+          </p:cNvPicPr>
+          <p:nvPr/>
+        </p:nvPicPr>
+        <p:blipFill rotWithShape="1">
+          <a:blip r:embed="rId3" cstate="print">
+            <a:extLst>
+              <a:ext uri="{28A0092B-C50C-407E-A947-70E740481C1C}">
+                <a14:useLocalDpi xmlns:a14="http://schemas.microsoft.com/office/drawing/2010/main" val="0"/>
+              </a:ext>
+            </a:extLst>
+          </a:blip>
+          <a:srcRect t="11512"/>
+          <a:stretch/>
+        </p:blipFill>
+        <p:spPr>
+          <a:xfrm flipH="1">
+            <a:off x="2688283" y="916973"/>
+            <a:ext cx="4320000" cy="1983664"/>
+          </a:xfrm>
+          <a:prstGeom prst="rect">
+            <a:avLst/>
+          </a:prstGeom>
+        </p:spPr>
+      </p:pic>
+      <p:sp>
+        <p:nvSpPr>
+          <p:cNvPr id="12" name="ZoneTexte 11"/>
           <p:cNvSpPr txBox="1"/>
           <p:nvPr/>
         </p:nvSpPr>
         <p:spPr>
           <a:xfrm>
-            <a:off x="2666999" y="4642345"/>
-            <a:ext cx="7915409" cy="1323439"/>
+            <a:off x="2666999" y="1164655"/>
+            <a:ext cx="7915409" cy="900000"/>
           </a:xfrm>
           <a:prstGeom prst="rect">
             <a:avLst/>
@@ -3795,9 +3853,69 @@
           </a:bodyPr>
           <a:lstStyle/>
           <a:p>
+            <a:pPr algn="ctr"/>
+            <a:endParaRPr lang="fr-FR" sz="6000" b="1" dirty="0"/>
+          </a:p>
+        </p:txBody>
+      </p:sp>
+      <p:pic>
+        <p:nvPicPr>
+          <p:cNvPr id="9" name="Image 8"/>
+          <p:cNvPicPr>
+            <a:picLocks noChangeAspect="1"/>
+          </p:cNvPicPr>
+          <p:nvPr/>
+        </p:nvPicPr>
+        <p:blipFill rotWithShape="1">
+          <a:blip r:embed="rId4">
+            <a:extLst>
+              <a:ext uri="{28A0092B-C50C-407E-A947-70E740481C1C}">
+                <a14:useLocalDpi xmlns:a14="http://schemas.microsoft.com/office/drawing/2010/main" val="0"/>
+              </a:ext>
+            </a:extLst>
+          </a:blip>
+          <a:srcRect r="33796"/>
+          <a:stretch/>
+        </p:blipFill>
+        <p:spPr>
+          <a:xfrm>
+            <a:off x="2662408" y="4143433"/>
+            <a:ext cx="7920000" cy="1820407"/>
+          </a:xfrm>
+          <a:prstGeom prst="rect">
+            <a:avLst/>
+          </a:prstGeom>
+        </p:spPr>
+      </p:pic>
+      <p:sp>
+        <p:nvSpPr>
+          <p:cNvPr id="6" name="ZoneTexte 5"/>
+          <p:cNvSpPr txBox="1"/>
+          <p:nvPr/>
+        </p:nvSpPr>
+        <p:spPr>
+          <a:xfrm>
+            <a:off x="2662408" y="4528045"/>
+            <a:ext cx="7920000" cy="1446550"/>
+          </a:xfrm>
+          <a:prstGeom prst="rect">
+            <a:avLst/>
+          </a:prstGeom>
+          <a:solidFill>
+            <a:srgbClr val="F8F8F8">
+              <a:alpha val="74902"/>
+            </a:srgbClr>
+          </a:solidFill>
+        </p:spPr>
+        <p:txBody>
+          <a:bodyPr wrap="square" rtlCol="0">
+            <a:spAutoFit/>
+          </a:bodyPr>
+          <a:lstStyle/>
+          <a:p>
             <a:pPr algn="r"/>
             <a:r>
-              <a:rPr lang="fr-FR" sz="4000" b="1" dirty="0" smtClean="0">
+              <a:rPr lang="fr-FR" sz="4400" b="1" dirty="0" smtClean="0">
                 <a:solidFill>
                   <a:srgbClr val="DC4E32"/>
                 </a:solidFill>
@@ -3807,7 +3925,7 @@
               <a:t>La </a:t>
             </a:r>
             <a:r>
-              <a:rPr lang="fr-FR" sz="4000" b="1" dirty="0" err="1" smtClean="0">
+              <a:rPr lang="fr-FR" sz="4400" b="1" dirty="0" err="1" smtClean="0">
                 <a:solidFill>
                   <a:srgbClr val="DC4E32"/>
                 </a:solidFill>
@@ -3817,7 +3935,7 @@
               <a:t>PiEdTHONe</a:t>
             </a:r>
             <a:r>
-              <a:rPr lang="fr-FR" sz="4000" b="1" dirty="0" smtClean="0">
+              <a:rPr lang="fr-FR" sz="4400" b="1" dirty="0" smtClean="0">
                 <a:solidFill>
                   <a:srgbClr val="DC4E32"/>
                 </a:solidFill>
@@ -3829,59 +3947,13 @@
           </a:p>
           <a:p>
             <a:pPr algn="r"/>
-            <a:endParaRPr lang="fr-FR" sz="4000" b="1" dirty="0">
+            <a:endParaRPr lang="fr-FR" sz="4400" b="1" dirty="0">
               <a:solidFill>
                 <a:srgbClr val="FF0000"/>
               </a:solidFill>
               <a:latin typeface="Arial" panose="020B0604020202020204" pitchFamily="34" charset="0"/>
               <a:cs typeface="Arial" panose="020B0604020202020204" pitchFamily="34" charset="0"/>
             </a:endParaRPr>
-          </a:p>
-        </p:txBody>
-      </p:sp>
-      <p:sp>
-        <p:nvSpPr>
-          <p:cNvPr id="14" name="Rectangle à coins arrondis 13"/>
-          <p:cNvSpPr/>
-          <p:nvPr/>
-        </p:nvSpPr>
-        <p:spPr>
-          <a:xfrm>
-            <a:off x="4624137" y="2669863"/>
-            <a:ext cx="2943726" cy="1126156"/>
-          </a:xfrm>
-          <a:prstGeom prst="roundRect">
-            <a:avLst/>
-          </a:prstGeom>
-          <a:solidFill>
-            <a:srgbClr val="FFFFFF"/>
-          </a:solidFill>
-          <a:ln>
-            <a:noFill/>
-          </a:ln>
-        </p:spPr>
-        <p:style>
-          <a:lnRef idx="2">
-            <a:schemeClr val="accent1">
-              <a:shade val="50000"/>
-            </a:schemeClr>
-          </a:lnRef>
-          <a:fillRef idx="1">
-            <a:schemeClr val="accent1"/>
-          </a:fillRef>
-          <a:effectRef idx="0">
-            <a:schemeClr val="accent1"/>
-          </a:effectRef>
-          <a:fontRef idx="minor">
-            <a:schemeClr val="lt1"/>
-          </a:fontRef>
-        </p:style>
-        <p:txBody>
-          <a:bodyPr rtlCol="0" anchor="ctr"/>
-          <a:lstStyle/>
-          <a:p>
-            <a:pPr algn="ctr"/>
-            <a:endParaRPr lang="fr-FR"/>
           </a:p>
         </p:txBody>
       </p:sp>
@@ -3894,7 +3966,7 @@
           <p:nvPr/>
         </p:nvPicPr>
         <p:blipFill>
-          <a:blip r:embed="rId3" cstate="print">
+          <a:blip r:embed="rId5" cstate="print">
             <a:extLst>
               <a:ext uri="{28A0092B-C50C-407E-A947-70E740481C1C}">
                 <a14:useLocalDpi xmlns:a14="http://schemas.microsoft.com/office/drawing/2010/main" val="0"/>
@@ -3907,7 +3979,7 @@
         </p:blipFill>
         <p:spPr>
           <a:xfrm>
-            <a:off x="2834773" y="4704893"/>
+            <a:off x="2834773" y="4641393"/>
             <a:ext cx="1440000" cy="536624"/>
           </a:xfrm>
           <a:prstGeom prst="rect">
@@ -3924,11 +3996,11 @@
           <p:nvPr/>
         </p:nvPicPr>
         <p:blipFill>
-          <a:blip r:embed="rId4" cstate="print">
+          <a:blip r:embed="rId6" cstate="print">
             <a:extLst>
               <a:ext uri="{BEBA8EAE-BF5A-486C-A8C5-ECC9F3942E4B}">
                 <a14:imgProps xmlns:a14="http://schemas.microsoft.com/office/drawing/2010/main">
-                  <a14:imgLayer r:embed="rId5">
+                  <a14:imgLayer r:embed="rId7">
                     <a14:imgEffect>
                       <a14:saturation sat="400000"/>
                     </a14:imgEffect>
@@ -3949,7 +4021,7 @@
         </p:blipFill>
         <p:spPr>
           <a:xfrm>
-            <a:off x="3067978" y="5460665"/>
+            <a:off x="3169578" y="5465953"/>
             <a:ext cx="810812" cy="360000"/>
           </a:xfrm>
           <a:prstGeom prst="rect">
@@ -3960,66 +4032,6 @@
       <p:pic>
         <p:nvPicPr>
           <p:cNvPr id="16" name="Image 15"/>
-          <p:cNvPicPr>
-            <a:picLocks noChangeAspect="1"/>
-          </p:cNvPicPr>
-          <p:nvPr/>
-        </p:nvPicPr>
-        <p:blipFill>
-          <a:blip r:embed="rId6" cstate="print">
-            <a:extLst>
-              <a:ext uri="{28A0092B-C50C-407E-A947-70E740481C1C}">
-                <a14:useLocalDpi xmlns:a14="http://schemas.microsoft.com/office/drawing/2010/main" val="0"/>
-              </a:ext>
-            </a:extLst>
-          </a:blip>
-          <a:stretch>
-            <a:fillRect/>
-          </a:stretch>
-        </p:blipFill>
-        <p:spPr>
-          <a:xfrm>
-            <a:off x="5457776" y="5454925"/>
-            <a:ext cx="424478" cy="360000"/>
-          </a:xfrm>
-          <a:prstGeom prst="rect">
-            <a:avLst/>
-          </a:prstGeom>
-        </p:spPr>
-      </p:pic>
-      <p:pic>
-        <p:nvPicPr>
-          <p:cNvPr id="17" name="Image 16"/>
-          <p:cNvPicPr>
-            <a:picLocks noChangeAspect="1"/>
-          </p:cNvPicPr>
-          <p:nvPr/>
-        </p:nvPicPr>
-        <p:blipFill>
-          <a:blip r:embed="rId7" cstate="print">
-            <a:extLst>
-              <a:ext uri="{28A0092B-C50C-407E-A947-70E740481C1C}">
-                <a14:useLocalDpi xmlns:a14="http://schemas.microsoft.com/office/drawing/2010/main" val="0"/>
-              </a:ext>
-            </a:extLst>
-          </a:blip>
-          <a:stretch>
-            <a:fillRect/>
-          </a:stretch>
-        </p:blipFill>
-        <p:spPr>
-          <a:xfrm>
-            <a:off x="4226767" y="5471927"/>
-            <a:ext cx="883032" cy="360000"/>
-          </a:xfrm>
-          <a:prstGeom prst="rect">
-            <a:avLst/>
-          </a:prstGeom>
-        </p:spPr>
-      </p:pic>
-      <p:pic>
-        <p:nvPicPr>
-          <p:cNvPr id="18" name="Image 17"/>
           <p:cNvPicPr>
             <a:picLocks noChangeAspect="1"/>
           </p:cNvPicPr>
@@ -4039,7 +4051,67 @@
         </p:blipFill>
         <p:spPr>
           <a:xfrm>
-            <a:off x="6230231" y="5454925"/>
+            <a:off x="5559376" y="5460213"/>
+            <a:ext cx="424478" cy="360000"/>
+          </a:xfrm>
+          <a:prstGeom prst="rect">
+            <a:avLst/>
+          </a:prstGeom>
+        </p:spPr>
+      </p:pic>
+      <p:pic>
+        <p:nvPicPr>
+          <p:cNvPr id="17" name="Image 16"/>
+          <p:cNvPicPr>
+            <a:picLocks noChangeAspect="1"/>
+          </p:cNvPicPr>
+          <p:nvPr/>
+        </p:nvPicPr>
+        <p:blipFill>
+          <a:blip r:embed="rId9" cstate="print">
+            <a:extLst>
+              <a:ext uri="{28A0092B-C50C-407E-A947-70E740481C1C}">
+                <a14:useLocalDpi xmlns:a14="http://schemas.microsoft.com/office/drawing/2010/main" val="0"/>
+              </a:ext>
+            </a:extLst>
+          </a:blip>
+          <a:stretch>
+            <a:fillRect/>
+          </a:stretch>
+        </p:blipFill>
+        <p:spPr>
+          <a:xfrm>
+            <a:off x="4328367" y="5477215"/>
+            <a:ext cx="883032" cy="360000"/>
+          </a:xfrm>
+          <a:prstGeom prst="rect">
+            <a:avLst/>
+          </a:prstGeom>
+        </p:spPr>
+      </p:pic>
+      <p:pic>
+        <p:nvPicPr>
+          <p:cNvPr id="18" name="Image 17"/>
+          <p:cNvPicPr>
+            <a:picLocks noChangeAspect="1"/>
+          </p:cNvPicPr>
+          <p:nvPr/>
+        </p:nvPicPr>
+        <p:blipFill>
+          <a:blip r:embed="rId10" cstate="print">
+            <a:extLst>
+              <a:ext uri="{28A0092B-C50C-407E-A947-70E740481C1C}">
+                <a14:useLocalDpi xmlns:a14="http://schemas.microsoft.com/office/drawing/2010/main" val="0"/>
+              </a:ext>
+            </a:extLst>
+          </a:blip>
+          <a:stretch>
+            <a:fillRect/>
+          </a:stretch>
+        </p:blipFill>
+        <p:spPr>
+          <a:xfrm>
+            <a:off x="6331831" y="5460213"/>
             <a:ext cx="1730151" cy="360000"/>
           </a:xfrm>
           <a:prstGeom prst="rect">
@@ -4050,16 +4122,13 @@
       <p:cxnSp>
         <p:nvCxnSpPr>
           <p:cNvPr id="4" name="Connecteur droit 3"/>
-          <p:cNvCxnSpPr>
-            <a:stCxn id="6" idx="1"/>
-            <a:endCxn id="6" idx="3"/>
-          </p:cNvCxnSpPr>
+          <p:cNvCxnSpPr/>
           <p:nvPr/>
         </p:nvCxnSpPr>
         <p:spPr>
           <a:xfrm>
-            <a:off x="2666999" y="5304065"/>
-            <a:ext cx="7915409" cy="0"/>
+            <a:off x="2662408" y="5276720"/>
+            <a:ext cx="7920000" cy="0"/>
           </a:xfrm>
           <a:prstGeom prst="line">
             <a:avLst/>
@@ -4094,7 +4163,7 @@
           <p:nvPr/>
         </p:nvPicPr>
         <p:blipFill>
-          <a:blip r:embed="rId9" cstate="print">
+          <a:blip r:embed="rId11" cstate="print">
             <a:extLst>
               <a:ext uri="{28A0092B-C50C-407E-A947-70E740481C1C}">
                 <a14:useLocalDpi xmlns:a14="http://schemas.microsoft.com/office/drawing/2010/main" val="0"/>
@@ -4107,7 +4176,7 @@
         </p:blipFill>
         <p:spPr>
           <a:xfrm>
-            <a:off x="8308357" y="5454925"/>
+            <a:off x="8409957" y="5460213"/>
             <a:ext cx="1714286" cy="360000"/>
           </a:xfrm>
           <a:prstGeom prst="rect">
@@ -4123,8 +4192,8 @@
         </p:nvSpPr>
         <p:spPr>
           <a:xfrm>
-            <a:off x="2666018" y="4382653"/>
-            <a:ext cx="7916390" cy="259692"/>
+            <a:off x="2662408" y="4268353"/>
+            <a:ext cx="7920000" cy="259692"/>
           </a:xfrm>
           <a:prstGeom prst="rect">
             <a:avLst/>
@@ -4171,93 +4240,65 @@
       </p:sp>
       <p:pic>
         <p:nvPicPr>
-          <p:cNvPr id="21" name="Image 20"/>
+          <p:cNvPr id="26" name="Image 25"/>
           <p:cNvPicPr>
             <a:picLocks noChangeAspect="1"/>
           </p:cNvPicPr>
           <p:nvPr/>
         </p:nvPicPr>
-        <p:blipFill rotWithShape="1">
-          <a:blip r:embed="rId10" cstate="print">
+        <p:blipFill>
+          <a:blip r:embed="rId12" cstate="print">
             <a:extLst>
               <a:ext uri="{28A0092B-C50C-407E-A947-70E740481C1C}">
                 <a14:useLocalDpi xmlns:a14="http://schemas.microsoft.com/office/drawing/2010/main" val="0"/>
               </a:ext>
             </a:extLst>
           </a:blip>
-          <a:srcRect t="23299"/>
-          <a:stretch/>
+          <a:stretch>
+            <a:fillRect/>
+          </a:stretch>
         </p:blipFill>
         <p:spPr>
-          <a:xfrm flipH="1">
-            <a:off x="6262408" y="925783"/>
-            <a:ext cx="4320000" cy="1974854"/>
+          <a:xfrm>
+            <a:off x="9670720" y="1128655"/>
+            <a:ext cx="911688" cy="936000"/>
           </a:xfrm>
           <a:prstGeom prst="rect">
             <a:avLst/>
           </a:prstGeom>
         </p:spPr>
       </p:pic>
-      <p:pic>
-        <p:nvPicPr>
-          <p:cNvPr id="20" name="Image 19"/>
-          <p:cNvPicPr>
-            <a:picLocks noChangeAspect="1"/>
-          </p:cNvPicPr>
+      <p:cxnSp>
+        <p:nvCxnSpPr>
+          <p:cNvPr id="28" name="Connecteur droit 27"/>
+          <p:cNvCxnSpPr/>
           <p:nvPr/>
-        </p:nvPicPr>
-        <p:blipFill rotWithShape="1">
-          <a:blip r:embed="rId10" cstate="print">
-            <a:extLst>
-              <a:ext uri="{28A0092B-C50C-407E-A947-70E740481C1C}">
-                <a14:useLocalDpi xmlns:a14="http://schemas.microsoft.com/office/drawing/2010/main" val="0"/>
-              </a:ext>
-            </a:extLst>
-          </a:blip>
-          <a:srcRect t="23299"/>
-          <a:stretch/>
-        </p:blipFill>
-        <p:spPr>
-          <a:xfrm flipH="1">
-            <a:off x="2688283" y="925783"/>
-            <a:ext cx="4320000" cy="1974854"/>
-          </a:xfrm>
-          <a:prstGeom prst="rect">
+        </p:nvCxnSpPr>
+        <p:spPr>
+          <a:xfrm>
+            <a:off x="6616700" y="2900637"/>
+            <a:ext cx="0" cy="1074463"/>
+          </a:xfrm>
+          <a:prstGeom prst="line">
             <a:avLst/>
           </a:prstGeom>
-        </p:spPr>
-      </p:pic>
-      <p:sp>
-        <p:nvSpPr>
-          <p:cNvPr id="12" name="ZoneTexte 11"/>
-          <p:cNvSpPr txBox="1"/>
-          <p:nvPr/>
-        </p:nvSpPr>
-        <p:spPr>
-          <a:xfrm>
-            <a:off x="2666999" y="1164655"/>
-            <a:ext cx="7915409" cy="900000"/>
-          </a:xfrm>
-          <a:prstGeom prst="rect">
-            <a:avLst/>
-          </a:prstGeom>
-          <a:solidFill>
-            <a:srgbClr val="F8F8F8">
-              <a:alpha val="74902"/>
-            </a:srgbClr>
-          </a:solidFill>
-        </p:spPr>
-        <p:txBody>
-          <a:bodyPr wrap="square" rtlCol="0">
-            <a:spAutoFit/>
-          </a:bodyPr>
-          <a:lstStyle/>
-          <a:p>
-            <a:pPr algn="ctr"/>
-            <a:endParaRPr lang="fr-FR" sz="6000" b="1" dirty="0"/>
-          </a:p>
-        </p:txBody>
-      </p:sp>
+          <a:ln w="50800"/>
+        </p:spPr>
+        <p:style>
+          <a:lnRef idx="1">
+            <a:schemeClr val="accent1"/>
+          </a:lnRef>
+          <a:fillRef idx="0">
+            <a:schemeClr val="accent1"/>
+          </a:fillRef>
+          <a:effectRef idx="0">
+            <a:schemeClr val="accent1"/>
+          </a:effectRef>
+          <a:fontRef idx="minor">
+            <a:schemeClr val="tx1"/>
+          </a:fontRef>
+        </p:style>
+      </p:cxnSp>
     </p:spTree>
     <p:extLst>
       <p:ext uri="{BB962C8B-B14F-4D97-AF65-F5344CB8AC3E}">

--- a/Modele.pptx
+++ b/Modele.pptx
@@ -3913,7 +3913,7 @@
           </a:bodyPr>
           <a:lstStyle/>
           <a:p>
-            <a:pPr algn="r"/>
+            <a:pPr algn="ctr"/>
             <a:r>
               <a:rPr lang="fr-FR" sz="4400" b="1" dirty="0" smtClean="0">
                 <a:solidFill>
@@ -3922,7 +3922,7 @@
                 <a:latin typeface="Arial" panose="020B0604020202020204" pitchFamily="34" charset="0"/>
                 <a:cs typeface="Arial" panose="020B0604020202020204" pitchFamily="34" charset="0"/>
               </a:rPr>
-              <a:t>La </a:t>
+              <a:t>              La </a:t>
             </a:r>
             <a:r>
               <a:rPr lang="fr-FR" sz="4400" b="1" dirty="0" err="1" smtClean="0">
@@ -3979,8 +3979,8 @@
         </p:blipFill>
         <p:spPr>
           <a:xfrm>
-            <a:off x="2834773" y="4641393"/>
-            <a:ext cx="1440000" cy="536624"/>
+            <a:off x="2996810" y="4603316"/>
+            <a:ext cx="1612768" cy="601007"/>
           </a:xfrm>
           <a:prstGeom prst="rect">
             <a:avLst/>
@@ -4229,7 +4229,7 @@
                 <a:latin typeface="Arial" panose="020B0604020202020204" pitchFamily="34" charset="0"/>
                 <a:cs typeface="Arial" panose="020B0604020202020204" pitchFamily="34" charset="0"/>
               </a:rPr>
-              <a:t> course virtuelle connectée au profit de</a:t>
+              <a:t> course virtuelle connectée au profit du</a:t>
             </a:r>
             <a:endParaRPr lang="fr-FR" sz="1100" b="1" dirty="0">
               <a:latin typeface="Arial" panose="020B0604020202020204" pitchFamily="34" charset="0"/>
@@ -4268,37 +4268,6 @@
           </a:prstGeom>
         </p:spPr>
       </p:pic>
-      <p:cxnSp>
-        <p:nvCxnSpPr>
-          <p:cNvPr id="28" name="Connecteur droit 27"/>
-          <p:cNvCxnSpPr/>
-          <p:nvPr/>
-        </p:nvCxnSpPr>
-        <p:spPr>
-          <a:xfrm>
-            <a:off x="6616700" y="2900637"/>
-            <a:ext cx="0" cy="1074463"/>
-          </a:xfrm>
-          <a:prstGeom prst="line">
-            <a:avLst/>
-          </a:prstGeom>
-          <a:ln w="50800"/>
-        </p:spPr>
-        <p:style>
-          <a:lnRef idx="1">
-            <a:schemeClr val="accent1"/>
-          </a:lnRef>
-          <a:fillRef idx="0">
-            <a:schemeClr val="accent1"/>
-          </a:fillRef>
-          <a:effectRef idx="0">
-            <a:schemeClr val="accent1"/>
-          </a:effectRef>
-          <a:fontRef idx="minor">
-            <a:schemeClr val="tx1"/>
-          </a:fontRef>
-        </p:style>
-      </p:cxnSp>
     </p:spTree>
     <p:extLst>
       <p:ext uri="{BB962C8B-B14F-4D97-AF65-F5344CB8AC3E}">

--- a/Modele.pptx
+++ b/Modele.pptx
@@ -4268,6 +4268,66 @@
           </a:prstGeom>
         </p:spPr>
       </p:pic>
+      <p:cxnSp>
+        <p:nvCxnSpPr>
+          <p:cNvPr id="31" name="Connecteur droit 30"/>
+          <p:cNvCxnSpPr/>
+          <p:nvPr/>
+        </p:nvCxnSpPr>
+        <p:spPr>
+          <a:xfrm>
+            <a:off x="2662408" y="3238500"/>
+            <a:ext cx="7920000" cy="0"/>
+          </a:xfrm>
+          <a:prstGeom prst="line">
+            <a:avLst/>
+          </a:prstGeom>
+        </p:spPr>
+        <p:style>
+          <a:lnRef idx="1">
+            <a:schemeClr val="accent1"/>
+          </a:lnRef>
+          <a:fillRef idx="0">
+            <a:schemeClr val="accent1"/>
+          </a:fillRef>
+          <a:effectRef idx="0">
+            <a:schemeClr val="accent1"/>
+          </a:effectRef>
+          <a:fontRef idx="minor">
+            <a:schemeClr val="tx1"/>
+          </a:fontRef>
+        </p:style>
+      </p:cxnSp>
+      <p:cxnSp>
+        <p:nvCxnSpPr>
+          <p:cNvPr id="33" name="Connecteur droit 32"/>
+          <p:cNvCxnSpPr/>
+          <p:nvPr/>
+        </p:nvCxnSpPr>
+        <p:spPr>
+          <a:xfrm>
+            <a:off x="6622408" y="3048000"/>
+            <a:ext cx="0" cy="304800"/>
+          </a:xfrm>
+          <a:prstGeom prst="line">
+            <a:avLst/>
+          </a:prstGeom>
+        </p:spPr>
+        <p:style>
+          <a:lnRef idx="1">
+            <a:schemeClr val="accent1"/>
+          </a:lnRef>
+          <a:fillRef idx="0">
+            <a:schemeClr val="accent1"/>
+          </a:fillRef>
+          <a:effectRef idx="0">
+            <a:schemeClr val="accent1"/>
+          </a:effectRef>
+          <a:fontRef idx="minor">
+            <a:schemeClr val="tx1"/>
+          </a:fontRef>
+        </p:style>
+      </p:cxnSp>
     </p:spTree>
     <p:extLst>
       <p:ext uri="{BB962C8B-B14F-4D97-AF65-F5344CB8AC3E}">

--- a/Modele.pptx
+++ b/Modele.pptx
@@ -4268,66 +4268,6 @@
           </a:prstGeom>
         </p:spPr>
       </p:pic>
-      <p:cxnSp>
-        <p:nvCxnSpPr>
-          <p:cNvPr id="31" name="Connecteur droit 30"/>
-          <p:cNvCxnSpPr/>
-          <p:nvPr/>
-        </p:nvCxnSpPr>
-        <p:spPr>
-          <a:xfrm>
-            <a:off x="2662408" y="3238500"/>
-            <a:ext cx="7920000" cy="0"/>
-          </a:xfrm>
-          <a:prstGeom prst="line">
-            <a:avLst/>
-          </a:prstGeom>
-        </p:spPr>
-        <p:style>
-          <a:lnRef idx="1">
-            <a:schemeClr val="accent1"/>
-          </a:lnRef>
-          <a:fillRef idx="0">
-            <a:schemeClr val="accent1"/>
-          </a:fillRef>
-          <a:effectRef idx="0">
-            <a:schemeClr val="accent1"/>
-          </a:effectRef>
-          <a:fontRef idx="minor">
-            <a:schemeClr val="tx1"/>
-          </a:fontRef>
-        </p:style>
-      </p:cxnSp>
-      <p:cxnSp>
-        <p:nvCxnSpPr>
-          <p:cNvPr id="33" name="Connecteur droit 32"/>
-          <p:cNvCxnSpPr/>
-          <p:nvPr/>
-        </p:nvCxnSpPr>
-        <p:spPr>
-          <a:xfrm>
-            <a:off x="6622408" y="3048000"/>
-            <a:ext cx="0" cy="304800"/>
-          </a:xfrm>
-          <a:prstGeom prst="line">
-            <a:avLst/>
-          </a:prstGeom>
-        </p:spPr>
-        <p:style>
-          <a:lnRef idx="1">
-            <a:schemeClr val="accent1"/>
-          </a:lnRef>
-          <a:fillRef idx="0">
-            <a:schemeClr val="accent1"/>
-          </a:fillRef>
-          <a:effectRef idx="0">
-            <a:schemeClr val="accent1"/>
-          </a:effectRef>
-          <a:fontRef idx="minor">
-            <a:schemeClr val="tx1"/>
-          </a:fontRef>
-        </p:style>
-      </p:cxnSp>
     </p:spTree>
     <p:extLst>
       <p:ext uri="{BB962C8B-B14F-4D97-AF65-F5344CB8AC3E}">

--- a/Modele.pptx
+++ b/Modele.pptx
@@ -6,8 +6,8 @@
   </p:sldMasterIdLst>
   <p:sldIdLst>
     <p:sldId id="256" r:id="rId5"/>
-    <p:sldId id="258" r:id="rId6"/>
-    <p:sldId id="259" r:id="rId7"/>
+    <p:sldId id="259" r:id="rId6"/>
+    <p:sldId id="260" r:id="rId7"/>
     <p:sldId id="257" r:id="rId8"/>
   </p:sldIdLst>
   <p:sldSz cx="12192000" cy="6858000"/>
@@ -3222,14 +3222,231 @@
       </p:grpSpPr>
       <p:pic>
         <p:nvPicPr>
-          <p:cNvPr id="2" name="Image 1"/>
+          <p:cNvPr id="3" name="Image 2"/>
+          <p:cNvPicPr preferRelativeResize="0">
+            <a:picLocks/>
+          </p:cNvPicPr>
+          <p:nvPr/>
+        </p:nvPicPr>
+        <p:blipFill rotWithShape="1">
+          <a:blip r:embed="rId2" cstate="print">
+            <a:extLst>
+              <a:ext uri="{28A0092B-C50C-407E-A947-70E740481C1C}">
+                <a14:useLocalDpi xmlns:a14="http://schemas.microsoft.com/office/drawing/2010/main" val="0"/>
+              </a:ext>
+            </a:extLst>
+          </a:blip>
+          <a:srcRect t="12987"/>
+          <a:stretch/>
+        </p:blipFill>
+        <p:spPr>
+          <a:xfrm>
+            <a:off x="2662408" y="925784"/>
+            <a:ext cx="7920000" cy="5040000"/>
+          </a:xfrm>
+          <a:prstGeom prst="rect">
+            <a:avLst/>
+          </a:prstGeom>
+        </p:spPr>
+      </p:pic>
+      <p:pic>
+        <p:nvPicPr>
+          <p:cNvPr id="21" name="Image 20"/>
+          <p:cNvPicPr>
+            <a:picLocks noChangeAspect="1"/>
+          </p:cNvPicPr>
+          <p:nvPr/>
+        </p:nvPicPr>
+        <p:blipFill rotWithShape="1">
+          <a:blip r:embed="rId3" cstate="print">
+            <a:extLst>
+              <a:ext uri="{28A0092B-C50C-407E-A947-70E740481C1C}">
+                <a14:useLocalDpi xmlns:a14="http://schemas.microsoft.com/office/drawing/2010/main" val="0"/>
+              </a:ext>
+            </a:extLst>
+          </a:blip>
+          <a:srcRect t="12005"/>
+          <a:stretch/>
+        </p:blipFill>
+        <p:spPr>
+          <a:xfrm flipH="1">
+            <a:off x="6262408" y="915029"/>
+            <a:ext cx="4320000" cy="1985608"/>
+          </a:xfrm>
+          <a:prstGeom prst="rect">
+            <a:avLst/>
+          </a:prstGeom>
+        </p:spPr>
+      </p:pic>
+      <p:pic>
+        <p:nvPicPr>
+          <p:cNvPr id="20" name="Image 19"/>
+          <p:cNvPicPr>
+            <a:picLocks noChangeAspect="1"/>
+          </p:cNvPicPr>
+          <p:nvPr/>
+        </p:nvPicPr>
+        <p:blipFill rotWithShape="1">
+          <a:blip r:embed="rId3" cstate="print">
+            <a:extLst>
+              <a:ext uri="{28A0092B-C50C-407E-A947-70E740481C1C}">
+                <a14:useLocalDpi xmlns:a14="http://schemas.microsoft.com/office/drawing/2010/main" val="0"/>
+              </a:ext>
+            </a:extLst>
+          </a:blip>
+          <a:srcRect t="11512"/>
+          <a:stretch/>
+        </p:blipFill>
+        <p:spPr>
+          <a:xfrm flipH="1">
+            <a:off x="2688283" y="916973"/>
+            <a:ext cx="4320000" cy="1983664"/>
+          </a:xfrm>
+          <a:prstGeom prst="rect">
+            <a:avLst/>
+          </a:prstGeom>
+        </p:spPr>
+      </p:pic>
+      <p:sp>
+        <p:nvSpPr>
+          <p:cNvPr id="12" name="ZoneTexte 11"/>
+          <p:cNvSpPr txBox="1"/>
+          <p:nvPr/>
+        </p:nvSpPr>
+        <p:spPr>
+          <a:xfrm>
+            <a:off x="2666999" y="1164655"/>
+            <a:ext cx="7915409" cy="900000"/>
+          </a:xfrm>
+          <a:prstGeom prst="rect">
+            <a:avLst/>
+          </a:prstGeom>
+          <a:solidFill>
+            <a:srgbClr val="F8F8F8">
+              <a:alpha val="74902"/>
+            </a:srgbClr>
+          </a:solidFill>
+        </p:spPr>
+        <p:txBody>
+          <a:bodyPr wrap="square" rtlCol="0">
+            <a:spAutoFit/>
+          </a:bodyPr>
+          <a:lstStyle/>
+          <a:p>
+            <a:pPr algn="ctr"/>
+            <a:endParaRPr lang="fr-FR" sz="6000" b="1" dirty="0"/>
+          </a:p>
+        </p:txBody>
+      </p:sp>
+      <p:pic>
+        <p:nvPicPr>
+          <p:cNvPr id="9" name="Image 8"/>
+          <p:cNvPicPr>
+            <a:picLocks noChangeAspect="1"/>
+          </p:cNvPicPr>
+          <p:nvPr/>
+        </p:nvPicPr>
+        <p:blipFill rotWithShape="1">
+          <a:blip r:embed="rId4">
+            <a:extLst>
+              <a:ext uri="{28A0092B-C50C-407E-A947-70E740481C1C}">
+                <a14:useLocalDpi xmlns:a14="http://schemas.microsoft.com/office/drawing/2010/main" val="0"/>
+              </a:ext>
+            </a:extLst>
+          </a:blip>
+          <a:srcRect r="33796"/>
+          <a:stretch/>
+        </p:blipFill>
+        <p:spPr>
+          <a:xfrm>
+            <a:off x="2662408" y="4143433"/>
+            <a:ext cx="7920000" cy="1820407"/>
+          </a:xfrm>
+          <a:prstGeom prst="rect">
+            <a:avLst/>
+          </a:prstGeom>
+        </p:spPr>
+      </p:pic>
+      <p:sp>
+        <p:nvSpPr>
+          <p:cNvPr id="6" name="ZoneTexte 5"/>
+          <p:cNvSpPr txBox="1"/>
+          <p:nvPr/>
+        </p:nvSpPr>
+        <p:spPr>
+          <a:xfrm>
+            <a:off x="2662408" y="4528045"/>
+            <a:ext cx="7920000" cy="1446550"/>
+          </a:xfrm>
+          <a:prstGeom prst="rect">
+            <a:avLst/>
+          </a:prstGeom>
+          <a:solidFill>
+            <a:srgbClr val="F8F8F8">
+              <a:alpha val="74902"/>
+            </a:srgbClr>
+          </a:solidFill>
+        </p:spPr>
+        <p:txBody>
+          <a:bodyPr wrap="square" rtlCol="0">
+            <a:spAutoFit/>
+          </a:bodyPr>
+          <a:lstStyle/>
+          <a:p>
+            <a:pPr algn="ctr"/>
+            <a:r>
+              <a:rPr lang="fr-FR" sz="4400" b="1" dirty="0" smtClean="0">
+                <a:solidFill>
+                  <a:srgbClr val="DC4E32"/>
+                </a:solidFill>
+                <a:latin typeface="Arial" panose="020B0604020202020204" pitchFamily="34" charset="0"/>
+                <a:cs typeface="Arial" panose="020B0604020202020204" pitchFamily="34" charset="0"/>
+              </a:rPr>
+              <a:t>              La </a:t>
+            </a:r>
+            <a:r>
+              <a:rPr lang="fr-FR" sz="4400" b="1" dirty="0" err="1" smtClean="0">
+                <a:solidFill>
+                  <a:srgbClr val="DC4E32"/>
+                </a:solidFill>
+                <a:latin typeface="Arial" panose="020B0604020202020204" pitchFamily="34" charset="0"/>
+                <a:cs typeface="Arial" panose="020B0604020202020204" pitchFamily="34" charset="0"/>
+              </a:rPr>
+              <a:t>PiEdTHONe</a:t>
+            </a:r>
+            <a:r>
+              <a:rPr lang="fr-FR" sz="4400" b="1" dirty="0" smtClean="0">
+                <a:solidFill>
+                  <a:srgbClr val="DC4E32"/>
+                </a:solidFill>
+                <a:latin typeface="Arial" panose="020B0604020202020204" pitchFamily="34" charset="0"/>
+                <a:cs typeface="Arial" panose="020B0604020202020204" pitchFamily="34" charset="0"/>
+              </a:rPr>
+              <a:t> 2022</a:t>
+            </a:r>
+          </a:p>
+          <a:p>
+            <a:pPr algn="r"/>
+            <a:endParaRPr lang="fr-FR" sz="4400" b="1" dirty="0">
+              <a:solidFill>
+                <a:srgbClr val="FF0000"/>
+              </a:solidFill>
+              <a:latin typeface="Arial" panose="020B0604020202020204" pitchFamily="34" charset="0"/>
+              <a:cs typeface="Arial" panose="020B0604020202020204" pitchFamily="34" charset="0"/>
+            </a:endParaRPr>
+          </a:p>
+        </p:txBody>
+      </p:sp>
+      <p:pic>
+        <p:nvPicPr>
+          <p:cNvPr id="13" name="Image 12"/>
           <p:cNvPicPr>
             <a:picLocks noChangeAspect="1"/>
           </p:cNvPicPr>
           <p:nvPr/>
         </p:nvPicPr>
         <p:blipFill>
-          <a:blip r:embed="rId2" cstate="print">
+          <a:blip r:embed="rId5" cstate="print">
             <a:extLst>
               <a:ext uri="{28A0092B-C50C-407E-A947-70E740481C1C}">
                 <a14:useLocalDpi xmlns:a14="http://schemas.microsoft.com/office/drawing/2010/main" val="0"/>
@@ -3242,185 +3459,8 @@
         </p:blipFill>
         <p:spPr>
           <a:xfrm>
-            <a:off x="2666999" y="1020278"/>
-            <a:ext cx="7654159" cy="4945506"/>
-          </a:xfrm>
-          <a:prstGeom prst="rect">
-            <a:avLst/>
-          </a:prstGeom>
-        </p:spPr>
-      </p:pic>
-      <p:sp>
-        <p:nvSpPr>
-          <p:cNvPr id="6" name="ZoneTexte 5"/>
-          <p:cNvSpPr txBox="1"/>
-          <p:nvPr/>
-        </p:nvSpPr>
-        <p:spPr>
-          <a:xfrm>
-            <a:off x="2666999" y="4642345"/>
-            <a:ext cx="7654157" cy="1323439"/>
-          </a:xfrm>
-          <a:prstGeom prst="rect">
-            <a:avLst/>
-          </a:prstGeom>
-          <a:solidFill>
-            <a:srgbClr val="F8F8F8">
-              <a:alpha val="74902"/>
-            </a:srgbClr>
-          </a:solidFill>
-        </p:spPr>
-        <p:txBody>
-          <a:bodyPr wrap="square" rtlCol="0">
-            <a:spAutoFit/>
-          </a:bodyPr>
-          <a:lstStyle/>
-          <a:p>
-            <a:pPr algn="r"/>
-            <a:r>
-              <a:rPr lang="fr-FR" sz="4000" b="1" dirty="0" smtClean="0">
-                <a:solidFill>
-                  <a:srgbClr val="DC4E32"/>
-                </a:solidFill>
-                <a:latin typeface="Arial" panose="020B0604020202020204" pitchFamily="34" charset="0"/>
-                <a:cs typeface="Arial" panose="020B0604020202020204" pitchFamily="34" charset="0"/>
-              </a:rPr>
-              <a:t>La </a:t>
-            </a:r>
-            <a:r>
-              <a:rPr lang="fr-FR" sz="4000" b="1" dirty="0" err="1" smtClean="0">
-                <a:solidFill>
-                  <a:srgbClr val="DC4E32"/>
-                </a:solidFill>
-                <a:latin typeface="Arial" panose="020B0604020202020204" pitchFamily="34" charset="0"/>
-                <a:cs typeface="Arial" panose="020B0604020202020204" pitchFamily="34" charset="0"/>
-              </a:rPr>
-              <a:t>PiEdTHONe</a:t>
-            </a:r>
-            <a:r>
-              <a:rPr lang="fr-FR" sz="4000" b="1" dirty="0" smtClean="0">
-                <a:solidFill>
-                  <a:srgbClr val="DC4E32"/>
-                </a:solidFill>
-                <a:latin typeface="Arial" panose="020B0604020202020204" pitchFamily="34" charset="0"/>
-                <a:cs typeface="Arial" panose="020B0604020202020204" pitchFamily="34" charset="0"/>
-              </a:rPr>
-              <a:t> 2022</a:t>
-            </a:r>
-          </a:p>
-          <a:p>
-            <a:pPr algn="r"/>
-            <a:endParaRPr lang="fr-FR" sz="4000" b="1" dirty="0">
-              <a:solidFill>
-                <a:srgbClr val="FF0000"/>
-              </a:solidFill>
-              <a:latin typeface="Arial" panose="020B0604020202020204" pitchFamily="34" charset="0"/>
-              <a:cs typeface="Arial" panose="020B0604020202020204" pitchFamily="34" charset="0"/>
-            </a:endParaRPr>
-          </a:p>
-        </p:txBody>
-      </p:sp>
-      <p:sp>
-        <p:nvSpPr>
-          <p:cNvPr id="12" name="ZoneTexte 11"/>
-          <p:cNvSpPr txBox="1"/>
-          <p:nvPr/>
-        </p:nvSpPr>
-        <p:spPr>
-          <a:xfrm>
-            <a:off x="2666999" y="1164655"/>
-            <a:ext cx="7654157" cy="900000"/>
-          </a:xfrm>
-          <a:prstGeom prst="rect">
-            <a:avLst/>
-          </a:prstGeom>
-          <a:solidFill>
-            <a:srgbClr val="F8F8F8">
-              <a:alpha val="74902"/>
-            </a:srgbClr>
-          </a:solidFill>
-        </p:spPr>
-        <p:txBody>
-          <a:bodyPr wrap="square" rtlCol="0">
-            <a:spAutoFit/>
-          </a:bodyPr>
-          <a:lstStyle/>
-          <a:p>
-            <a:pPr algn="ctr"/>
-            <a:endParaRPr lang="fr-FR" sz="6000" b="1" dirty="0"/>
-          </a:p>
-        </p:txBody>
-      </p:sp>
-      <p:sp>
-        <p:nvSpPr>
-          <p:cNvPr id="14" name="Rectangle à coins arrondis 13"/>
-          <p:cNvSpPr/>
-          <p:nvPr/>
-        </p:nvSpPr>
-        <p:spPr>
-          <a:xfrm>
-            <a:off x="4624137" y="2669863"/>
-            <a:ext cx="2943726" cy="1126156"/>
-          </a:xfrm>
-          <a:prstGeom prst="roundRect">
-            <a:avLst/>
-          </a:prstGeom>
-          <a:solidFill>
-            <a:srgbClr val="FFFFFF"/>
-          </a:solidFill>
-          <a:ln>
-            <a:noFill/>
-          </a:ln>
-        </p:spPr>
-        <p:style>
-          <a:lnRef idx="2">
-            <a:schemeClr val="accent1">
-              <a:shade val="50000"/>
-            </a:schemeClr>
-          </a:lnRef>
-          <a:fillRef idx="1">
-            <a:schemeClr val="accent1"/>
-          </a:fillRef>
-          <a:effectRef idx="0">
-            <a:schemeClr val="accent1"/>
-          </a:effectRef>
-          <a:fontRef idx="minor">
-            <a:schemeClr val="lt1"/>
-          </a:fontRef>
-        </p:style>
-        <p:txBody>
-          <a:bodyPr rtlCol="0" anchor="ctr"/>
-          <a:lstStyle/>
-          <a:p>
-            <a:pPr algn="ctr"/>
-            <a:endParaRPr lang="fr-FR"/>
-          </a:p>
-        </p:txBody>
-      </p:sp>
-      <p:pic>
-        <p:nvPicPr>
-          <p:cNvPr id="13" name="Image 12"/>
-          <p:cNvPicPr>
-            <a:picLocks noChangeAspect="1"/>
-          </p:cNvPicPr>
-          <p:nvPr/>
-        </p:nvPicPr>
-        <p:blipFill>
-          <a:blip r:embed="rId3" cstate="print">
-            <a:extLst>
-              <a:ext uri="{28A0092B-C50C-407E-A947-70E740481C1C}">
-                <a14:useLocalDpi xmlns:a14="http://schemas.microsoft.com/office/drawing/2010/main" val="0"/>
-              </a:ext>
-            </a:extLst>
-          </a:blip>
-          <a:stretch>
-            <a:fillRect/>
-          </a:stretch>
-        </p:blipFill>
-        <p:spPr>
-          <a:xfrm>
-            <a:off x="2834773" y="4704893"/>
-            <a:ext cx="1440000" cy="536624"/>
+            <a:off x="2996810" y="4603316"/>
+            <a:ext cx="1612768" cy="601007"/>
           </a:xfrm>
           <a:prstGeom prst="rect">
             <a:avLst/>
@@ -3436,11 +3476,11 @@
           <p:nvPr/>
         </p:nvPicPr>
         <p:blipFill>
-          <a:blip r:embed="rId4" cstate="print">
+          <a:blip r:embed="rId6" cstate="print">
             <a:extLst>
               <a:ext uri="{BEBA8EAE-BF5A-486C-A8C5-ECC9F3942E4B}">
                 <a14:imgProps xmlns:a14="http://schemas.microsoft.com/office/drawing/2010/main">
-                  <a14:imgLayer r:embed="rId5">
+                  <a14:imgLayer r:embed="rId7">
                     <a14:imgEffect>
                       <a14:saturation sat="400000"/>
                     </a14:imgEffect>
@@ -3461,7 +3501,7 @@
         </p:blipFill>
         <p:spPr>
           <a:xfrm>
-            <a:off x="3067978" y="5460665"/>
+            <a:off x="3169578" y="5465953"/>
             <a:ext cx="810812" cy="360000"/>
           </a:xfrm>
           <a:prstGeom prst="rect">
@@ -3472,66 +3512,6 @@
       <p:pic>
         <p:nvPicPr>
           <p:cNvPr id="16" name="Image 15"/>
-          <p:cNvPicPr>
-            <a:picLocks noChangeAspect="1"/>
-          </p:cNvPicPr>
-          <p:nvPr/>
-        </p:nvPicPr>
-        <p:blipFill>
-          <a:blip r:embed="rId6" cstate="print">
-            <a:extLst>
-              <a:ext uri="{28A0092B-C50C-407E-A947-70E740481C1C}">
-                <a14:useLocalDpi xmlns:a14="http://schemas.microsoft.com/office/drawing/2010/main" val="0"/>
-              </a:ext>
-            </a:extLst>
-          </a:blip>
-          <a:stretch>
-            <a:fillRect/>
-          </a:stretch>
-        </p:blipFill>
-        <p:spPr>
-          <a:xfrm>
-            <a:off x="5457776" y="5454925"/>
-            <a:ext cx="424478" cy="360000"/>
-          </a:xfrm>
-          <a:prstGeom prst="rect">
-            <a:avLst/>
-          </a:prstGeom>
-        </p:spPr>
-      </p:pic>
-      <p:pic>
-        <p:nvPicPr>
-          <p:cNvPr id="17" name="Image 16"/>
-          <p:cNvPicPr>
-            <a:picLocks noChangeAspect="1"/>
-          </p:cNvPicPr>
-          <p:nvPr/>
-        </p:nvPicPr>
-        <p:blipFill>
-          <a:blip r:embed="rId7" cstate="print">
-            <a:extLst>
-              <a:ext uri="{28A0092B-C50C-407E-A947-70E740481C1C}">
-                <a14:useLocalDpi xmlns:a14="http://schemas.microsoft.com/office/drawing/2010/main" val="0"/>
-              </a:ext>
-            </a:extLst>
-          </a:blip>
-          <a:stretch>
-            <a:fillRect/>
-          </a:stretch>
-        </p:blipFill>
-        <p:spPr>
-          <a:xfrm>
-            <a:off x="4226767" y="5471927"/>
-            <a:ext cx="883032" cy="360000"/>
-          </a:xfrm>
-          <a:prstGeom prst="rect">
-            <a:avLst/>
-          </a:prstGeom>
-        </p:spPr>
-      </p:pic>
-      <p:pic>
-        <p:nvPicPr>
-          <p:cNvPr id="18" name="Image 17"/>
           <p:cNvPicPr>
             <a:picLocks noChangeAspect="1"/>
           </p:cNvPicPr>
@@ -3551,7 +3531,67 @@
         </p:blipFill>
         <p:spPr>
           <a:xfrm>
-            <a:off x="6230231" y="5454925"/>
+            <a:off x="5559376" y="5460213"/>
+            <a:ext cx="424478" cy="360000"/>
+          </a:xfrm>
+          <a:prstGeom prst="rect">
+            <a:avLst/>
+          </a:prstGeom>
+        </p:spPr>
+      </p:pic>
+      <p:pic>
+        <p:nvPicPr>
+          <p:cNvPr id="17" name="Image 16"/>
+          <p:cNvPicPr>
+            <a:picLocks noChangeAspect="1"/>
+          </p:cNvPicPr>
+          <p:nvPr/>
+        </p:nvPicPr>
+        <p:blipFill>
+          <a:blip r:embed="rId9" cstate="print">
+            <a:extLst>
+              <a:ext uri="{28A0092B-C50C-407E-A947-70E740481C1C}">
+                <a14:useLocalDpi xmlns:a14="http://schemas.microsoft.com/office/drawing/2010/main" val="0"/>
+              </a:ext>
+            </a:extLst>
+          </a:blip>
+          <a:stretch>
+            <a:fillRect/>
+          </a:stretch>
+        </p:blipFill>
+        <p:spPr>
+          <a:xfrm>
+            <a:off x="4328367" y="5477215"/>
+            <a:ext cx="883032" cy="360000"/>
+          </a:xfrm>
+          <a:prstGeom prst="rect">
+            <a:avLst/>
+          </a:prstGeom>
+        </p:spPr>
+      </p:pic>
+      <p:pic>
+        <p:nvPicPr>
+          <p:cNvPr id="18" name="Image 17"/>
+          <p:cNvPicPr>
+            <a:picLocks noChangeAspect="1"/>
+          </p:cNvPicPr>
+          <p:nvPr/>
+        </p:nvPicPr>
+        <p:blipFill>
+          <a:blip r:embed="rId10" cstate="print">
+            <a:extLst>
+              <a:ext uri="{28A0092B-C50C-407E-A947-70E740481C1C}">
+                <a14:useLocalDpi xmlns:a14="http://schemas.microsoft.com/office/drawing/2010/main" val="0"/>
+              </a:ext>
+            </a:extLst>
+          </a:blip>
+          <a:stretch>
+            <a:fillRect/>
+          </a:stretch>
+        </p:blipFill>
+        <p:spPr>
+          <a:xfrm>
+            <a:off x="6331831" y="5460213"/>
             <a:ext cx="1730151" cy="360000"/>
           </a:xfrm>
           <a:prstGeom prst="rect">
@@ -3562,16 +3602,13 @@
       <p:cxnSp>
         <p:nvCxnSpPr>
           <p:cNvPr id="4" name="Connecteur droit 3"/>
-          <p:cNvCxnSpPr>
-            <a:stCxn id="6" idx="1"/>
-            <a:endCxn id="6" idx="3"/>
-          </p:cNvCxnSpPr>
+          <p:cNvCxnSpPr/>
           <p:nvPr/>
         </p:nvCxnSpPr>
         <p:spPr>
           <a:xfrm>
-            <a:off x="2666999" y="5304065"/>
-            <a:ext cx="7654157" cy="0"/>
+            <a:off x="2662408" y="5276720"/>
+            <a:ext cx="7920000" cy="0"/>
           </a:xfrm>
           <a:prstGeom prst="line">
             <a:avLst/>
@@ -3606,7 +3643,7 @@
           <p:nvPr/>
         </p:nvPicPr>
         <p:blipFill>
-          <a:blip r:embed="rId9" cstate="print">
+          <a:blip r:embed="rId11" cstate="print">
             <a:extLst>
               <a:ext uri="{28A0092B-C50C-407E-A947-70E740481C1C}">
                 <a14:useLocalDpi xmlns:a14="http://schemas.microsoft.com/office/drawing/2010/main" val="0"/>
@@ -3619,7 +3656,7 @@
         </p:blipFill>
         <p:spPr>
           <a:xfrm>
-            <a:off x="8308357" y="5454925"/>
+            <a:off x="8409957" y="5460213"/>
             <a:ext cx="1714286" cy="360000"/>
           </a:xfrm>
           <a:prstGeom prst="rect">
@@ -3635,8 +3672,8 @@
         </p:nvSpPr>
         <p:spPr>
           <a:xfrm>
-            <a:off x="2666018" y="4382653"/>
-            <a:ext cx="7655139" cy="261610"/>
+            <a:off x="2662408" y="4268353"/>
+            <a:ext cx="7920000" cy="259692"/>
           </a:xfrm>
           <a:prstGeom prst="rect">
             <a:avLst/>
@@ -3672,7 +3709,7 @@
                 <a:latin typeface="Arial" panose="020B0604020202020204" pitchFamily="34" charset="0"/>
                 <a:cs typeface="Arial" panose="020B0604020202020204" pitchFamily="34" charset="0"/>
               </a:rPr>
-              <a:t> course virtuelle connectée au profit de</a:t>
+              <a:t> course virtuelle connectée au profit du</a:t>
             </a:r>
             <a:endParaRPr lang="fr-FR" sz="1100" b="1" dirty="0">
               <a:latin typeface="Arial" panose="020B0604020202020204" pitchFamily="34" charset="0"/>
@@ -3683,27 +3720,28 @@
       </p:sp>
       <p:pic>
         <p:nvPicPr>
-          <p:cNvPr id="8" name="Image 7"/>
+          <p:cNvPr id="26" name="Image 25"/>
           <p:cNvPicPr>
             <a:picLocks noChangeAspect="1"/>
           </p:cNvPicPr>
           <p:nvPr/>
         </p:nvPicPr>
-        <p:blipFill rotWithShape="1">
-          <a:blip r:embed="rId10" cstate="print">
+        <p:blipFill>
+          <a:blip r:embed="rId12" cstate="print">
             <a:extLst>
               <a:ext uri="{28A0092B-C50C-407E-A947-70E740481C1C}">
                 <a14:useLocalDpi xmlns:a14="http://schemas.microsoft.com/office/drawing/2010/main" val="0"/>
               </a:ext>
             </a:extLst>
           </a:blip>
-          <a:srcRect t="23299"/>
-          <a:stretch/>
+          <a:stretch>
+            <a:fillRect/>
+          </a:stretch>
         </p:blipFill>
         <p:spPr>
-          <a:xfrm flipH="1">
-            <a:off x="3004511" y="2279053"/>
-            <a:ext cx="3960000" cy="1810283"/>
+          <a:xfrm>
+            <a:off x="9670720" y="1128655"/>
+            <a:ext cx="911688" cy="936000"/>
           </a:xfrm>
           <a:prstGeom prst="rect">
             <a:avLst/>
@@ -3713,7 +3751,7 @@
     </p:spTree>
     <p:extLst>
       <p:ext uri="{BB962C8B-B14F-4D97-AF65-F5344CB8AC3E}">
-        <p14:creationId xmlns:p14="http://schemas.microsoft.com/office/powerpoint/2010/main" val="3610113574"/>
+        <p14:creationId xmlns:p14="http://schemas.microsoft.com/office/powerpoint/2010/main" val="1864667488"/>
       </p:ext>
     </p:extLst>
   </p:cSld>
@@ -3750,6 +3788,13 @@
         </p:nvPicPr>
         <p:blipFill rotWithShape="1">
           <a:blip r:embed="rId2" cstate="print">
+            <a:duotone>
+              <a:schemeClr val="accent4">
+                <a:shade val="45000"/>
+                <a:satMod val="135000"/>
+              </a:schemeClr>
+              <a:prstClr val="white"/>
+            </a:duotone>
             <a:extLst>
               <a:ext uri="{28A0092B-C50C-407E-A947-70E740481C1C}">
                 <a14:useLocalDpi xmlns:a14="http://schemas.microsoft.com/office/drawing/2010/main" val="0"/>
@@ -3761,7 +3806,7 @@
         </p:blipFill>
         <p:spPr>
           <a:xfrm>
-            <a:off x="2662408" y="925784"/>
+            <a:off x="2052808" y="811484"/>
             <a:ext cx="7920000" cy="5040000"/>
           </a:xfrm>
           <a:prstGeom prst="rect">
@@ -3771,7 +3816,7 @@
       </p:pic>
       <p:pic>
         <p:nvPicPr>
-          <p:cNvPr id="21" name="Image 20"/>
+          <p:cNvPr id="22" name="Image 21"/>
           <p:cNvPicPr>
             <a:picLocks noChangeAspect="1"/>
           </p:cNvPicPr>
@@ -3779,6 +3824,7 @@
         </p:nvPicPr>
         <p:blipFill rotWithShape="1">
           <a:blip r:embed="rId3" cstate="print">
+            <a:lum bright="70000" contrast="-70000"/>
             <a:extLst>
               <a:ext uri="{28A0092B-C50C-407E-A947-70E740481C1C}">
                 <a14:useLocalDpi xmlns:a14="http://schemas.microsoft.com/office/drawing/2010/main" val="0"/>
@@ -3789,479 +3835,9 @@
           <a:stretch/>
         </p:blipFill>
         <p:spPr>
-          <a:xfrm flipH="1">
-            <a:off x="6262408" y="915029"/>
-            <a:ext cx="4320000" cy="1985608"/>
-          </a:xfrm>
-          <a:prstGeom prst="rect">
-            <a:avLst/>
-          </a:prstGeom>
-        </p:spPr>
-      </p:pic>
-      <p:pic>
-        <p:nvPicPr>
-          <p:cNvPr id="20" name="Image 19"/>
-          <p:cNvPicPr>
-            <a:picLocks noChangeAspect="1"/>
-          </p:cNvPicPr>
-          <p:nvPr/>
-        </p:nvPicPr>
-        <p:blipFill rotWithShape="1">
-          <a:blip r:embed="rId3" cstate="print">
-            <a:extLst>
-              <a:ext uri="{28A0092B-C50C-407E-A947-70E740481C1C}">
-                <a14:useLocalDpi xmlns:a14="http://schemas.microsoft.com/office/drawing/2010/main" val="0"/>
-              </a:ext>
-            </a:extLst>
-          </a:blip>
-          <a:srcRect t="11512"/>
-          <a:stretch/>
-        </p:blipFill>
-        <p:spPr>
-          <a:xfrm flipH="1">
-            <a:off x="2688283" y="916973"/>
-            <a:ext cx="4320000" cy="1983664"/>
-          </a:xfrm>
-          <a:prstGeom prst="rect">
-            <a:avLst/>
-          </a:prstGeom>
-        </p:spPr>
-      </p:pic>
-      <p:sp>
-        <p:nvSpPr>
-          <p:cNvPr id="12" name="ZoneTexte 11"/>
-          <p:cNvSpPr txBox="1"/>
-          <p:nvPr/>
-        </p:nvSpPr>
-        <p:spPr>
-          <a:xfrm>
-            <a:off x="2666999" y="1164655"/>
-            <a:ext cx="7915409" cy="900000"/>
-          </a:xfrm>
-          <a:prstGeom prst="rect">
-            <a:avLst/>
-          </a:prstGeom>
-          <a:solidFill>
-            <a:srgbClr val="F8F8F8">
-              <a:alpha val="74902"/>
-            </a:srgbClr>
-          </a:solidFill>
-        </p:spPr>
-        <p:txBody>
-          <a:bodyPr wrap="square" rtlCol="0">
-            <a:spAutoFit/>
-          </a:bodyPr>
-          <a:lstStyle/>
-          <a:p>
-            <a:pPr algn="ctr"/>
-            <a:endParaRPr lang="fr-FR" sz="6000" b="1" dirty="0"/>
-          </a:p>
-        </p:txBody>
-      </p:sp>
-      <p:pic>
-        <p:nvPicPr>
-          <p:cNvPr id="9" name="Image 8"/>
-          <p:cNvPicPr>
-            <a:picLocks noChangeAspect="1"/>
-          </p:cNvPicPr>
-          <p:nvPr/>
-        </p:nvPicPr>
-        <p:blipFill rotWithShape="1">
-          <a:blip r:embed="rId4">
-            <a:extLst>
-              <a:ext uri="{28A0092B-C50C-407E-A947-70E740481C1C}">
-                <a14:useLocalDpi xmlns:a14="http://schemas.microsoft.com/office/drawing/2010/main" val="0"/>
-              </a:ext>
-            </a:extLst>
-          </a:blip>
-          <a:srcRect r="33796"/>
-          <a:stretch/>
-        </p:blipFill>
-        <p:spPr>
-          <a:xfrm>
-            <a:off x="2662408" y="4143433"/>
-            <a:ext cx="7920000" cy="1820407"/>
-          </a:xfrm>
-          <a:prstGeom prst="rect">
-            <a:avLst/>
-          </a:prstGeom>
-        </p:spPr>
-      </p:pic>
-      <p:sp>
-        <p:nvSpPr>
-          <p:cNvPr id="6" name="ZoneTexte 5"/>
-          <p:cNvSpPr txBox="1"/>
-          <p:nvPr/>
-        </p:nvSpPr>
-        <p:spPr>
-          <a:xfrm>
-            <a:off x="2662408" y="4528045"/>
-            <a:ext cx="7920000" cy="1446550"/>
-          </a:xfrm>
-          <a:prstGeom prst="rect">
-            <a:avLst/>
-          </a:prstGeom>
-          <a:solidFill>
-            <a:srgbClr val="F8F8F8">
-              <a:alpha val="74902"/>
-            </a:srgbClr>
-          </a:solidFill>
-        </p:spPr>
-        <p:txBody>
-          <a:bodyPr wrap="square" rtlCol="0">
-            <a:spAutoFit/>
-          </a:bodyPr>
-          <a:lstStyle/>
-          <a:p>
-            <a:pPr algn="ctr"/>
-            <a:r>
-              <a:rPr lang="fr-FR" sz="4400" b="1" dirty="0" smtClean="0">
-                <a:solidFill>
-                  <a:srgbClr val="DC4E32"/>
-                </a:solidFill>
-                <a:latin typeface="Arial" panose="020B0604020202020204" pitchFamily="34" charset="0"/>
-                <a:cs typeface="Arial" panose="020B0604020202020204" pitchFamily="34" charset="0"/>
-              </a:rPr>
-              <a:t>              La </a:t>
-            </a:r>
-            <a:r>
-              <a:rPr lang="fr-FR" sz="4400" b="1" dirty="0" err="1" smtClean="0">
-                <a:solidFill>
-                  <a:srgbClr val="DC4E32"/>
-                </a:solidFill>
-                <a:latin typeface="Arial" panose="020B0604020202020204" pitchFamily="34" charset="0"/>
-                <a:cs typeface="Arial" panose="020B0604020202020204" pitchFamily="34" charset="0"/>
-              </a:rPr>
-              <a:t>PiEdTHONe</a:t>
-            </a:r>
-            <a:r>
-              <a:rPr lang="fr-FR" sz="4400" b="1" dirty="0" smtClean="0">
-                <a:solidFill>
-                  <a:srgbClr val="DC4E32"/>
-                </a:solidFill>
-                <a:latin typeface="Arial" panose="020B0604020202020204" pitchFamily="34" charset="0"/>
-                <a:cs typeface="Arial" panose="020B0604020202020204" pitchFamily="34" charset="0"/>
-              </a:rPr>
-              <a:t> 2022</a:t>
-            </a:r>
-          </a:p>
-          <a:p>
-            <a:pPr algn="r"/>
-            <a:endParaRPr lang="fr-FR" sz="4400" b="1" dirty="0">
-              <a:solidFill>
-                <a:srgbClr val="FF0000"/>
-              </a:solidFill>
-              <a:latin typeface="Arial" panose="020B0604020202020204" pitchFamily="34" charset="0"/>
-              <a:cs typeface="Arial" panose="020B0604020202020204" pitchFamily="34" charset="0"/>
-            </a:endParaRPr>
-          </a:p>
-        </p:txBody>
-      </p:sp>
-      <p:pic>
-        <p:nvPicPr>
-          <p:cNvPr id="13" name="Image 12"/>
-          <p:cNvPicPr>
-            <a:picLocks noChangeAspect="1"/>
-          </p:cNvPicPr>
-          <p:nvPr/>
-        </p:nvPicPr>
-        <p:blipFill>
-          <a:blip r:embed="rId5" cstate="print">
-            <a:extLst>
-              <a:ext uri="{28A0092B-C50C-407E-A947-70E740481C1C}">
-                <a14:useLocalDpi xmlns:a14="http://schemas.microsoft.com/office/drawing/2010/main" val="0"/>
-              </a:ext>
-            </a:extLst>
-          </a:blip>
-          <a:stretch>
-            <a:fillRect/>
-          </a:stretch>
-        </p:blipFill>
-        <p:spPr>
-          <a:xfrm>
-            <a:off x="2996810" y="4603316"/>
-            <a:ext cx="1612768" cy="601007"/>
-          </a:xfrm>
-          <a:prstGeom prst="rect">
-            <a:avLst/>
-          </a:prstGeom>
-        </p:spPr>
-      </p:pic>
-      <p:pic>
-        <p:nvPicPr>
-          <p:cNvPr id="15" name="Image 14"/>
-          <p:cNvPicPr>
-            <a:picLocks noChangeAspect="1"/>
-          </p:cNvPicPr>
-          <p:nvPr/>
-        </p:nvPicPr>
-        <p:blipFill>
-          <a:blip r:embed="rId6" cstate="print">
-            <a:extLst>
-              <a:ext uri="{BEBA8EAE-BF5A-486C-A8C5-ECC9F3942E4B}">
-                <a14:imgProps xmlns:a14="http://schemas.microsoft.com/office/drawing/2010/main">
-                  <a14:imgLayer r:embed="rId7">
-                    <a14:imgEffect>
-                      <a14:saturation sat="400000"/>
-                    </a14:imgEffect>
-                    <a14:imgEffect>
-                      <a14:brightnessContrast bright="-20000" contrast="40000"/>
-                    </a14:imgEffect>
-                  </a14:imgLayer>
-                </a14:imgProps>
-              </a:ext>
-              <a:ext uri="{28A0092B-C50C-407E-A947-70E740481C1C}">
-                <a14:useLocalDpi xmlns:a14="http://schemas.microsoft.com/office/drawing/2010/main" val="0"/>
-              </a:ext>
-            </a:extLst>
-          </a:blip>
-          <a:stretch>
-            <a:fillRect/>
-          </a:stretch>
-        </p:blipFill>
-        <p:spPr>
-          <a:xfrm>
-            <a:off x="3169578" y="5465953"/>
-            <a:ext cx="810812" cy="360000"/>
-          </a:xfrm>
-          <a:prstGeom prst="rect">
-            <a:avLst/>
-          </a:prstGeom>
-        </p:spPr>
-      </p:pic>
-      <p:pic>
-        <p:nvPicPr>
-          <p:cNvPr id="16" name="Image 15"/>
-          <p:cNvPicPr>
-            <a:picLocks noChangeAspect="1"/>
-          </p:cNvPicPr>
-          <p:nvPr/>
-        </p:nvPicPr>
-        <p:blipFill>
-          <a:blip r:embed="rId8" cstate="print">
-            <a:extLst>
-              <a:ext uri="{28A0092B-C50C-407E-A947-70E740481C1C}">
-                <a14:useLocalDpi xmlns:a14="http://schemas.microsoft.com/office/drawing/2010/main" val="0"/>
-              </a:ext>
-            </a:extLst>
-          </a:blip>
-          <a:stretch>
-            <a:fillRect/>
-          </a:stretch>
-        </p:blipFill>
-        <p:spPr>
-          <a:xfrm>
-            <a:off x="5559376" y="5460213"/>
-            <a:ext cx="424478" cy="360000"/>
-          </a:xfrm>
-          <a:prstGeom prst="rect">
-            <a:avLst/>
-          </a:prstGeom>
-        </p:spPr>
-      </p:pic>
-      <p:pic>
-        <p:nvPicPr>
-          <p:cNvPr id="17" name="Image 16"/>
-          <p:cNvPicPr>
-            <a:picLocks noChangeAspect="1"/>
-          </p:cNvPicPr>
-          <p:nvPr/>
-        </p:nvPicPr>
-        <p:blipFill>
-          <a:blip r:embed="rId9" cstate="print">
-            <a:extLst>
-              <a:ext uri="{28A0092B-C50C-407E-A947-70E740481C1C}">
-                <a14:useLocalDpi xmlns:a14="http://schemas.microsoft.com/office/drawing/2010/main" val="0"/>
-              </a:ext>
-            </a:extLst>
-          </a:blip>
-          <a:stretch>
-            <a:fillRect/>
-          </a:stretch>
-        </p:blipFill>
-        <p:spPr>
-          <a:xfrm>
-            <a:off x="4328367" y="5477215"/>
-            <a:ext cx="883032" cy="360000"/>
-          </a:xfrm>
-          <a:prstGeom prst="rect">
-            <a:avLst/>
-          </a:prstGeom>
-        </p:spPr>
-      </p:pic>
-      <p:pic>
-        <p:nvPicPr>
-          <p:cNvPr id="18" name="Image 17"/>
-          <p:cNvPicPr>
-            <a:picLocks noChangeAspect="1"/>
-          </p:cNvPicPr>
-          <p:nvPr/>
-        </p:nvPicPr>
-        <p:blipFill>
-          <a:blip r:embed="rId10" cstate="print">
-            <a:extLst>
-              <a:ext uri="{28A0092B-C50C-407E-A947-70E740481C1C}">
-                <a14:useLocalDpi xmlns:a14="http://schemas.microsoft.com/office/drawing/2010/main" val="0"/>
-              </a:ext>
-            </a:extLst>
-          </a:blip>
-          <a:stretch>
-            <a:fillRect/>
-          </a:stretch>
-        </p:blipFill>
-        <p:spPr>
-          <a:xfrm>
-            <a:off x="6331831" y="5460213"/>
-            <a:ext cx="1730151" cy="360000"/>
-          </a:xfrm>
-          <a:prstGeom prst="rect">
-            <a:avLst/>
-          </a:prstGeom>
-        </p:spPr>
-      </p:pic>
-      <p:cxnSp>
-        <p:nvCxnSpPr>
-          <p:cNvPr id="4" name="Connecteur droit 3"/>
-          <p:cNvCxnSpPr/>
-          <p:nvPr/>
-        </p:nvCxnSpPr>
-        <p:spPr>
-          <a:xfrm>
-            <a:off x="2662408" y="5276720"/>
-            <a:ext cx="7920000" cy="0"/>
-          </a:xfrm>
-          <a:prstGeom prst="line">
-            <a:avLst/>
-          </a:prstGeom>
-          <a:ln>
-            <a:solidFill>
-              <a:schemeClr val="tx1"/>
-            </a:solidFill>
-          </a:ln>
-        </p:spPr>
-        <p:style>
-          <a:lnRef idx="1">
-            <a:schemeClr val="accent1"/>
-          </a:lnRef>
-          <a:fillRef idx="0">
-            <a:schemeClr val="accent1"/>
-          </a:fillRef>
-          <a:effectRef idx="0">
-            <a:schemeClr val="accent1"/>
-          </a:effectRef>
-          <a:fontRef idx="minor">
-            <a:schemeClr val="tx1"/>
-          </a:fontRef>
-        </p:style>
-      </p:cxnSp>
-      <p:pic>
-        <p:nvPicPr>
-          <p:cNvPr id="5" name="Image 4"/>
-          <p:cNvPicPr>
-            <a:picLocks noChangeAspect="1"/>
-          </p:cNvPicPr>
-          <p:nvPr/>
-        </p:nvPicPr>
-        <p:blipFill>
-          <a:blip r:embed="rId11" cstate="print">
-            <a:extLst>
-              <a:ext uri="{28A0092B-C50C-407E-A947-70E740481C1C}">
-                <a14:useLocalDpi xmlns:a14="http://schemas.microsoft.com/office/drawing/2010/main" val="0"/>
-              </a:ext>
-            </a:extLst>
-          </a:blip>
-          <a:stretch>
-            <a:fillRect/>
-          </a:stretch>
-        </p:blipFill>
-        <p:spPr>
-          <a:xfrm>
-            <a:off x="8409957" y="5460213"/>
-            <a:ext cx="1714286" cy="360000"/>
-          </a:xfrm>
-          <a:prstGeom prst="rect">
-            <a:avLst/>
-          </a:prstGeom>
-        </p:spPr>
-      </p:pic>
-      <p:sp>
-        <p:nvSpPr>
-          <p:cNvPr id="19" name="ZoneTexte 18"/>
-          <p:cNvSpPr txBox="1"/>
-          <p:nvPr/>
-        </p:nvSpPr>
-        <p:spPr>
-          <a:xfrm>
-            <a:off x="2662408" y="4268353"/>
-            <a:ext cx="7920000" cy="259692"/>
-          </a:xfrm>
-          <a:prstGeom prst="rect">
-            <a:avLst/>
-          </a:prstGeom>
-          <a:solidFill>
-            <a:srgbClr val="F8F8F8">
-              <a:alpha val="74902"/>
-            </a:srgbClr>
-          </a:solidFill>
-        </p:spPr>
-        <p:txBody>
-          <a:bodyPr wrap="square" rtlCol="0">
-            <a:spAutoFit/>
-          </a:bodyPr>
-          <a:lstStyle/>
-          <a:p>
-            <a:r>
-              <a:rPr lang="fr-FR" sz="1100" b="1" dirty="0" smtClean="0">
-                <a:latin typeface="Arial" panose="020B0604020202020204" pitchFamily="34" charset="0"/>
-                <a:cs typeface="Arial" panose="020B0604020202020204" pitchFamily="34" charset="0"/>
-              </a:rPr>
-              <a:t>16</a:t>
-            </a:r>
-            <a:r>
-              <a:rPr lang="fr-FR" sz="1100" b="1" baseline="30000" dirty="0" smtClean="0">
-                <a:latin typeface="Arial" panose="020B0604020202020204" pitchFamily="34" charset="0"/>
-                <a:cs typeface="Arial" panose="020B0604020202020204" pitchFamily="34" charset="0"/>
-              </a:rPr>
-              <a:t>ème</a:t>
-            </a:r>
-            <a:r>
-              <a:rPr lang="fr-FR" sz="1100" b="1" dirty="0" smtClean="0">
-                <a:latin typeface="Arial" panose="020B0604020202020204" pitchFamily="34" charset="0"/>
-                <a:cs typeface="Arial" panose="020B0604020202020204" pitchFamily="34" charset="0"/>
-              </a:rPr>
-              <a:t> course virtuelle connectée au profit du</a:t>
-            </a:r>
-            <a:endParaRPr lang="fr-FR" sz="1100" b="1" dirty="0">
-              <a:latin typeface="Arial" panose="020B0604020202020204" pitchFamily="34" charset="0"/>
-              <a:cs typeface="Arial" panose="020B0604020202020204" pitchFamily="34" charset="0"/>
-            </a:endParaRPr>
-          </a:p>
-        </p:txBody>
-      </p:sp>
-      <p:pic>
-        <p:nvPicPr>
-          <p:cNvPr id="26" name="Image 25"/>
-          <p:cNvPicPr>
-            <a:picLocks noChangeAspect="1"/>
-          </p:cNvPicPr>
-          <p:nvPr/>
-        </p:nvPicPr>
-        <p:blipFill>
-          <a:blip r:embed="rId12" cstate="print">
-            <a:extLst>
-              <a:ext uri="{28A0092B-C50C-407E-A947-70E740481C1C}">
-                <a14:useLocalDpi xmlns:a14="http://schemas.microsoft.com/office/drawing/2010/main" val="0"/>
-              </a:ext>
-            </a:extLst>
-          </a:blip>
-          <a:stretch>
-            <a:fillRect/>
-          </a:stretch>
-        </p:blipFill>
-        <p:spPr>
-          <a:xfrm>
-            <a:off x="9670720" y="1128655"/>
-            <a:ext cx="911688" cy="936000"/>
+          <a:xfrm>
+            <a:off x="4834842" y="811484"/>
+            <a:ext cx="5137966" cy="2361571"/>
           </a:xfrm>
           <a:prstGeom prst="rect">
             <a:avLst/>
@@ -4271,7 +3847,7 @@
     </p:spTree>
     <p:extLst>
       <p:ext uri="{BB962C8B-B14F-4D97-AF65-F5344CB8AC3E}">
-        <p14:creationId xmlns:p14="http://schemas.microsoft.com/office/powerpoint/2010/main" val="1864667488"/>
+        <p14:creationId xmlns:p14="http://schemas.microsoft.com/office/powerpoint/2010/main" val="3922955269"/>
       </p:ext>
     </p:extLst>
   </p:cSld>
@@ -4735,6 +4311,21 @@
 </file>
 
 <file path=customXml/item1.xml><?xml version="1.0" encoding="utf-8"?>
+<p:properties xmlns:p="http://schemas.microsoft.com/office/2006/metadata/properties" xmlns:xsi="http://www.w3.org/2001/XMLSchema-instance" xmlns:pc="http://schemas.microsoft.com/office/infopath/2007/PartnerControls">
+  <documentManagement/>
+</p:properties>
+</file>
+
+<file path=customXml/item2.xml><?xml version="1.0" encoding="utf-8"?>
+<?mso-contentType ?>
+<FormTemplates xmlns="http://schemas.microsoft.com/sharepoint/v3/contenttype/forms">
+  <Display>DocumentLibraryForm</Display>
+  <Edit>DocumentLibraryForm</Edit>
+  <New>DocumentLibraryForm</New>
+</FormTemplates>
+</file>
+
+<file path=customXml/item3.xml><?xml version="1.0" encoding="utf-8"?>
 <ct:contentTypeSchema xmlns:ct="http://schemas.microsoft.com/office/2006/metadata/contentType" xmlns:ma="http://schemas.microsoft.com/office/2006/metadata/properties/metaAttributes" ct:_="" ma:_="" ma:contentTypeName="Document" ma:contentTypeID="0x0101005F1C601D9B9C5C4292CFD4002C6BAA3A" ma:contentTypeVersion="13" ma:contentTypeDescription="Crée un document." ma:contentTypeScope="" ma:versionID="4071751016b38eec069b162711240ca2">
   <xsd:schema xmlns:xsd="http://www.w3.org/2001/XMLSchema" xmlns:xs="http://www.w3.org/2001/XMLSchema" xmlns:p="http://schemas.microsoft.com/office/2006/metadata/properties" xmlns:ns3="230486b7-ae46-4a7b-9810-315006c8cb07" xmlns:ns4="c8438557-ce8b-4c4c-b94d-6a2491d2cc6d" targetNamespace="http://schemas.microsoft.com/office/2006/metadata/properties" ma:root="true" ma:fieldsID="f2304df4e5a08fdb6df2dee5f1a2e7c5" ns3:_="" ns4:_="">
     <xsd:import namespace="230486b7-ae46-4a7b-9810-315006c8cb07"/>
@@ -4957,22 +4548,32 @@
 </ct:contentTypeSchema>
 </file>
 
-<file path=customXml/item2.xml><?xml version="1.0" encoding="utf-8"?>
-<?mso-contentType ?>
-<FormTemplates xmlns="http://schemas.microsoft.com/sharepoint/v3/contenttype/forms">
-  <Display>DocumentLibraryForm</Display>
-  <Edit>DocumentLibraryForm</Edit>
-  <New>DocumentLibraryForm</New>
-</FormTemplates>
+<file path=customXml/itemProps1.xml><?xml version="1.0" encoding="utf-8"?>
+<ds:datastoreItem xmlns:ds="http://schemas.openxmlformats.org/officeDocument/2006/customXml" ds:itemID="{ECF70076-0E67-41E2-BB15-93A25F949074}">
+  <ds:schemaRefs>
+    <ds:schemaRef ds:uri="http://purl.org/dc/terms/"/>
+    <ds:schemaRef ds:uri="http://www.w3.org/XML/1998/namespace"/>
+    <ds:schemaRef ds:uri="http://schemas.microsoft.com/office/2006/documentManagement/types"/>
+    <ds:schemaRef ds:uri="230486b7-ae46-4a7b-9810-315006c8cb07"/>
+    <ds:schemaRef ds:uri="http://purl.org/dc/elements/1.1/"/>
+    <ds:schemaRef ds:uri="http://purl.org/dc/dcmitype/"/>
+    <ds:schemaRef ds:uri="http://schemas.microsoft.com/office/2006/metadata/properties"/>
+    <ds:schemaRef ds:uri="http://schemas.microsoft.com/office/infopath/2007/PartnerControls"/>
+    <ds:schemaRef ds:uri="http://schemas.openxmlformats.org/package/2006/metadata/core-properties"/>
+    <ds:schemaRef ds:uri="c8438557-ce8b-4c4c-b94d-6a2491d2cc6d"/>
+  </ds:schemaRefs>
+</ds:datastoreItem>
 </file>
 
-<file path=customXml/item3.xml><?xml version="1.0" encoding="utf-8"?>
-<p:properties xmlns:p="http://schemas.microsoft.com/office/2006/metadata/properties" xmlns:xsi="http://www.w3.org/2001/XMLSchema-instance" xmlns:pc="http://schemas.microsoft.com/office/infopath/2007/PartnerControls">
-  <documentManagement/>
-</p:properties>
+<file path=customXml/itemProps2.xml><?xml version="1.0" encoding="utf-8"?>
+<ds:datastoreItem xmlns:ds="http://schemas.openxmlformats.org/officeDocument/2006/customXml" ds:itemID="{E2A64358-4B54-40CD-94B6-DE48E56868BF}">
+  <ds:schemaRefs>
+    <ds:schemaRef ds:uri="http://schemas.microsoft.com/sharepoint/v3/contenttype/forms"/>
+  </ds:schemaRefs>
+</ds:datastoreItem>
 </file>
 
-<file path=customXml/itemProps1.xml><?xml version="1.0" encoding="utf-8"?>
+<file path=customXml/itemProps3.xml><?xml version="1.0" encoding="utf-8"?>
 <ds:datastoreItem xmlns:ds="http://schemas.openxmlformats.org/officeDocument/2006/customXml" ds:itemID="{BD8E68C6-8C7F-498F-A2C0-9BA7C8EF5D7C}">
   <ds:schemaRefs>
     <ds:schemaRef ds:uri="http://schemas.microsoft.com/office/2006/metadata/contentType"/>
@@ -4989,29 +4590,4 @@
     <ds:schemaRef ds:uri="http://schemas.microsoft.com/internal/obd"/>
   </ds:schemaRefs>
 </ds:datastoreItem>
-</file>
-
-<file path=customXml/itemProps2.xml><?xml version="1.0" encoding="utf-8"?>
-<ds:datastoreItem xmlns:ds="http://schemas.openxmlformats.org/officeDocument/2006/customXml" ds:itemID="{E2A64358-4B54-40CD-94B6-DE48E56868BF}">
-  <ds:schemaRefs>
-    <ds:schemaRef ds:uri="http://schemas.microsoft.com/sharepoint/v3/contenttype/forms"/>
-  </ds:schemaRefs>
-</ds:datastoreItem>
-</file>
-
-<file path=customXml/itemProps3.xml><?xml version="1.0" encoding="utf-8"?>
-<ds:datastoreItem xmlns:ds="http://schemas.openxmlformats.org/officeDocument/2006/customXml" ds:itemID="{ECF70076-0E67-41E2-BB15-93A25F949074}">
-  <ds:schemaRefs>
-    <ds:schemaRef ds:uri="http://purl.org/dc/terms/"/>
-    <ds:schemaRef ds:uri="http://schemas.microsoft.com/office/2006/documentManagement/types"/>
-    <ds:schemaRef ds:uri="c8438557-ce8b-4c4c-b94d-6a2491d2cc6d"/>
-    <ds:schemaRef ds:uri="http://www.w3.org/XML/1998/namespace"/>
-    <ds:schemaRef ds:uri="http://schemas.openxmlformats.org/package/2006/metadata/core-properties"/>
-    <ds:schemaRef ds:uri="http://purl.org/dc/elements/1.1/"/>
-    <ds:schemaRef ds:uri="http://schemas.microsoft.com/office/2006/metadata/properties"/>
-    <ds:schemaRef ds:uri="http://schemas.microsoft.com/office/infopath/2007/PartnerControls"/>
-    <ds:schemaRef ds:uri="230486b7-ae46-4a7b-9810-315006c8cb07"/>
-    <ds:schemaRef ds:uri="http://purl.org/dc/dcmitype/"/>
-  </ds:schemaRefs>
-</ds:datastoreItem>
 </file>
--- a/Modele.pptx
+++ b/Modele.pptx
@@ -3806,38 +3806,8 @@
         </p:blipFill>
         <p:spPr>
           <a:xfrm>
-            <a:off x="2052808" y="811484"/>
-            <a:ext cx="7920000" cy="5040000"/>
-          </a:xfrm>
-          <a:prstGeom prst="rect">
-            <a:avLst/>
-          </a:prstGeom>
-        </p:spPr>
-      </p:pic>
-      <p:pic>
-        <p:nvPicPr>
-          <p:cNvPr id="22" name="Image 21"/>
-          <p:cNvPicPr>
-            <a:picLocks noChangeAspect="1"/>
-          </p:cNvPicPr>
-          <p:nvPr/>
-        </p:nvPicPr>
-        <p:blipFill rotWithShape="1">
-          <a:blip r:embed="rId3" cstate="print">
-            <a:lum bright="70000" contrast="-70000"/>
-            <a:extLst>
-              <a:ext uri="{28A0092B-C50C-407E-A947-70E740481C1C}">
-                <a14:useLocalDpi xmlns:a14="http://schemas.microsoft.com/office/drawing/2010/main" val="0"/>
-              </a:ext>
-            </a:extLst>
-          </a:blip>
-          <a:srcRect t="12005"/>
-          <a:stretch/>
-        </p:blipFill>
-        <p:spPr>
-          <a:xfrm>
-            <a:off x="4834842" y="811484"/>
-            <a:ext cx="5137966" cy="2361571"/>
+            <a:off x="2686382" y="811484"/>
+            <a:ext cx="7286425" cy="4636816"/>
           </a:xfrm>
           <a:prstGeom prst="rect">
             <a:avLst/>
@@ -4311,21 +4281,6 @@
 </file>
 
 <file path=customXml/item1.xml><?xml version="1.0" encoding="utf-8"?>
-<p:properties xmlns:p="http://schemas.microsoft.com/office/2006/metadata/properties" xmlns:xsi="http://www.w3.org/2001/XMLSchema-instance" xmlns:pc="http://schemas.microsoft.com/office/infopath/2007/PartnerControls">
-  <documentManagement/>
-</p:properties>
-</file>
-
-<file path=customXml/item2.xml><?xml version="1.0" encoding="utf-8"?>
-<?mso-contentType ?>
-<FormTemplates xmlns="http://schemas.microsoft.com/sharepoint/v3/contenttype/forms">
-  <Display>DocumentLibraryForm</Display>
-  <Edit>DocumentLibraryForm</Edit>
-  <New>DocumentLibraryForm</New>
-</FormTemplates>
-</file>
-
-<file path=customXml/item3.xml><?xml version="1.0" encoding="utf-8"?>
 <ct:contentTypeSchema xmlns:ct="http://schemas.microsoft.com/office/2006/metadata/contentType" xmlns:ma="http://schemas.microsoft.com/office/2006/metadata/properties/metaAttributes" ct:_="" ma:_="" ma:contentTypeName="Document" ma:contentTypeID="0x0101005F1C601D9B9C5C4292CFD4002C6BAA3A" ma:contentTypeVersion="13" ma:contentTypeDescription="Crée un document." ma:contentTypeScope="" ma:versionID="4071751016b38eec069b162711240ca2">
   <xsd:schema xmlns:xsd="http://www.w3.org/2001/XMLSchema" xmlns:xs="http://www.w3.org/2001/XMLSchema" xmlns:p="http://schemas.microsoft.com/office/2006/metadata/properties" xmlns:ns3="230486b7-ae46-4a7b-9810-315006c8cb07" xmlns:ns4="c8438557-ce8b-4c4c-b94d-6a2491d2cc6d" targetNamespace="http://schemas.microsoft.com/office/2006/metadata/properties" ma:root="true" ma:fieldsID="f2304df4e5a08fdb6df2dee5f1a2e7c5" ns3:_="" ns4:_="">
     <xsd:import namespace="230486b7-ae46-4a7b-9810-315006c8cb07"/>
@@ -4548,32 +4503,22 @@
 </ct:contentTypeSchema>
 </file>
 
-<file path=customXml/itemProps1.xml><?xml version="1.0" encoding="utf-8"?>
-<ds:datastoreItem xmlns:ds="http://schemas.openxmlformats.org/officeDocument/2006/customXml" ds:itemID="{ECF70076-0E67-41E2-BB15-93A25F949074}">
-  <ds:schemaRefs>
-    <ds:schemaRef ds:uri="http://purl.org/dc/terms/"/>
-    <ds:schemaRef ds:uri="http://www.w3.org/XML/1998/namespace"/>
-    <ds:schemaRef ds:uri="http://schemas.microsoft.com/office/2006/documentManagement/types"/>
-    <ds:schemaRef ds:uri="230486b7-ae46-4a7b-9810-315006c8cb07"/>
-    <ds:schemaRef ds:uri="http://purl.org/dc/elements/1.1/"/>
-    <ds:schemaRef ds:uri="http://purl.org/dc/dcmitype/"/>
-    <ds:schemaRef ds:uri="http://schemas.microsoft.com/office/2006/metadata/properties"/>
-    <ds:schemaRef ds:uri="http://schemas.microsoft.com/office/infopath/2007/PartnerControls"/>
-    <ds:schemaRef ds:uri="http://schemas.openxmlformats.org/package/2006/metadata/core-properties"/>
-    <ds:schemaRef ds:uri="c8438557-ce8b-4c4c-b94d-6a2491d2cc6d"/>
-  </ds:schemaRefs>
-</ds:datastoreItem>
+<file path=customXml/item2.xml><?xml version="1.0" encoding="utf-8"?>
+<?mso-contentType ?>
+<FormTemplates xmlns="http://schemas.microsoft.com/sharepoint/v3/contenttype/forms">
+  <Display>DocumentLibraryForm</Display>
+  <Edit>DocumentLibraryForm</Edit>
+  <New>DocumentLibraryForm</New>
+</FormTemplates>
 </file>
 
-<file path=customXml/itemProps2.xml><?xml version="1.0" encoding="utf-8"?>
-<ds:datastoreItem xmlns:ds="http://schemas.openxmlformats.org/officeDocument/2006/customXml" ds:itemID="{E2A64358-4B54-40CD-94B6-DE48E56868BF}">
-  <ds:schemaRefs>
-    <ds:schemaRef ds:uri="http://schemas.microsoft.com/sharepoint/v3/contenttype/forms"/>
-  </ds:schemaRefs>
-</ds:datastoreItem>
+<file path=customXml/item3.xml><?xml version="1.0" encoding="utf-8"?>
+<p:properties xmlns:p="http://schemas.microsoft.com/office/2006/metadata/properties" xmlns:xsi="http://www.w3.org/2001/XMLSchema-instance" xmlns:pc="http://schemas.microsoft.com/office/infopath/2007/PartnerControls">
+  <documentManagement/>
+</p:properties>
 </file>
 
-<file path=customXml/itemProps3.xml><?xml version="1.0" encoding="utf-8"?>
+<file path=customXml/itemProps1.xml><?xml version="1.0" encoding="utf-8"?>
 <ds:datastoreItem xmlns:ds="http://schemas.openxmlformats.org/officeDocument/2006/customXml" ds:itemID="{BD8E68C6-8C7F-498F-A2C0-9BA7C8EF5D7C}">
   <ds:schemaRefs>
     <ds:schemaRef ds:uri="http://schemas.microsoft.com/office/2006/metadata/contentType"/>
@@ -4590,4 +4535,29 @@
     <ds:schemaRef ds:uri="http://schemas.microsoft.com/internal/obd"/>
   </ds:schemaRefs>
 </ds:datastoreItem>
+</file>
+
+<file path=customXml/itemProps2.xml><?xml version="1.0" encoding="utf-8"?>
+<ds:datastoreItem xmlns:ds="http://schemas.openxmlformats.org/officeDocument/2006/customXml" ds:itemID="{E2A64358-4B54-40CD-94B6-DE48E56868BF}">
+  <ds:schemaRefs>
+    <ds:schemaRef ds:uri="http://schemas.microsoft.com/sharepoint/v3/contenttype/forms"/>
+  </ds:schemaRefs>
+</ds:datastoreItem>
+</file>
+
+<file path=customXml/itemProps3.xml><?xml version="1.0" encoding="utf-8"?>
+<ds:datastoreItem xmlns:ds="http://schemas.openxmlformats.org/officeDocument/2006/customXml" ds:itemID="{ECF70076-0E67-41E2-BB15-93A25F949074}">
+  <ds:schemaRefs>
+    <ds:schemaRef ds:uri="http://schemas.microsoft.com/office/2006/documentManagement/types"/>
+    <ds:schemaRef ds:uri="http://schemas.openxmlformats.org/package/2006/metadata/core-properties"/>
+    <ds:schemaRef ds:uri="c8438557-ce8b-4c4c-b94d-6a2491d2cc6d"/>
+    <ds:schemaRef ds:uri="http://schemas.microsoft.com/office/2006/metadata/properties"/>
+    <ds:schemaRef ds:uri="http://schemas.microsoft.com/office/infopath/2007/PartnerControls"/>
+    <ds:schemaRef ds:uri="230486b7-ae46-4a7b-9810-315006c8cb07"/>
+    <ds:schemaRef ds:uri="http://www.w3.org/XML/1998/namespace"/>
+    <ds:schemaRef ds:uri="http://purl.org/dc/dcmitype/"/>
+    <ds:schemaRef ds:uri="http://purl.org/dc/terms/"/>
+    <ds:schemaRef ds:uri="http://purl.org/dc/elements/1.1/"/>
+  </ds:schemaRefs>
+</ds:datastoreItem>
 </file>
--- a/Modele.pptx
+++ b/Modele.pptx
@@ -7,8 +7,9 @@
   <p:sldIdLst>
     <p:sldId id="256" r:id="rId5"/>
     <p:sldId id="259" r:id="rId6"/>
-    <p:sldId id="260" r:id="rId7"/>
-    <p:sldId id="257" r:id="rId8"/>
+    <p:sldId id="261" r:id="rId7"/>
+    <p:sldId id="260" r:id="rId8"/>
+    <p:sldId id="257" r:id="rId9"/>
   </p:sldIdLst>
   <p:sldSz cx="12192000" cy="6858000"/>
   <p:notesSz cx="6858000" cy="9144000"/>
@@ -3788,6 +3789,615 @@
         </p:nvPicPr>
         <p:blipFill rotWithShape="1">
           <a:blip r:embed="rId2" cstate="print">
+            <a:extLst>
+              <a:ext uri="{28A0092B-C50C-407E-A947-70E740481C1C}">
+                <a14:useLocalDpi xmlns:a14="http://schemas.microsoft.com/office/drawing/2010/main" val="0"/>
+              </a:ext>
+            </a:extLst>
+          </a:blip>
+          <a:srcRect t="12987"/>
+          <a:stretch/>
+        </p:blipFill>
+        <p:spPr>
+          <a:xfrm>
+            <a:off x="2662408" y="925784"/>
+            <a:ext cx="7920000" cy="5040000"/>
+          </a:xfrm>
+          <a:prstGeom prst="rect">
+            <a:avLst/>
+          </a:prstGeom>
+        </p:spPr>
+      </p:pic>
+      <p:pic>
+        <p:nvPicPr>
+          <p:cNvPr id="21" name="Image 20"/>
+          <p:cNvPicPr>
+            <a:picLocks noChangeAspect="1"/>
+          </p:cNvPicPr>
+          <p:nvPr/>
+        </p:nvPicPr>
+        <p:blipFill rotWithShape="1">
+          <a:blip r:embed="rId3" cstate="print">
+            <a:extLst>
+              <a:ext uri="{28A0092B-C50C-407E-A947-70E740481C1C}">
+                <a14:useLocalDpi xmlns:a14="http://schemas.microsoft.com/office/drawing/2010/main" val="0"/>
+              </a:ext>
+            </a:extLst>
+          </a:blip>
+          <a:srcRect t="12005"/>
+          <a:stretch/>
+        </p:blipFill>
+        <p:spPr>
+          <a:xfrm flipH="1">
+            <a:off x="6262408" y="915029"/>
+            <a:ext cx="4320000" cy="1985608"/>
+          </a:xfrm>
+          <a:prstGeom prst="rect">
+            <a:avLst/>
+          </a:prstGeom>
+        </p:spPr>
+      </p:pic>
+      <p:pic>
+        <p:nvPicPr>
+          <p:cNvPr id="20" name="Image 19"/>
+          <p:cNvPicPr>
+            <a:picLocks noChangeAspect="1"/>
+          </p:cNvPicPr>
+          <p:nvPr/>
+        </p:nvPicPr>
+        <p:blipFill rotWithShape="1">
+          <a:blip r:embed="rId3" cstate="print">
+            <a:extLst>
+              <a:ext uri="{28A0092B-C50C-407E-A947-70E740481C1C}">
+                <a14:useLocalDpi xmlns:a14="http://schemas.microsoft.com/office/drawing/2010/main" val="0"/>
+              </a:ext>
+            </a:extLst>
+          </a:blip>
+          <a:srcRect t="11512"/>
+          <a:stretch/>
+        </p:blipFill>
+        <p:spPr>
+          <a:xfrm flipH="1">
+            <a:off x="2688283" y="916973"/>
+            <a:ext cx="4320000" cy="1983664"/>
+          </a:xfrm>
+          <a:prstGeom prst="rect">
+            <a:avLst/>
+          </a:prstGeom>
+        </p:spPr>
+      </p:pic>
+      <p:sp>
+        <p:nvSpPr>
+          <p:cNvPr id="12" name="ZoneTexte 11"/>
+          <p:cNvSpPr txBox="1"/>
+          <p:nvPr/>
+        </p:nvSpPr>
+        <p:spPr>
+          <a:xfrm>
+            <a:off x="2666999" y="1164655"/>
+            <a:ext cx="7915409" cy="900000"/>
+          </a:xfrm>
+          <a:prstGeom prst="rect">
+            <a:avLst/>
+          </a:prstGeom>
+          <a:solidFill>
+            <a:srgbClr val="F8F8F8">
+              <a:alpha val="74902"/>
+            </a:srgbClr>
+          </a:solidFill>
+        </p:spPr>
+        <p:txBody>
+          <a:bodyPr wrap="square" rtlCol="0">
+            <a:spAutoFit/>
+          </a:bodyPr>
+          <a:lstStyle/>
+          <a:p>
+            <a:pPr algn="ctr"/>
+            <a:endParaRPr lang="fr-FR" sz="6000" b="1" dirty="0"/>
+          </a:p>
+        </p:txBody>
+      </p:sp>
+      <p:pic>
+        <p:nvPicPr>
+          <p:cNvPr id="9" name="Image 8"/>
+          <p:cNvPicPr>
+            <a:picLocks noChangeAspect="1"/>
+          </p:cNvPicPr>
+          <p:nvPr/>
+        </p:nvPicPr>
+        <p:blipFill rotWithShape="1">
+          <a:blip r:embed="rId4">
+            <a:extLst>
+              <a:ext uri="{28A0092B-C50C-407E-A947-70E740481C1C}">
+                <a14:useLocalDpi xmlns:a14="http://schemas.microsoft.com/office/drawing/2010/main" val="0"/>
+              </a:ext>
+            </a:extLst>
+          </a:blip>
+          <a:srcRect r="33796"/>
+          <a:stretch/>
+        </p:blipFill>
+        <p:spPr>
+          <a:xfrm>
+            <a:off x="2662408" y="4143433"/>
+            <a:ext cx="7920000" cy="1820407"/>
+          </a:xfrm>
+          <a:prstGeom prst="rect">
+            <a:avLst/>
+          </a:prstGeom>
+        </p:spPr>
+      </p:pic>
+      <p:sp>
+        <p:nvSpPr>
+          <p:cNvPr id="6" name="ZoneTexte 5"/>
+          <p:cNvSpPr txBox="1"/>
+          <p:nvPr/>
+        </p:nvSpPr>
+        <p:spPr>
+          <a:xfrm>
+            <a:off x="2662408" y="5318806"/>
+            <a:ext cx="7920000" cy="646331"/>
+          </a:xfrm>
+          <a:prstGeom prst="rect">
+            <a:avLst/>
+          </a:prstGeom>
+          <a:solidFill>
+            <a:srgbClr val="F8F8F8">
+              <a:alpha val="74902"/>
+            </a:srgbClr>
+          </a:solidFill>
+        </p:spPr>
+        <p:txBody>
+          <a:bodyPr wrap="square" rtlCol="0">
+            <a:spAutoFit/>
+          </a:bodyPr>
+          <a:lstStyle/>
+          <a:p>
+            <a:pPr algn="ctr"/>
+            <a:r>
+              <a:rPr lang="fr-FR" sz="3600" b="1" dirty="0" smtClean="0">
+                <a:solidFill>
+                  <a:srgbClr val="DC4E32"/>
+                </a:solidFill>
+                <a:latin typeface="Arial" panose="020B0604020202020204" pitchFamily="34" charset="0"/>
+                <a:cs typeface="Arial" panose="020B0604020202020204" pitchFamily="34" charset="0"/>
+              </a:rPr>
+              <a:t>              </a:t>
+            </a:r>
+            <a:endParaRPr lang="fr-FR" sz="3600" b="1" dirty="0">
+              <a:solidFill>
+                <a:srgbClr val="FF0000"/>
+              </a:solidFill>
+              <a:latin typeface="Arial" panose="020B0604020202020204" pitchFamily="34" charset="0"/>
+              <a:cs typeface="Arial" panose="020B0604020202020204" pitchFamily="34" charset="0"/>
+            </a:endParaRPr>
+          </a:p>
+        </p:txBody>
+      </p:sp>
+      <p:pic>
+        <p:nvPicPr>
+          <p:cNvPr id="13" name="Image 12"/>
+          <p:cNvPicPr>
+            <a:picLocks noChangeAspect="1"/>
+          </p:cNvPicPr>
+          <p:nvPr/>
+        </p:nvPicPr>
+        <p:blipFill>
+          <a:blip r:embed="rId5" cstate="print">
+            <a:extLst>
+              <a:ext uri="{28A0092B-C50C-407E-A947-70E740481C1C}">
+                <a14:useLocalDpi xmlns:a14="http://schemas.microsoft.com/office/drawing/2010/main" val="0"/>
+              </a:ext>
+            </a:extLst>
+          </a:blip>
+          <a:stretch>
+            <a:fillRect/>
+          </a:stretch>
+        </p:blipFill>
+        <p:spPr>
+          <a:xfrm>
+            <a:off x="2970045" y="4603316"/>
+            <a:ext cx="1612768" cy="601007"/>
+          </a:xfrm>
+          <a:prstGeom prst="rect">
+            <a:avLst/>
+          </a:prstGeom>
+        </p:spPr>
+      </p:pic>
+      <p:pic>
+        <p:nvPicPr>
+          <p:cNvPr id="15" name="Image 14"/>
+          <p:cNvPicPr>
+            <a:picLocks noChangeAspect="1"/>
+          </p:cNvPicPr>
+          <p:nvPr/>
+        </p:nvPicPr>
+        <p:blipFill>
+          <a:blip r:embed="rId6" cstate="print">
+            <a:extLst>
+              <a:ext uri="{BEBA8EAE-BF5A-486C-A8C5-ECC9F3942E4B}">
+                <a14:imgProps xmlns:a14="http://schemas.microsoft.com/office/drawing/2010/main">
+                  <a14:imgLayer r:embed="rId7">
+                    <a14:imgEffect>
+                      <a14:saturation sat="400000"/>
+                    </a14:imgEffect>
+                    <a14:imgEffect>
+                      <a14:brightnessContrast bright="-20000" contrast="40000"/>
+                    </a14:imgEffect>
+                  </a14:imgLayer>
+                </a14:imgProps>
+              </a:ext>
+              <a:ext uri="{28A0092B-C50C-407E-A947-70E740481C1C}">
+                <a14:useLocalDpi xmlns:a14="http://schemas.microsoft.com/office/drawing/2010/main" val="0"/>
+              </a:ext>
+            </a:extLst>
+          </a:blip>
+          <a:stretch>
+            <a:fillRect/>
+          </a:stretch>
+        </p:blipFill>
+        <p:spPr>
+          <a:xfrm>
+            <a:off x="3169578" y="5465953"/>
+            <a:ext cx="810812" cy="360000"/>
+          </a:xfrm>
+          <a:prstGeom prst="rect">
+            <a:avLst/>
+          </a:prstGeom>
+        </p:spPr>
+      </p:pic>
+      <p:pic>
+        <p:nvPicPr>
+          <p:cNvPr id="16" name="Image 15"/>
+          <p:cNvPicPr>
+            <a:picLocks noChangeAspect="1"/>
+          </p:cNvPicPr>
+          <p:nvPr/>
+        </p:nvPicPr>
+        <p:blipFill>
+          <a:blip r:embed="rId8" cstate="print">
+            <a:extLst>
+              <a:ext uri="{28A0092B-C50C-407E-A947-70E740481C1C}">
+                <a14:useLocalDpi xmlns:a14="http://schemas.microsoft.com/office/drawing/2010/main" val="0"/>
+              </a:ext>
+            </a:extLst>
+          </a:blip>
+          <a:stretch>
+            <a:fillRect/>
+          </a:stretch>
+        </p:blipFill>
+        <p:spPr>
+          <a:xfrm>
+            <a:off x="5559376" y="5460213"/>
+            <a:ext cx="424478" cy="360000"/>
+          </a:xfrm>
+          <a:prstGeom prst="rect">
+            <a:avLst/>
+          </a:prstGeom>
+        </p:spPr>
+      </p:pic>
+      <p:pic>
+        <p:nvPicPr>
+          <p:cNvPr id="17" name="Image 16"/>
+          <p:cNvPicPr>
+            <a:picLocks noChangeAspect="1"/>
+          </p:cNvPicPr>
+          <p:nvPr/>
+        </p:nvPicPr>
+        <p:blipFill>
+          <a:blip r:embed="rId9" cstate="print">
+            <a:extLst>
+              <a:ext uri="{28A0092B-C50C-407E-A947-70E740481C1C}">
+                <a14:useLocalDpi xmlns:a14="http://schemas.microsoft.com/office/drawing/2010/main" val="0"/>
+              </a:ext>
+            </a:extLst>
+          </a:blip>
+          <a:stretch>
+            <a:fillRect/>
+          </a:stretch>
+        </p:blipFill>
+        <p:spPr>
+          <a:xfrm>
+            <a:off x="4328367" y="5477215"/>
+            <a:ext cx="883032" cy="360000"/>
+          </a:xfrm>
+          <a:prstGeom prst="rect">
+            <a:avLst/>
+          </a:prstGeom>
+        </p:spPr>
+      </p:pic>
+      <p:pic>
+        <p:nvPicPr>
+          <p:cNvPr id="18" name="Image 17"/>
+          <p:cNvPicPr>
+            <a:picLocks noChangeAspect="1"/>
+          </p:cNvPicPr>
+          <p:nvPr/>
+        </p:nvPicPr>
+        <p:blipFill>
+          <a:blip r:embed="rId10" cstate="print">
+            <a:extLst>
+              <a:ext uri="{28A0092B-C50C-407E-A947-70E740481C1C}">
+                <a14:useLocalDpi xmlns:a14="http://schemas.microsoft.com/office/drawing/2010/main" val="0"/>
+              </a:ext>
+            </a:extLst>
+          </a:blip>
+          <a:stretch>
+            <a:fillRect/>
+          </a:stretch>
+        </p:blipFill>
+        <p:spPr>
+          <a:xfrm>
+            <a:off x="6331831" y="5460213"/>
+            <a:ext cx="1730151" cy="360000"/>
+          </a:xfrm>
+          <a:prstGeom prst="rect">
+            <a:avLst/>
+          </a:prstGeom>
+        </p:spPr>
+      </p:pic>
+      <p:pic>
+        <p:nvPicPr>
+          <p:cNvPr id="5" name="Image 4"/>
+          <p:cNvPicPr>
+            <a:picLocks noChangeAspect="1"/>
+          </p:cNvPicPr>
+          <p:nvPr/>
+        </p:nvPicPr>
+        <p:blipFill>
+          <a:blip r:embed="rId11" cstate="print">
+            <a:extLst>
+              <a:ext uri="{28A0092B-C50C-407E-A947-70E740481C1C}">
+                <a14:useLocalDpi xmlns:a14="http://schemas.microsoft.com/office/drawing/2010/main" val="0"/>
+              </a:ext>
+            </a:extLst>
+          </a:blip>
+          <a:stretch>
+            <a:fillRect/>
+          </a:stretch>
+        </p:blipFill>
+        <p:spPr>
+          <a:xfrm>
+            <a:off x="8409957" y="5460213"/>
+            <a:ext cx="1714286" cy="360000"/>
+          </a:xfrm>
+          <a:prstGeom prst="rect">
+            <a:avLst/>
+          </a:prstGeom>
+        </p:spPr>
+      </p:pic>
+      <p:sp>
+        <p:nvSpPr>
+          <p:cNvPr id="19" name="ZoneTexte 18"/>
+          <p:cNvSpPr txBox="1"/>
+          <p:nvPr/>
+        </p:nvSpPr>
+        <p:spPr>
+          <a:xfrm>
+            <a:off x="2688283" y="4157931"/>
+            <a:ext cx="2176292" cy="430887"/>
+          </a:xfrm>
+          <a:prstGeom prst="rect">
+            <a:avLst/>
+          </a:prstGeom>
+          <a:noFill/>
+        </p:spPr>
+        <p:txBody>
+          <a:bodyPr wrap="square" rtlCol="0">
+            <a:spAutoFit/>
+          </a:bodyPr>
+          <a:lstStyle/>
+          <a:p>
+            <a:pPr algn="ctr"/>
+            <a:r>
+              <a:rPr lang="fr-FR" sz="1100" b="1" dirty="0" smtClean="0">
+                <a:latin typeface="Arial" panose="020B0604020202020204" pitchFamily="34" charset="0"/>
+                <a:cs typeface="Arial" panose="020B0604020202020204" pitchFamily="34" charset="0"/>
+              </a:rPr>
+              <a:t>16</a:t>
+            </a:r>
+            <a:r>
+              <a:rPr lang="fr-FR" sz="1100" b="1" baseline="30000" dirty="0" smtClean="0">
+                <a:latin typeface="Arial" panose="020B0604020202020204" pitchFamily="34" charset="0"/>
+                <a:cs typeface="Arial" panose="020B0604020202020204" pitchFamily="34" charset="0"/>
+              </a:rPr>
+              <a:t>ème</a:t>
+            </a:r>
+            <a:r>
+              <a:rPr lang="fr-FR" sz="1100" b="1" dirty="0" smtClean="0">
+                <a:latin typeface="Arial" panose="020B0604020202020204" pitchFamily="34" charset="0"/>
+                <a:cs typeface="Arial" panose="020B0604020202020204" pitchFamily="34" charset="0"/>
+              </a:rPr>
+              <a:t> course virtuelle connectée au profit du</a:t>
+            </a:r>
+            <a:endParaRPr lang="fr-FR" sz="1100" b="1" dirty="0">
+              <a:latin typeface="Arial" panose="020B0604020202020204" pitchFamily="34" charset="0"/>
+              <a:cs typeface="Arial" panose="020B0604020202020204" pitchFamily="34" charset="0"/>
+            </a:endParaRPr>
+          </a:p>
+        </p:txBody>
+      </p:sp>
+      <p:pic>
+        <p:nvPicPr>
+          <p:cNvPr id="26" name="Image 25"/>
+          <p:cNvPicPr>
+            <a:picLocks noChangeAspect="1"/>
+          </p:cNvPicPr>
+          <p:nvPr/>
+        </p:nvPicPr>
+        <p:blipFill>
+          <a:blip r:embed="rId12" cstate="print">
+            <a:extLst>
+              <a:ext uri="{28A0092B-C50C-407E-A947-70E740481C1C}">
+                <a14:useLocalDpi xmlns:a14="http://schemas.microsoft.com/office/drawing/2010/main" val="0"/>
+              </a:ext>
+            </a:extLst>
+          </a:blip>
+          <a:stretch>
+            <a:fillRect/>
+          </a:stretch>
+        </p:blipFill>
+        <p:spPr>
+          <a:xfrm>
+            <a:off x="9670720" y="1128655"/>
+            <a:ext cx="911688" cy="936000"/>
+          </a:xfrm>
+          <a:prstGeom prst="rect">
+            <a:avLst/>
+          </a:prstGeom>
+        </p:spPr>
+      </p:pic>
+      <p:sp>
+        <p:nvSpPr>
+          <p:cNvPr id="22" name="ZoneTexte 21"/>
+          <p:cNvSpPr txBox="1"/>
+          <p:nvPr/>
+        </p:nvSpPr>
+        <p:spPr>
+          <a:xfrm>
+            <a:off x="3928369" y="4007818"/>
+            <a:ext cx="5857718" cy="830997"/>
+          </a:xfrm>
+          <a:prstGeom prst="rect">
+            <a:avLst/>
+          </a:prstGeom>
+          <a:noFill/>
+        </p:spPr>
+        <p:txBody>
+          <a:bodyPr wrap="square" rtlCol="0">
+            <a:spAutoFit/>
+          </a:bodyPr>
+          <a:lstStyle/>
+          <a:p>
+            <a:pPr algn="r"/>
+            <a:r>
+              <a:rPr lang="fr-FR" sz="4800" b="1" dirty="0" smtClean="0">
+                <a:solidFill>
+                  <a:srgbClr val="DC4E32"/>
+                </a:solidFill>
+                <a:latin typeface="Arial" panose="020B0604020202020204" pitchFamily="34" charset="0"/>
+                <a:cs typeface="Arial" panose="020B0604020202020204" pitchFamily="34" charset="0"/>
+              </a:rPr>
+              <a:t>La </a:t>
+            </a:r>
+            <a:r>
+              <a:rPr lang="fr-FR" sz="4800" b="1" dirty="0" err="1" smtClean="0">
+                <a:solidFill>
+                  <a:srgbClr val="DC4E32"/>
+                </a:solidFill>
+                <a:latin typeface="Arial" panose="020B0604020202020204" pitchFamily="34" charset="0"/>
+                <a:cs typeface="Arial" panose="020B0604020202020204" pitchFamily="34" charset="0"/>
+              </a:rPr>
+              <a:t>PiEdTHONe</a:t>
+            </a:r>
+            <a:endParaRPr lang="fr-FR" sz="4800" b="1" dirty="0" smtClean="0">
+              <a:solidFill>
+                <a:srgbClr val="DC4E32"/>
+              </a:solidFill>
+              <a:latin typeface="Arial" panose="020B0604020202020204" pitchFamily="34" charset="0"/>
+              <a:cs typeface="Arial" panose="020B0604020202020204" pitchFamily="34" charset="0"/>
+            </a:endParaRPr>
+          </a:p>
+        </p:txBody>
+      </p:sp>
+      <p:sp>
+        <p:nvSpPr>
+          <p:cNvPr id="7" name="ZoneTexte 6"/>
+          <p:cNvSpPr txBox="1"/>
+          <p:nvPr/>
+        </p:nvSpPr>
+        <p:spPr>
+          <a:xfrm rot="20543161">
+            <a:off x="9065377" y="4357983"/>
+            <a:ext cx="1441420" cy="769441"/>
+          </a:xfrm>
+          <a:prstGeom prst="rect">
+            <a:avLst/>
+          </a:prstGeom>
+          <a:noFill/>
+        </p:spPr>
+        <p:txBody>
+          <a:bodyPr wrap="none" rtlCol="0">
+            <a:spAutoFit/>
+          </a:bodyPr>
+          <a:lstStyle/>
+          <a:p>
+            <a:r>
+              <a:rPr lang="fr-FR" sz="4400" b="1" dirty="0" smtClean="0">
+                <a:ln w="19050">
+                  <a:solidFill>
+                    <a:srgbClr val="DC4E32"/>
+                  </a:solidFill>
+                </a:ln>
+                <a:solidFill>
+                  <a:schemeClr val="bg1"/>
+                </a:solidFill>
+                <a:latin typeface="Arial" panose="020B0604020202020204" pitchFamily="34" charset="0"/>
+                <a:cs typeface="Arial" panose="020B0604020202020204" pitchFamily="34" charset="0"/>
+              </a:rPr>
+              <a:t>2022</a:t>
+            </a:r>
+            <a:endParaRPr lang="fr-FR" sz="4400" b="1" dirty="0">
+              <a:ln w="19050">
+                <a:solidFill>
+                  <a:srgbClr val="DC4E32"/>
+                </a:solidFill>
+              </a:ln>
+              <a:solidFill>
+                <a:schemeClr val="bg1"/>
+              </a:solidFill>
+              <a:latin typeface="Arial" panose="020B0604020202020204" pitchFamily="34" charset="0"/>
+              <a:cs typeface="Arial" panose="020B0604020202020204" pitchFamily="34" charset="0"/>
+            </a:endParaRPr>
+          </a:p>
+        </p:txBody>
+      </p:sp>
+    </p:spTree>
+    <p:extLst>
+      <p:ext uri="{BB962C8B-B14F-4D97-AF65-F5344CB8AC3E}">
+        <p14:creationId xmlns:p14="http://schemas.microsoft.com/office/powerpoint/2010/main" val="2047293811"/>
+      </p:ext>
+    </p:extLst>
+  </p:cSld>
+  <p:clrMapOvr>
+    <a:masterClrMapping/>
+  </p:clrMapOvr>
+  <p:timing>
+    <p:tnLst>
+      <p:par>
+        <p:cTn id="1" dur="indefinite" restart="never" nodeType="tmRoot"/>
+      </p:par>
+    </p:tnLst>
+  </p:timing>
+</p:sld>
+</file>
+
+<file path=ppt/slides/slide4.xml><?xml version="1.0" encoding="utf-8"?>
+<p:sld xmlns:a="http://schemas.openxmlformats.org/drawingml/2006/main" xmlns:r="http://schemas.openxmlformats.org/officeDocument/2006/relationships" xmlns:p="http://schemas.openxmlformats.org/presentationml/2006/main">
+  <p:cSld>
+    <p:spTree>
+      <p:nvGrpSpPr>
+        <p:cNvPr id="1" name=""/>
+        <p:cNvGrpSpPr/>
+        <p:nvPr/>
+      </p:nvGrpSpPr>
+      <p:grpSpPr>
+        <a:xfrm>
+          <a:off x="0" y="0"/>
+          <a:ext cx="0" cy="0"/>
+          <a:chOff x="0" y="0"/>
+          <a:chExt cx="0" cy="0"/>
+        </a:xfrm>
+      </p:grpSpPr>
+      <p:pic>
+        <p:nvPicPr>
+          <p:cNvPr id="3" name="Image 2"/>
+          <p:cNvPicPr preferRelativeResize="0">
+            <a:picLocks/>
+          </p:cNvPicPr>
+          <p:nvPr/>
+        </p:nvPicPr>
+        <p:blipFill rotWithShape="1">
+          <a:blip r:embed="rId2" cstate="print">
             <a:duotone>
               <a:schemeClr val="accent4">
                 <a:shade val="45000"/>
@@ -3824,10 +4434,17 @@
   <p:clrMapOvr>
     <a:masterClrMapping/>
   </p:clrMapOvr>
+  <p:timing>
+    <p:tnLst>
+      <p:par>
+        <p:cTn id="1" dur="indefinite" restart="never" nodeType="tmRoot"/>
+      </p:par>
+    </p:tnLst>
+  </p:timing>
 </p:sld>
 </file>
 
-<file path=ppt/slides/slide4.xml><?xml version="1.0" encoding="utf-8"?>
+<file path=ppt/slides/slide5.xml><?xml version="1.0" encoding="utf-8"?>
 <p:sld xmlns:a="http://schemas.openxmlformats.org/drawingml/2006/main" xmlns:r="http://schemas.openxmlformats.org/officeDocument/2006/relationships" xmlns:p="http://schemas.openxmlformats.org/presentationml/2006/main">
   <p:cSld>
     <p:spTree>
@@ -4281,6 +4898,21 @@
 </file>
 
 <file path=customXml/item1.xml><?xml version="1.0" encoding="utf-8"?>
+<p:properties xmlns:p="http://schemas.microsoft.com/office/2006/metadata/properties" xmlns:xsi="http://www.w3.org/2001/XMLSchema-instance" xmlns:pc="http://schemas.microsoft.com/office/infopath/2007/PartnerControls">
+  <documentManagement/>
+</p:properties>
+</file>
+
+<file path=customXml/item2.xml><?xml version="1.0" encoding="utf-8"?>
+<?mso-contentType ?>
+<FormTemplates xmlns="http://schemas.microsoft.com/sharepoint/v3/contenttype/forms">
+  <Display>DocumentLibraryForm</Display>
+  <Edit>DocumentLibraryForm</Edit>
+  <New>DocumentLibraryForm</New>
+</FormTemplates>
+</file>
+
+<file path=customXml/item3.xml><?xml version="1.0" encoding="utf-8"?>
 <ct:contentTypeSchema xmlns:ct="http://schemas.microsoft.com/office/2006/metadata/contentType" xmlns:ma="http://schemas.microsoft.com/office/2006/metadata/properties/metaAttributes" ct:_="" ma:_="" ma:contentTypeName="Document" ma:contentTypeID="0x0101005F1C601D9B9C5C4292CFD4002C6BAA3A" ma:contentTypeVersion="13" ma:contentTypeDescription="Crée un document." ma:contentTypeScope="" ma:versionID="4071751016b38eec069b162711240ca2">
   <xsd:schema xmlns:xsd="http://www.w3.org/2001/XMLSchema" xmlns:xs="http://www.w3.org/2001/XMLSchema" xmlns:p="http://schemas.microsoft.com/office/2006/metadata/properties" xmlns:ns3="230486b7-ae46-4a7b-9810-315006c8cb07" xmlns:ns4="c8438557-ce8b-4c4c-b94d-6a2491d2cc6d" targetNamespace="http://schemas.microsoft.com/office/2006/metadata/properties" ma:root="true" ma:fieldsID="f2304df4e5a08fdb6df2dee5f1a2e7c5" ns3:_="" ns4:_="">
     <xsd:import namespace="230486b7-ae46-4a7b-9810-315006c8cb07"/>
@@ -4503,22 +5135,32 @@
 </ct:contentTypeSchema>
 </file>
 
-<file path=customXml/item2.xml><?xml version="1.0" encoding="utf-8"?>
-<?mso-contentType ?>
-<FormTemplates xmlns="http://schemas.microsoft.com/sharepoint/v3/contenttype/forms">
-  <Display>DocumentLibraryForm</Display>
-  <Edit>DocumentLibraryForm</Edit>
-  <New>DocumentLibraryForm</New>
-</FormTemplates>
+<file path=customXml/itemProps1.xml><?xml version="1.0" encoding="utf-8"?>
+<ds:datastoreItem xmlns:ds="http://schemas.openxmlformats.org/officeDocument/2006/customXml" ds:itemID="{ECF70076-0E67-41E2-BB15-93A25F949074}">
+  <ds:schemaRefs>
+    <ds:schemaRef ds:uri="http://purl.org/dc/elements/1.1/"/>
+    <ds:schemaRef ds:uri="http://schemas.microsoft.com/office/2006/documentManagement/types"/>
+    <ds:schemaRef ds:uri="230486b7-ae46-4a7b-9810-315006c8cb07"/>
+    <ds:schemaRef ds:uri="http://www.w3.org/XML/1998/namespace"/>
+    <ds:schemaRef ds:uri="c8438557-ce8b-4c4c-b94d-6a2491d2cc6d"/>
+    <ds:schemaRef ds:uri="http://schemas.microsoft.com/office/infopath/2007/PartnerControls"/>
+    <ds:schemaRef ds:uri="http://schemas.openxmlformats.org/package/2006/metadata/core-properties"/>
+    <ds:schemaRef ds:uri="http://schemas.microsoft.com/office/2006/metadata/properties"/>
+    <ds:schemaRef ds:uri="http://purl.org/dc/dcmitype/"/>
+    <ds:schemaRef ds:uri="http://purl.org/dc/terms/"/>
+  </ds:schemaRefs>
+</ds:datastoreItem>
 </file>
 
-<file path=customXml/item3.xml><?xml version="1.0" encoding="utf-8"?>
-<p:properties xmlns:p="http://schemas.microsoft.com/office/2006/metadata/properties" xmlns:xsi="http://www.w3.org/2001/XMLSchema-instance" xmlns:pc="http://schemas.microsoft.com/office/infopath/2007/PartnerControls">
-  <documentManagement/>
-</p:properties>
+<file path=customXml/itemProps2.xml><?xml version="1.0" encoding="utf-8"?>
+<ds:datastoreItem xmlns:ds="http://schemas.openxmlformats.org/officeDocument/2006/customXml" ds:itemID="{E2A64358-4B54-40CD-94B6-DE48E56868BF}">
+  <ds:schemaRefs>
+    <ds:schemaRef ds:uri="http://schemas.microsoft.com/sharepoint/v3/contenttype/forms"/>
+  </ds:schemaRefs>
+</ds:datastoreItem>
 </file>
 
-<file path=customXml/itemProps1.xml><?xml version="1.0" encoding="utf-8"?>
+<file path=customXml/itemProps3.xml><?xml version="1.0" encoding="utf-8"?>
 <ds:datastoreItem xmlns:ds="http://schemas.openxmlformats.org/officeDocument/2006/customXml" ds:itemID="{BD8E68C6-8C7F-498F-A2C0-9BA7C8EF5D7C}">
   <ds:schemaRefs>
     <ds:schemaRef ds:uri="http://schemas.microsoft.com/office/2006/metadata/contentType"/>
@@ -4535,29 +5177,4 @@
     <ds:schemaRef ds:uri="http://schemas.microsoft.com/internal/obd"/>
   </ds:schemaRefs>
 </ds:datastoreItem>
-</file>
-
-<file path=customXml/itemProps2.xml><?xml version="1.0" encoding="utf-8"?>
-<ds:datastoreItem xmlns:ds="http://schemas.openxmlformats.org/officeDocument/2006/customXml" ds:itemID="{E2A64358-4B54-40CD-94B6-DE48E56868BF}">
-  <ds:schemaRefs>
-    <ds:schemaRef ds:uri="http://schemas.microsoft.com/sharepoint/v3/contenttype/forms"/>
-  </ds:schemaRefs>
-</ds:datastoreItem>
-</file>
-
-<file path=customXml/itemProps3.xml><?xml version="1.0" encoding="utf-8"?>
-<ds:datastoreItem xmlns:ds="http://schemas.openxmlformats.org/officeDocument/2006/customXml" ds:itemID="{ECF70076-0E67-41E2-BB15-93A25F949074}">
-  <ds:schemaRefs>
-    <ds:schemaRef ds:uri="http://schemas.microsoft.com/office/2006/documentManagement/types"/>
-    <ds:schemaRef ds:uri="http://schemas.openxmlformats.org/package/2006/metadata/core-properties"/>
-    <ds:schemaRef ds:uri="c8438557-ce8b-4c4c-b94d-6a2491d2cc6d"/>
-    <ds:schemaRef ds:uri="http://schemas.microsoft.com/office/2006/metadata/properties"/>
-    <ds:schemaRef ds:uri="http://schemas.microsoft.com/office/infopath/2007/PartnerControls"/>
-    <ds:schemaRef ds:uri="230486b7-ae46-4a7b-9810-315006c8cb07"/>
-    <ds:schemaRef ds:uri="http://www.w3.org/XML/1998/namespace"/>
-    <ds:schemaRef ds:uri="http://purl.org/dc/dcmitype/"/>
-    <ds:schemaRef ds:uri="http://purl.org/dc/terms/"/>
-    <ds:schemaRef ds:uri="http://purl.org/dc/elements/1.1/"/>
-  </ds:schemaRefs>
-</ds:datastoreItem>
 </file>
--- a/Modele.pptx
+++ b/Modele.pptx
@@ -4254,7 +4254,7 @@
         </p:nvSpPr>
         <p:spPr>
           <a:xfrm>
-            <a:off x="3928369" y="4007818"/>
+            <a:off x="3766444" y="4112593"/>
             <a:ext cx="5857718" cy="830997"/>
           </a:xfrm>
           <a:prstGeom prst="rect">
@@ -4307,7 +4307,7 @@
         </p:nvSpPr>
         <p:spPr>
           <a:xfrm rot="20543161">
-            <a:off x="9065377" y="4357983"/>
+            <a:off x="8903452" y="4462758"/>
             <a:ext cx="1441420" cy="769441"/>
           </a:xfrm>
           <a:prstGeom prst="rect">
@@ -4898,21 +4898,6 @@
 </file>
 
 <file path=customXml/item1.xml><?xml version="1.0" encoding="utf-8"?>
-<p:properties xmlns:p="http://schemas.microsoft.com/office/2006/metadata/properties" xmlns:xsi="http://www.w3.org/2001/XMLSchema-instance" xmlns:pc="http://schemas.microsoft.com/office/infopath/2007/PartnerControls">
-  <documentManagement/>
-</p:properties>
-</file>
-
-<file path=customXml/item2.xml><?xml version="1.0" encoding="utf-8"?>
-<?mso-contentType ?>
-<FormTemplates xmlns="http://schemas.microsoft.com/sharepoint/v3/contenttype/forms">
-  <Display>DocumentLibraryForm</Display>
-  <Edit>DocumentLibraryForm</Edit>
-  <New>DocumentLibraryForm</New>
-</FormTemplates>
-</file>
-
-<file path=customXml/item3.xml><?xml version="1.0" encoding="utf-8"?>
 <ct:contentTypeSchema xmlns:ct="http://schemas.microsoft.com/office/2006/metadata/contentType" xmlns:ma="http://schemas.microsoft.com/office/2006/metadata/properties/metaAttributes" ct:_="" ma:_="" ma:contentTypeName="Document" ma:contentTypeID="0x0101005F1C601D9B9C5C4292CFD4002C6BAA3A" ma:contentTypeVersion="13" ma:contentTypeDescription="Crée un document." ma:contentTypeScope="" ma:versionID="4071751016b38eec069b162711240ca2">
   <xsd:schema xmlns:xsd="http://www.w3.org/2001/XMLSchema" xmlns:xs="http://www.w3.org/2001/XMLSchema" xmlns:p="http://schemas.microsoft.com/office/2006/metadata/properties" xmlns:ns3="230486b7-ae46-4a7b-9810-315006c8cb07" xmlns:ns4="c8438557-ce8b-4c4c-b94d-6a2491d2cc6d" targetNamespace="http://schemas.microsoft.com/office/2006/metadata/properties" ma:root="true" ma:fieldsID="f2304df4e5a08fdb6df2dee5f1a2e7c5" ns3:_="" ns4:_="">
     <xsd:import namespace="230486b7-ae46-4a7b-9810-315006c8cb07"/>
@@ -5135,32 +5120,22 @@
 </ct:contentTypeSchema>
 </file>
 
-<file path=customXml/itemProps1.xml><?xml version="1.0" encoding="utf-8"?>
-<ds:datastoreItem xmlns:ds="http://schemas.openxmlformats.org/officeDocument/2006/customXml" ds:itemID="{ECF70076-0E67-41E2-BB15-93A25F949074}">
-  <ds:schemaRefs>
-    <ds:schemaRef ds:uri="http://purl.org/dc/elements/1.1/"/>
-    <ds:schemaRef ds:uri="http://schemas.microsoft.com/office/2006/documentManagement/types"/>
-    <ds:schemaRef ds:uri="230486b7-ae46-4a7b-9810-315006c8cb07"/>
-    <ds:schemaRef ds:uri="http://www.w3.org/XML/1998/namespace"/>
-    <ds:schemaRef ds:uri="c8438557-ce8b-4c4c-b94d-6a2491d2cc6d"/>
-    <ds:schemaRef ds:uri="http://schemas.microsoft.com/office/infopath/2007/PartnerControls"/>
-    <ds:schemaRef ds:uri="http://schemas.openxmlformats.org/package/2006/metadata/core-properties"/>
-    <ds:schemaRef ds:uri="http://schemas.microsoft.com/office/2006/metadata/properties"/>
-    <ds:schemaRef ds:uri="http://purl.org/dc/dcmitype/"/>
-    <ds:schemaRef ds:uri="http://purl.org/dc/terms/"/>
-  </ds:schemaRefs>
-</ds:datastoreItem>
+<file path=customXml/item2.xml><?xml version="1.0" encoding="utf-8"?>
+<?mso-contentType ?>
+<FormTemplates xmlns="http://schemas.microsoft.com/sharepoint/v3/contenttype/forms">
+  <Display>DocumentLibraryForm</Display>
+  <Edit>DocumentLibraryForm</Edit>
+  <New>DocumentLibraryForm</New>
+</FormTemplates>
 </file>
 
-<file path=customXml/itemProps2.xml><?xml version="1.0" encoding="utf-8"?>
-<ds:datastoreItem xmlns:ds="http://schemas.openxmlformats.org/officeDocument/2006/customXml" ds:itemID="{E2A64358-4B54-40CD-94B6-DE48E56868BF}">
-  <ds:schemaRefs>
-    <ds:schemaRef ds:uri="http://schemas.microsoft.com/sharepoint/v3/contenttype/forms"/>
-  </ds:schemaRefs>
-</ds:datastoreItem>
+<file path=customXml/item3.xml><?xml version="1.0" encoding="utf-8"?>
+<p:properties xmlns:p="http://schemas.microsoft.com/office/2006/metadata/properties" xmlns:xsi="http://www.w3.org/2001/XMLSchema-instance" xmlns:pc="http://schemas.microsoft.com/office/infopath/2007/PartnerControls">
+  <documentManagement/>
+</p:properties>
 </file>
 
-<file path=customXml/itemProps3.xml><?xml version="1.0" encoding="utf-8"?>
+<file path=customXml/itemProps1.xml><?xml version="1.0" encoding="utf-8"?>
 <ds:datastoreItem xmlns:ds="http://schemas.openxmlformats.org/officeDocument/2006/customXml" ds:itemID="{BD8E68C6-8C7F-498F-A2C0-9BA7C8EF5D7C}">
   <ds:schemaRefs>
     <ds:schemaRef ds:uri="http://schemas.microsoft.com/office/2006/metadata/contentType"/>
@@ -5177,4 +5152,29 @@
     <ds:schemaRef ds:uri="http://schemas.microsoft.com/internal/obd"/>
   </ds:schemaRefs>
 </ds:datastoreItem>
+</file>
+
+<file path=customXml/itemProps2.xml><?xml version="1.0" encoding="utf-8"?>
+<ds:datastoreItem xmlns:ds="http://schemas.openxmlformats.org/officeDocument/2006/customXml" ds:itemID="{E2A64358-4B54-40CD-94B6-DE48E56868BF}">
+  <ds:schemaRefs>
+    <ds:schemaRef ds:uri="http://schemas.microsoft.com/sharepoint/v3/contenttype/forms"/>
+  </ds:schemaRefs>
+</ds:datastoreItem>
+</file>
+
+<file path=customXml/itemProps3.xml><?xml version="1.0" encoding="utf-8"?>
+<ds:datastoreItem xmlns:ds="http://schemas.openxmlformats.org/officeDocument/2006/customXml" ds:itemID="{ECF70076-0E67-41E2-BB15-93A25F949074}">
+  <ds:schemaRefs>
+    <ds:schemaRef ds:uri="http://purl.org/dc/terms/"/>
+    <ds:schemaRef ds:uri="c8438557-ce8b-4c4c-b94d-6a2491d2cc6d"/>
+    <ds:schemaRef ds:uri="http://purl.org/dc/elements/1.1/"/>
+    <ds:schemaRef ds:uri="http://www.w3.org/XML/1998/namespace"/>
+    <ds:schemaRef ds:uri="http://schemas.microsoft.com/office/2006/documentManagement/types"/>
+    <ds:schemaRef ds:uri="http://schemas.microsoft.com/office/infopath/2007/PartnerControls"/>
+    <ds:schemaRef ds:uri="http://schemas.openxmlformats.org/package/2006/metadata/core-properties"/>
+    <ds:schemaRef ds:uri="230486b7-ae46-4a7b-9810-315006c8cb07"/>
+    <ds:schemaRef ds:uri="http://schemas.microsoft.com/office/2006/metadata/properties"/>
+    <ds:schemaRef ds:uri="http://purl.org/dc/dcmitype/"/>
+  </ds:schemaRefs>
+</ds:datastoreItem>
 </file>
--- a/Modele.pptx
+++ b/Modele.pptx
@@ -3858,7 +3858,7 @@
         </p:blipFill>
         <p:spPr>
           <a:xfrm flipH="1">
-            <a:off x="2688283" y="916973"/>
+            <a:off x="2662408" y="916973"/>
             <a:ext cx="4320000" cy="1983664"/>
           </a:xfrm>
           <a:prstGeom prst="rect">
@@ -3874,8 +3874,8 @@
         </p:nvSpPr>
         <p:spPr>
           <a:xfrm>
-            <a:off x="2666999" y="1164655"/>
-            <a:ext cx="7915409" cy="900000"/>
+            <a:off x="2662409" y="1164655"/>
+            <a:ext cx="7920000" cy="900000"/>
           </a:xfrm>
           <a:prstGeom prst="rect">
             <a:avLst/>
@@ -4037,7 +4037,7 @@
         </p:blipFill>
         <p:spPr>
           <a:xfrm>
-            <a:off x="3169578" y="5465953"/>
+            <a:off x="3300080" y="5465953"/>
             <a:ext cx="810812" cy="360000"/>
           </a:xfrm>
           <a:prstGeom prst="rect">
@@ -4067,7 +4067,7 @@
         </p:blipFill>
         <p:spPr>
           <a:xfrm>
-            <a:off x="5559376" y="5460213"/>
+            <a:off x="5591288" y="5460213"/>
             <a:ext cx="424478" cy="360000"/>
           </a:xfrm>
           <a:prstGeom prst="rect">
@@ -4097,7 +4097,7 @@
         </p:blipFill>
         <p:spPr>
           <a:xfrm>
-            <a:off x="4328367" y="5477215"/>
+            <a:off x="4409574" y="5477215"/>
             <a:ext cx="883032" cy="360000"/>
           </a:xfrm>
           <a:prstGeom prst="rect">
@@ -4127,7 +4127,7 @@
         </p:blipFill>
         <p:spPr>
           <a:xfrm>
-            <a:off x="6331831" y="5460213"/>
+            <a:off x="6314448" y="5460213"/>
             <a:ext cx="1730151" cy="360000"/>
           </a:xfrm>
           <a:prstGeom prst="rect">
@@ -4157,7 +4157,7 @@
         </p:blipFill>
         <p:spPr>
           <a:xfrm>
-            <a:off x="8409957" y="5460213"/>
+            <a:off x="8343282" y="5460213"/>
             <a:ext cx="1714286" cy="360000"/>
           </a:xfrm>
           <a:prstGeom prst="rect">
@@ -4238,7 +4238,7 @@
         </p:blipFill>
         <p:spPr>
           <a:xfrm>
-            <a:off x="9670720" y="1128655"/>
+            <a:off x="9267100" y="1128655"/>
             <a:ext cx="911688" cy="936000"/>
           </a:xfrm>
           <a:prstGeom prst="rect">
@@ -4254,7 +4254,7 @@
         </p:nvSpPr>
         <p:spPr>
           <a:xfrm>
-            <a:off x="3766444" y="4112593"/>
+            <a:off x="3623569" y="4112593"/>
             <a:ext cx="5857718" cy="830997"/>
           </a:xfrm>
           <a:prstGeom prst="rect">
@@ -4307,7 +4307,7 @@
         </p:nvSpPr>
         <p:spPr>
           <a:xfrm rot="20543161">
-            <a:off x="8903452" y="4462758"/>
+            <a:off x="8760577" y="4462758"/>
             <a:ext cx="1441420" cy="769441"/>
           </a:xfrm>
           <a:prstGeom prst="rect">

--- a/Modele.pptx
+++ b/Modele.pptx
@@ -4461,168 +4461,467 @@
           <a:chExt cx="0" cy="0"/>
         </a:xfrm>
       </p:grpSpPr>
-      <p:pic>
-        <p:nvPicPr>
-          <p:cNvPr id="5" name="Image 4"/>
-          <p:cNvPicPr>
-            <a:picLocks noChangeAspect="1"/>
-          </p:cNvPicPr>
+      <p:grpSp>
+        <p:nvGrpSpPr>
+          <p:cNvPr id="2" name="Groupe 1"/>
+          <p:cNvGrpSpPr/>
           <p:nvPr/>
-        </p:nvPicPr>
-        <p:blipFill>
-          <a:blip r:embed="rId2" cstate="print">
-            <a:extLst>
-              <a:ext uri="{BEBA8EAE-BF5A-486C-A8C5-ECC9F3942E4B}">
-                <a14:imgProps xmlns:a14="http://schemas.microsoft.com/office/drawing/2010/main">
-                  <a14:imgLayer r:embed="rId3">
-                    <a14:imgEffect>
-                      <a14:saturation sat="400000"/>
-                    </a14:imgEffect>
-                    <a14:imgEffect>
-                      <a14:brightnessContrast bright="-20000" contrast="40000"/>
-                    </a14:imgEffect>
-                  </a14:imgLayer>
-                </a14:imgProps>
-              </a:ext>
-              <a:ext uri="{28A0092B-C50C-407E-A947-70E740481C1C}">
-                <a14:useLocalDpi xmlns:a14="http://schemas.microsoft.com/office/drawing/2010/main" val="0"/>
-              </a:ext>
-            </a:extLst>
-          </a:blip>
-          <a:stretch>
-            <a:fillRect/>
-          </a:stretch>
-        </p:blipFill>
-        <p:spPr>
-          <a:xfrm>
-            <a:off x="2158348" y="878040"/>
-            <a:ext cx="1440000" cy="639360"/>
-          </a:xfrm>
-          <a:prstGeom prst="rect">
-            <a:avLst/>
-          </a:prstGeom>
-        </p:spPr>
-      </p:pic>
-      <p:pic>
-        <p:nvPicPr>
-          <p:cNvPr id="6" name="Image 5"/>
-          <p:cNvPicPr>
-            <a:picLocks noChangeAspect="1"/>
-          </p:cNvPicPr>
+        </p:nvGrpSpPr>
+        <p:grpSpPr>
+          <a:xfrm>
+            <a:off x="2148823" y="878040"/>
+            <a:ext cx="1692000" cy="3532159"/>
+            <a:chOff x="2148823" y="878040"/>
+            <a:chExt cx="1692000" cy="3532159"/>
+          </a:xfrm>
+        </p:grpSpPr>
+        <p:pic>
+          <p:nvPicPr>
+            <p:cNvPr id="5" name="Image 4"/>
+            <p:cNvPicPr>
+              <a:picLocks noChangeAspect="1"/>
+            </p:cNvPicPr>
+            <p:nvPr/>
+          </p:nvPicPr>
+          <p:blipFill>
+            <a:blip r:embed="rId2" cstate="print">
+              <a:extLst>
+                <a:ext uri="{BEBA8EAE-BF5A-486C-A8C5-ECC9F3942E4B}">
+                  <a14:imgProps xmlns:a14="http://schemas.microsoft.com/office/drawing/2010/main">
+                    <a14:imgLayer r:embed="rId3">
+                      <a14:imgEffect>
+                        <a14:saturation sat="400000"/>
+                      </a14:imgEffect>
+                      <a14:imgEffect>
+                        <a14:brightnessContrast bright="-20000" contrast="40000"/>
+                      </a14:imgEffect>
+                    </a14:imgLayer>
+                  </a14:imgProps>
+                </a:ext>
+                <a:ext uri="{28A0092B-C50C-407E-A947-70E740481C1C}">
+                  <a14:useLocalDpi xmlns:a14="http://schemas.microsoft.com/office/drawing/2010/main" val="0"/>
+                </a:ext>
+              </a:extLst>
+            </a:blip>
+            <a:stretch>
+              <a:fillRect/>
+            </a:stretch>
+          </p:blipFill>
+          <p:spPr>
+            <a:xfrm>
+              <a:off x="2158348" y="878040"/>
+              <a:ext cx="1440000" cy="639360"/>
+            </a:xfrm>
+            <a:prstGeom prst="rect">
+              <a:avLst/>
+            </a:prstGeom>
+          </p:spPr>
+        </p:pic>
+        <p:pic>
+          <p:nvPicPr>
+            <p:cNvPr id="6" name="Image 5"/>
+            <p:cNvPicPr>
+              <a:picLocks noChangeAspect="1"/>
+            </p:cNvPicPr>
+            <p:nvPr/>
+          </p:nvPicPr>
+          <p:blipFill>
+            <a:blip r:embed="rId4" cstate="print">
+              <a:extLst>
+                <a:ext uri="{28A0092B-C50C-407E-A947-70E740481C1C}">
+                  <a14:useLocalDpi xmlns:a14="http://schemas.microsoft.com/office/drawing/2010/main" val="0"/>
+                </a:ext>
+              </a:extLst>
+            </a:blip>
+            <a:stretch>
+              <a:fillRect/>
+            </a:stretch>
+          </p:blipFill>
+          <p:spPr>
+            <a:xfrm>
+              <a:off x="2524124" y="2387466"/>
+              <a:ext cx="798821" cy="677481"/>
+            </a:xfrm>
+            <a:prstGeom prst="rect">
+              <a:avLst/>
+            </a:prstGeom>
+          </p:spPr>
+        </p:pic>
+        <p:pic>
+          <p:nvPicPr>
+            <p:cNvPr id="7" name="Image 6"/>
+            <p:cNvPicPr>
+              <a:picLocks noChangeAspect="1"/>
+            </p:cNvPicPr>
+            <p:nvPr/>
+          </p:nvPicPr>
+          <p:blipFill>
+            <a:blip r:embed="rId5" cstate="print">
+              <a:extLst>
+                <a:ext uri="{28A0092B-C50C-407E-A947-70E740481C1C}">
+                  <a14:useLocalDpi xmlns:a14="http://schemas.microsoft.com/office/drawing/2010/main" val="0"/>
+                </a:ext>
+              </a:extLst>
+            </a:blip>
+            <a:stretch>
+              <a:fillRect/>
+            </a:stretch>
+          </p:blipFill>
+          <p:spPr>
+            <a:xfrm>
+              <a:off x="2158348" y="3356784"/>
+              <a:ext cx="1440000" cy="587068"/>
+            </a:xfrm>
+            <a:prstGeom prst="rect">
+              <a:avLst/>
+            </a:prstGeom>
+          </p:spPr>
+        </p:pic>
+        <p:pic>
+          <p:nvPicPr>
+            <p:cNvPr id="8" name="Image 7"/>
+            <p:cNvPicPr>
+              <a:picLocks noChangeAspect="1"/>
+            </p:cNvPicPr>
+            <p:nvPr/>
+          </p:nvPicPr>
+          <p:blipFill>
+            <a:blip r:embed="rId6" cstate="print">
+              <a:extLst>
+                <a:ext uri="{28A0092B-C50C-407E-A947-70E740481C1C}">
+                  <a14:useLocalDpi xmlns:a14="http://schemas.microsoft.com/office/drawing/2010/main" val="0"/>
+                </a:ext>
+              </a:extLst>
+            </a:blip>
+            <a:stretch>
+              <a:fillRect/>
+            </a:stretch>
+          </p:blipFill>
+          <p:spPr>
+            <a:xfrm>
+              <a:off x="2158348" y="4110572"/>
+              <a:ext cx="1440000" cy="299627"/>
+            </a:xfrm>
+            <a:prstGeom prst="rect">
+              <a:avLst/>
+            </a:prstGeom>
+          </p:spPr>
+        </p:pic>
+        <p:pic>
+          <p:nvPicPr>
+            <p:cNvPr id="9" name="Image 8"/>
+            <p:cNvPicPr>
+              <a:picLocks noChangeAspect="1"/>
+            </p:cNvPicPr>
+            <p:nvPr/>
+          </p:nvPicPr>
+          <p:blipFill>
+            <a:blip r:embed="rId7" cstate="print">
+              <a:extLst>
+                <a:ext uri="{28A0092B-C50C-407E-A947-70E740481C1C}">
+                  <a14:useLocalDpi xmlns:a14="http://schemas.microsoft.com/office/drawing/2010/main" val="0"/>
+                </a:ext>
+              </a:extLst>
+            </a:blip>
+            <a:stretch>
+              <a:fillRect/>
+            </a:stretch>
+          </p:blipFill>
+          <p:spPr>
+            <a:xfrm>
+              <a:off x="2148823" y="1791708"/>
+              <a:ext cx="1692000" cy="355320"/>
+            </a:xfrm>
+            <a:prstGeom prst="rect">
+              <a:avLst/>
+            </a:prstGeom>
+          </p:spPr>
+        </p:pic>
+      </p:grpSp>
+      <p:grpSp>
+        <p:nvGrpSpPr>
+          <p:cNvPr id="4" name="Groupe 3"/>
+          <p:cNvGrpSpPr/>
           <p:nvPr/>
-        </p:nvPicPr>
-        <p:blipFill>
-          <a:blip r:embed="rId4" cstate="print">
-            <a:extLst>
-              <a:ext uri="{28A0092B-C50C-407E-A947-70E740481C1C}">
-                <a14:useLocalDpi xmlns:a14="http://schemas.microsoft.com/office/drawing/2010/main" val="0"/>
-              </a:ext>
-            </a:extLst>
-          </a:blip>
-          <a:stretch>
-            <a:fillRect/>
-          </a:stretch>
-        </p:blipFill>
-        <p:spPr>
-          <a:xfrm>
-            <a:off x="2524124" y="2387466"/>
-            <a:ext cx="798821" cy="677481"/>
-          </a:xfrm>
-          <a:prstGeom prst="rect">
-            <a:avLst/>
-          </a:prstGeom>
-        </p:spPr>
-      </p:pic>
-      <p:pic>
-        <p:nvPicPr>
-          <p:cNvPr id="7" name="Image 6"/>
-          <p:cNvPicPr>
-            <a:picLocks noChangeAspect="1"/>
-          </p:cNvPicPr>
-          <p:nvPr/>
-        </p:nvPicPr>
-        <p:blipFill>
-          <a:blip r:embed="rId5" cstate="print">
-            <a:extLst>
-              <a:ext uri="{28A0092B-C50C-407E-A947-70E740481C1C}">
-                <a14:useLocalDpi xmlns:a14="http://schemas.microsoft.com/office/drawing/2010/main" val="0"/>
-              </a:ext>
-            </a:extLst>
-          </a:blip>
-          <a:stretch>
-            <a:fillRect/>
-          </a:stretch>
-        </p:blipFill>
-        <p:spPr>
-          <a:xfrm>
-            <a:off x="2158348" y="3356784"/>
-            <a:ext cx="1440000" cy="587068"/>
-          </a:xfrm>
-          <a:prstGeom prst="rect">
-            <a:avLst/>
-          </a:prstGeom>
-        </p:spPr>
-      </p:pic>
-      <p:pic>
-        <p:nvPicPr>
-          <p:cNvPr id="8" name="Image 7"/>
-          <p:cNvPicPr>
-            <a:picLocks noChangeAspect="1"/>
-          </p:cNvPicPr>
-          <p:nvPr/>
-        </p:nvPicPr>
-        <p:blipFill>
-          <a:blip r:embed="rId6" cstate="print">
-            <a:extLst>
-              <a:ext uri="{28A0092B-C50C-407E-A947-70E740481C1C}">
-                <a14:useLocalDpi xmlns:a14="http://schemas.microsoft.com/office/drawing/2010/main" val="0"/>
-              </a:ext>
-            </a:extLst>
-          </a:blip>
-          <a:stretch>
-            <a:fillRect/>
-          </a:stretch>
-        </p:blipFill>
-        <p:spPr>
-          <a:xfrm>
-            <a:off x="2158348" y="4110572"/>
-            <a:ext cx="1440000" cy="299627"/>
-          </a:xfrm>
-          <a:prstGeom prst="rect">
-            <a:avLst/>
-          </a:prstGeom>
-        </p:spPr>
-      </p:pic>
-      <p:pic>
-        <p:nvPicPr>
-          <p:cNvPr id="9" name="Image 8"/>
-          <p:cNvPicPr>
-            <a:picLocks noChangeAspect="1"/>
-          </p:cNvPicPr>
-          <p:nvPr/>
-        </p:nvPicPr>
-        <p:blipFill>
-          <a:blip r:embed="rId7" cstate="print">
-            <a:extLst>
-              <a:ext uri="{28A0092B-C50C-407E-A947-70E740481C1C}">
-                <a14:useLocalDpi xmlns:a14="http://schemas.microsoft.com/office/drawing/2010/main" val="0"/>
-              </a:ext>
-            </a:extLst>
-          </a:blip>
-          <a:stretch>
-            <a:fillRect/>
-          </a:stretch>
-        </p:blipFill>
-        <p:spPr>
-          <a:xfrm>
-            <a:off x="2148823" y="1791708"/>
-            <a:ext cx="1692000" cy="355320"/>
-          </a:xfrm>
-          <a:prstGeom prst="rect">
-            <a:avLst/>
-          </a:prstGeom>
-        </p:spPr>
-      </p:pic>
+        </p:nvGrpSpPr>
+        <p:grpSpPr>
+          <a:xfrm>
+            <a:off x="5807506" y="1791708"/>
+            <a:ext cx="1983182" cy="2297041"/>
+            <a:chOff x="5807506" y="1791708"/>
+            <a:chExt cx="1983182" cy="2297041"/>
+          </a:xfrm>
+        </p:grpSpPr>
+        <p:grpSp>
+          <p:nvGrpSpPr>
+            <p:cNvPr id="10" name="Groupe 9"/>
+            <p:cNvGrpSpPr/>
+            <p:nvPr/>
+          </p:nvGrpSpPr>
+          <p:grpSpPr>
+            <a:xfrm>
+              <a:off x="6288007" y="1791708"/>
+              <a:ext cx="1100345" cy="2297041"/>
+              <a:chOff x="2148823" y="878040"/>
+              <a:chExt cx="1692000" cy="3532159"/>
+            </a:xfrm>
+          </p:grpSpPr>
+          <p:pic>
+            <p:nvPicPr>
+              <p:cNvPr id="11" name="Image 10"/>
+              <p:cNvPicPr>
+                <a:picLocks noChangeAspect="1"/>
+              </p:cNvPicPr>
+              <p:nvPr/>
+            </p:nvPicPr>
+            <p:blipFill>
+              <a:blip r:embed="rId8" cstate="print">
+                <a:extLst>
+                  <a:ext uri="{BEBA8EAE-BF5A-486C-A8C5-ECC9F3942E4B}">
+                    <a14:imgProps xmlns:a14="http://schemas.microsoft.com/office/drawing/2010/main">
+                      <a14:imgLayer r:embed="rId9">
+                        <a14:imgEffect>
+                          <a14:saturation sat="400000"/>
+                        </a14:imgEffect>
+                        <a14:imgEffect>
+                          <a14:brightnessContrast bright="-20000" contrast="40000"/>
+                        </a14:imgEffect>
+                      </a14:imgLayer>
+                    </a14:imgProps>
+                  </a:ext>
+                  <a:ext uri="{28A0092B-C50C-407E-A947-70E740481C1C}">
+                    <a14:useLocalDpi xmlns:a14="http://schemas.microsoft.com/office/drawing/2010/main" val="0"/>
+                  </a:ext>
+                </a:extLst>
+              </a:blip>
+              <a:stretch>
+                <a:fillRect/>
+              </a:stretch>
+            </p:blipFill>
+            <p:spPr>
+              <a:xfrm>
+                <a:off x="2158348" y="878040"/>
+                <a:ext cx="1440000" cy="639360"/>
+              </a:xfrm>
+              <a:prstGeom prst="rect">
+                <a:avLst/>
+              </a:prstGeom>
+            </p:spPr>
+          </p:pic>
+          <p:pic>
+            <p:nvPicPr>
+              <p:cNvPr id="12" name="Image 11"/>
+              <p:cNvPicPr>
+                <a:picLocks noChangeAspect="1"/>
+              </p:cNvPicPr>
+              <p:nvPr/>
+            </p:nvPicPr>
+            <p:blipFill>
+              <a:blip r:embed="rId4" cstate="print">
+                <a:extLst>
+                  <a:ext uri="{28A0092B-C50C-407E-A947-70E740481C1C}">
+                    <a14:useLocalDpi xmlns:a14="http://schemas.microsoft.com/office/drawing/2010/main" val="0"/>
+                  </a:ext>
+                </a:extLst>
+              </a:blip>
+              <a:stretch>
+                <a:fillRect/>
+              </a:stretch>
+            </p:blipFill>
+            <p:spPr>
+              <a:xfrm>
+                <a:off x="2524124" y="2387466"/>
+                <a:ext cx="798821" cy="677481"/>
+              </a:xfrm>
+              <a:prstGeom prst="rect">
+                <a:avLst/>
+              </a:prstGeom>
+            </p:spPr>
+          </p:pic>
+          <p:pic>
+            <p:nvPicPr>
+              <p:cNvPr id="13" name="Image 12"/>
+              <p:cNvPicPr>
+                <a:picLocks noChangeAspect="1"/>
+              </p:cNvPicPr>
+              <p:nvPr/>
+            </p:nvPicPr>
+            <p:blipFill>
+              <a:blip r:embed="rId5" cstate="print">
+                <a:extLst>
+                  <a:ext uri="{28A0092B-C50C-407E-A947-70E740481C1C}">
+                    <a14:useLocalDpi xmlns:a14="http://schemas.microsoft.com/office/drawing/2010/main" val="0"/>
+                  </a:ext>
+                </a:extLst>
+              </a:blip>
+              <a:stretch>
+                <a:fillRect/>
+              </a:stretch>
+            </p:blipFill>
+            <p:spPr>
+              <a:xfrm>
+                <a:off x="2158348" y="3356784"/>
+                <a:ext cx="1440000" cy="587068"/>
+              </a:xfrm>
+              <a:prstGeom prst="rect">
+                <a:avLst/>
+              </a:prstGeom>
+            </p:spPr>
+          </p:pic>
+          <p:pic>
+            <p:nvPicPr>
+              <p:cNvPr id="14" name="Image 13"/>
+              <p:cNvPicPr>
+                <a:picLocks noChangeAspect="1"/>
+              </p:cNvPicPr>
+              <p:nvPr/>
+            </p:nvPicPr>
+            <p:blipFill>
+              <a:blip r:embed="rId6" cstate="print">
+                <a:extLst>
+                  <a:ext uri="{28A0092B-C50C-407E-A947-70E740481C1C}">
+                    <a14:useLocalDpi xmlns:a14="http://schemas.microsoft.com/office/drawing/2010/main" val="0"/>
+                  </a:ext>
+                </a:extLst>
+              </a:blip>
+              <a:stretch>
+                <a:fillRect/>
+              </a:stretch>
+            </p:blipFill>
+            <p:spPr>
+              <a:xfrm>
+                <a:off x="2158348" y="4110572"/>
+                <a:ext cx="1440000" cy="299627"/>
+              </a:xfrm>
+              <a:prstGeom prst="rect">
+                <a:avLst/>
+              </a:prstGeom>
+            </p:spPr>
+          </p:pic>
+          <p:pic>
+            <p:nvPicPr>
+              <p:cNvPr id="15" name="Image 14"/>
+              <p:cNvPicPr>
+                <a:picLocks noChangeAspect="1"/>
+              </p:cNvPicPr>
+              <p:nvPr/>
+            </p:nvPicPr>
+            <p:blipFill>
+              <a:blip r:embed="rId10" cstate="print">
+                <a:extLst>
+                  <a:ext uri="{28A0092B-C50C-407E-A947-70E740481C1C}">
+                    <a14:useLocalDpi xmlns:a14="http://schemas.microsoft.com/office/drawing/2010/main" val="0"/>
+                  </a:ext>
+                </a:extLst>
+              </a:blip>
+              <a:stretch>
+                <a:fillRect/>
+              </a:stretch>
+            </p:blipFill>
+            <p:spPr>
+              <a:xfrm>
+                <a:off x="2148823" y="1791708"/>
+                <a:ext cx="1692000" cy="355320"/>
+              </a:xfrm>
+              <a:prstGeom prst="rect">
+                <a:avLst/>
+              </a:prstGeom>
+            </p:spPr>
+          </p:pic>
+        </p:grpSp>
+        <p:sp>
+          <p:nvSpPr>
+            <p:cNvPr id="3" name="Rectangle 2"/>
+            <p:cNvSpPr/>
+            <p:nvPr/>
+          </p:nvSpPr>
+          <p:spPr>
+            <a:xfrm>
+              <a:off x="7534656" y="2207498"/>
+              <a:ext cx="256032" cy="1387083"/>
+            </a:xfrm>
+            <a:prstGeom prst="rect">
+              <a:avLst/>
+            </a:prstGeom>
+            <a:solidFill>
+              <a:schemeClr val="bg1"/>
+            </a:solidFill>
+            <a:ln>
+              <a:noFill/>
+            </a:ln>
+          </p:spPr>
+          <p:style>
+            <a:lnRef idx="2">
+              <a:schemeClr val="accent1">
+                <a:shade val="50000"/>
+              </a:schemeClr>
+            </a:lnRef>
+            <a:fillRef idx="1">
+              <a:schemeClr val="accent1"/>
+            </a:fillRef>
+            <a:effectRef idx="0">
+              <a:schemeClr val="accent1"/>
+            </a:effectRef>
+            <a:fontRef idx="minor">
+              <a:schemeClr val="lt1"/>
+            </a:fontRef>
+          </p:style>
+          <p:txBody>
+            <a:bodyPr rtlCol="0" anchor="ctr"/>
+            <a:lstStyle/>
+            <a:p>
+              <a:pPr algn="ctr"/>
+              <a:endParaRPr lang="fr-FR"/>
+            </a:p>
+          </p:txBody>
+        </p:sp>
+        <p:sp>
+          <p:nvSpPr>
+            <p:cNvPr id="16" name="Rectangle 15"/>
+            <p:cNvSpPr/>
+            <p:nvPr/>
+          </p:nvSpPr>
+          <p:spPr>
+            <a:xfrm>
+              <a:off x="5807506" y="2300069"/>
+              <a:ext cx="256032" cy="1387083"/>
+            </a:xfrm>
+            <a:prstGeom prst="rect">
+              <a:avLst/>
+            </a:prstGeom>
+            <a:solidFill>
+              <a:schemeClr val="bg1"/>
+            </a:solidFill>
+            <a:ln>
+              <a:noFill/>
+            </a:ln>
+          </p:spPr>
+          <p:style>
+            <a:lnRef idx="2">
+              <a:schemeClr val="accent1">
+                <a:shade val="50000"/>
+              </a:schemeClr>
+            </a:lnRef>
+            <a:fillRef idx="1">
+              <a:schemeClr val="accent1"/>
+            </a:fillRef>
+            <a:effectRef idx="0">
+              <a:schemeClr val="accent1"/>
+            </a:effectRef>
+            <a:fontRef idx="minor">
+              <a:schemeClr val="lt1"/>
+            </a:fontRef>
+          </p:style>
+          <p:txBody>
+            <a:bodyPr rtlCol="0" anchor="ctr"/>
+            <a:lstStyle/>
+            <a:p>
+              <a:pPr algn="ctr"/>
+              <a:endParaRPr lang="fr-FR"/>
+            </a:p>
+          </p:txBody>
+        </p:sp>
+      </p:grpSp>
     </p:spTree>
     <p:extLst>
       <p:ext uri="{BB962C8B-B14F-4D97-AF65-F5344CB8AC3E}">
@@ -4898,6 +5197,21 @@
 </file>
 
 <file path=customXml/item1.xml><?xml version="1.0" encoding="utf-8"?>
+<p:properties xmlns:p="http://schemas.microsoft.com/office/2006/metadata/properties" xmlns:xsi="http://www.w3.org/2001/XMLSchema-instance" xmlns:pc="http://schemas.microsoft.com/office/infopath/2007/PartnerControls">
+  <documentManagement/>
+</p:properties>
+</file>
+
+<file path=customXml/item2.xml><?xml version="1.0" encoding="utf-8"?>
+<?mso-contentType ?>
+<FormTemplates xmlns="http://schemas.microsoft.com/sharepoint/v3/contenttype/forms">
+  <Display>DocumentLibraryForm</Display>
+  <Edit>DocumentLibraryForm</Edit>
+  <New>DocumentLibraryForm</New>
+</FormTemplates>
+</file>
+
+<file path=customXml/item3.xml><?xml version="1.0" encoding="utf-8"?>
 <ct:contentTypeSchema xmlns:ct="http://schemas.microsoft.com/office/2006/metadata/contentType" xmlns:ma="http://schemas.microsoft.com/office/2006/metadata/properties/metaAttributes" ct:_="" ma:_="" ma:contentTypeName="Document" ma:contentTypeID="0x0101005F1C601D9B9C5C4292CFD4002C6BAA3A" ma:contentTypeVersion="13" ma:contentTypeDescription="Crée un document." ma:contentTypeScope="" ma:versionID="4071751016b38eec069b162711240ca2">
   <xsd:schema xmlns:xsd="http://www.w3.org/2001/XMLSchema" xmlns:xs="http://www.w3.org/2001/XMLSchema" xmlns:p="http://schemas.microsoft.com/office/2006/metadata/properties" xmlns:ns3="230486b7-ae46-4a7b-9810-315006c8cb07" xmlns:ns4="c8438557-ce8b-4c4c-b94d-6a2491d2cc6d" targetNamespace="http://schemas.microsoft.com/office/2006/metadata/properties" ma:root="true" ma:fieldsID="f2304df4e5a08fdb6df2dee5f1a2e7c5" ns3:_="" ns4:_="">
     <xsd:import namespace="230486b7-ae46-4a7b-9810-315006c8cb07"/>
@@ -5120,22 +5434,32 @@
 </ct:contentTypeSchema>
 </file>
 
-<file path=customXml/item2.xml><?xml version="1.0" encoding="utf-8"?>
-<?mso-contentType ?>
-<FormTemplates xmlns="http://schemas.microsoft.com/sharepoint/v3/contenttype/forms">
-  <Display>DocumentLibraryForm</Display>
-  <Edit>DocumentLibraryForm</Edit>
-  <New>DocumentLibraryForm</New>
-</FormTemplates>
+<file path=customXml/itemProps1.xml><?xml version="1.0" encoding="utf-8"?>
+<ds:datastoreItem xmlns:ds="http://schemas.openxmlformats.org/officeDocument/2006/customXml" ds:itemID="{ECF70076-0E67-41E2-BB15-93A25F949074}">
+  <ds:schemaRefs>
+    <ds:schemaRef ds:uri="http://schemas.microsoft.com/office/2006/documentManagement/types"/>
+    <ds:schemaRef ds:uri="230486b7-ae46-4a7b-9810-315006c8cb07"/>
+    <ds:schemaRef ds:uri="http://schemas.microsoft.com/office/2006/metadata/properties"/>
+    <ds:schemaRef ds:uri="http://purl.org/dc/dcmitype/"/>
+    <ds:schemaRef ds:uri="http://purl.org/dc/elements/1.1/"/>
+    <ds:schemaRef ds:uri="c8438557-ce8b-4c4c-b94d-6a2491d2cc6d"/>
+    <ds:schemaRef ds:uri="http://schemas.microsoft.com/office/infopath/2007/PartnerControls"/>
+    <ds:schemaRef ds:uri="http://schemas.openxmlformats.org/package/2006/metadata/core-properties"/>
+    <ds:schemaRef ds:uri="http://www.w3.org/XML/1998/namespace"/>
+    <ds:schemaRef ds:uri="http://purl.org/dc/terms/"/>
+  </ds:schemaRefs>
+</ds:datastoreItem>
 </file>
 
-<file path=customXml/item3.xml><?xml version="1.0" encoding="utf-8"?>
-<p:properties xmlns:p="http://schemas.microsoft.com/office/2006/metadata/properties" xmlns:xsi="http://www.w3.org/2001/XMLSchema-instance" xmlns:pc="http://schemas.microsoft.com/office/infopath/2007/PartnerControls">
-  <documentManagement/>
-</p:properties>
+<file path=customXml/itemProps2.xml><?xml version="1.0" encoding="utf-8"?>
+<ds:datastoreItem xmlns:ds="http://schemas.openxmlformats.org/officeDocument/2006/customXml" ds:itemID="{E2A64358-4B54-40CD-94B6-DE48E56868BF}">
+  <ds:schemaRefs>
+    <ds:schemaRef ds:uri="http://schemas.microsoft.com/sharepoint/v3/contenttype/forms"/>
+  </ds:schemaRefs>
+</ds:datastoreItem>
 </file>
 
-<file path=customXml/itemProps1.xml><?xml version="1.0" encoding="utf-8"?>
+<file path=customXml/itemProps3.xml><?xml version="1.0" encoding="utf-8"?>
 <ds:datastoreItem xmlns:ds="http://schemas.openxmlformats.org/officeDocument/2006/customXml" ds:itemID="{BD8E68C6-8C7F-498F-A2C0-9BA7C8EF5D7C}">
   <ds:schemaRefs>
     <ds:schemaRef ds:uri="http://schemas.microsoft.com/office/2006/metadata/contentType"/>
@@ -5152,29 +5476,4 @@
     <ds:schemaRef ds:uri="http://schemas.microsoft.com/internal/obd"/>
   </ds:schemaRefs>
 </ds:datastoreItem>
-</file>
-
-<file path=customXml/itemProps2.xml><?xml version="1.0" encoding="utf-8"?>
-<ds:datastoreItem xmlns:ds="http://schemas.openxmlformats.org/officeDocument/2006/customXml" ds:itemID="{E2A64358-4B54-40CD-94B6-DE48E56868BF}">
-  <ds:schemaRefs>
-    <ds:schemaRef ds:uri="http://schemas.microsoft.com/sharepoint/v3/contenttype/forms"/>
-  </ds:schemaRefs>
-</ds:datastoreItem>
-</file>
-
-<file path=customXml/itemProps3.xml><?xml version="1.0" encoding="utf-8"?>
-<ds:datastoreItem xmlns:ds="http://schemas.openxmlformats.org/officeDocument/2006/customXml" ds:itemID="{ECF70076-0E67-41E2-BB15-93A25F949074}">
-  <ds:schemaRefs>
-    <ds:schemaRef ds:uri="http://purl.org/dc/terms/"/>
-    <ds:schemaRef ds:uri="c8438557-ce8b-4c4c-b94d-6a2491d2cc6d"/>
-    <ds:schemaRef ds:uri="http://purl.org/dc/elements/1.1/"/>
-    <ds:schemaRef ds:uri="http://www.w3.org/XML/1998/namespace"/>
-    <ds:schemaRef ds:uri="http://schemas.microsoft.com/office/2006/documentManagement/types"/>
-    <ds:schemaRef ds:uri="http://schemas.microsoft.com/office/infopath/2007/PartnerControls"/>
-    <ds:schemaRef ds:uri="http://schemas.openxmlformats.org/package/2006/metadata/core-properties"/>
-    <ds:schemaRef ds:uri="230486b7-ae46-4a7b-9810-315006c8cb07"/>
-    <ds:schemaRef ds:uri="http://schemas.microsoft.com/office/2006/metadata/properties"/>
-    <ds:schemaRef ds:uri="http://purl.org/dc/dcmitype/"/>
-  </ds:schemaRefs>
-</ds:datastoreItem>
 </file>
--- a/Modele.pptx
+++ b/Modele.pptx
@@ -4646,10 +4646,10 @@
         </p:nvGrpSpPr>
         <p:grpSpPr>
           <a:xfrm>
-            <a:off x="5807506" y="1791708"/>
-            <a:ext cx="1983182" cy="2297041"/>
-            <a:chOff x="5807506" y="1791708"/>
-            <a:chExt cx="1983182" cy="2297041"/>
+            <a:off x="5917234" y="1177320"/>
+            <a:ext cx="2056334" cy="4491601"/>
+            <a:chOff x="5734354" y="1791708"/>
+            <a:chExt cx="2056334" cy="4491601"/>
           </a:xfrm>
         </p:grpSpPr>
         <p:grpSp>
@@ -4660,10 +4660,10 @@
           </p:nvGrpSpPr>
           <p:grpSpPr>
             <a:xfrm>
-              <a:off x="6288007" y="1791708"/>
-              <a:ext cx="1100345" cy="2297041"/>
-              <a:chOff x="2148823" y="878040"/>
-              <a:chExt cx="1692000" cy="3532159"/>
+              <a:off x="6055572" y="1791708"/>
+              <a:ext cx="1565213" cy="4491601"/>
+              <a:chOff x="1791408" y="878040"/>
+              <a:chExt cx="2406827" cy="6906733"/>
             </a:xfrm>
           </p:grpSpPr>
           <p:pic>
@@ -4700,7 +4700,7 @@
             </p:blipFill>
             <p:spPr>
               <a:xfrm>
-                <a:off x="2158348" y="878040"/>
+                <a:off x="2274821" y="878040"/>
                 <a:ext cx="1440000" cy="639360"/>
               </a:xfrm>
               <a:prstGeom prst="rect">
@@ -4730,7 +4730,7 @@
             </p:blipFill>
             <p:spPr>
               <a:xfrm>
-                <a:off x="2524124" y="2387466"/>
+                <a:off x="2595411" y="4121716"/>
                 <a:ext cx="798821" cy="677481"/>
               </a:xfrm>
               <a:prstGeom prst="rect">
@@ -4760,7 +4760,7 @@
             </p:blipFill>
             <p:spPr>
               <a:xfrm>
-                <a:off x="2158348" y="3356784"/>
+                <a:off x="2274821" y="5848639"/>
                 <a:ext cx="1440000" cy="587068"/>
               </a:xfrm>
               <a:prstGeom prst="rect">
@@ -4790,7 +4790,7 @@
             </p:blipFill>
             <p:spPr>
               <a:xfrm>
-                <a:off x="2158348" y="4110572"/>
+                <a:off x="2274821" y="7485146"/>
                 <a:ext cx="1440000" cy="299627"/>
               </a:xfrm>
               <a:prstGeom prst="rect">
@@ -4820,8 +4820,8 @@
             </p:blipFill>
             <p:spPr>
               <a:xfrm>
-                <a:off x="2148823" y="1791708"/>
-                <a:ext cx="1692000" cy="355320"/>
+                <a:off x="1791408" y="2566842"/>
+                <a:ext cx="2406827" cy="505433"/>
               </a:xfrm>
               <a:prstGeom prst="rect">
                 <a:avLst/>
@@ -4843,9 +4843,7 @@
             <a:prstGeom prst="rect">
               <a:avLst/>
             </a:prstGeom>
-            <a:solidFill>
-              <a:schemeClr val="bg1"/>
-            </a:solidFill>
+            <a:noFill/>
             <a:ln>
               <a:noFill/>
             </a:ln>
@@ -4883,15 +4881,13 @@
           </p:nvSpPr>
           <p:spPr>
             <a:xfrm>
-              <a:off x="5807506" y="2300069"/>
+              <a:off x="5734354" y="2300069"/>
               <a:ext cx="256032" cy="1387083"/>
             </a:xfrm>
             <a:prstGeom prst="rect">
               <a:avLst/>
             </a:prstGeom>
-            <a:solidFill>
-              <a:schemeClr val="bg1"/>
-            </a:solidFill>
+            <a:noFill/>
             <a:ln>
               <a:noFill/>
             </a:ln>

--- a/Modele.pptx
+++ b/Modele.pptx
@@ -247,7 +247,7 @@
           <a:p>
             <a:fld id="{CC6D09B4-5341-4C7A-BACE-050C44A4B9D3}" type="datetimeFigureOut">
               <a:rPr lang="fr-FR" smtClean="0"/>
-              <a:t>24/10/2022</a:t>
+              <a:t>25/10/2022</a:t>
             </a:fld>
             <a:endParaRPr lang="fr-FR"/>
           </a:p>
@@ -417,7 +417,7 @@
           <a:p>
             <a:fld id="{CC6D09B4-5341-4C7A-BACE-050C44A4B9D3}" type="datetimeFigureOut">
               <a:rPr lang="fr-FR" smtClean="0"/>
-              <a:t>24/10/2022</a:t>
+              <a:t>25/10/2022</a:t>
             </a:fld>
             <a:endParaRPr lang="fr-FR"/>
           </a:p>
@@ -597,7 +597,7 @@
           <a:p>
             <a:fld id="{CC6D09B4-5341-4C7A-BACE-050C44A4B9D3}" type="datetimeFigureOut">
               <a:rPr lang="fr-FR" smtClean="0"/>
-              <a:t>24/10/2022</a:t>
+              <a:t>25/10/2022</a:t>
             </a:fld>
             <a:endParaRPr lang="fr-FR"/>
           </a:p>
@@ -767,7 +767,7 @@
           <a:p>
             <a:fld id="{CC6D09B4-5341-4C7A-BACE-050C44A4B9D3}" type="datetimeFigureOut">
               <a:rPr lang="fr-FR" smtClean="0"/>
-              <a:t>24/10/2022</a:t>
+              <a:t>25/10/2022</a:t>
             </a:fld>
             <a:endParaRPr lang="fr-FR"/>
           </a:p>
@@ -1013,7 +1013,7 @@
           <a:p>
             <a:fld id="{CC6D09B4-5341-4C7A-BACE-050C44A4B9D3}" type="datetimeFigureOut">
               <a:rPr lang="fr-FR" smtClean="0"/>
-              <a:t>24/10/2022</a:t>
+              <a:t>25/10/2022</a:t>
             </a:fld>
             <a:endParaRPr lang="fr-FR"/>
           </a:p>
@@ -1245,7 +1245,7 @@
           <a:p>
             <a:fld id="{CC6D09B4-5341-4C7A-BACE-050C44A4B9D3}" type="datetimeFigureOut">
               <a:rPr lang="fr-FR" smtClean="0"/>
-              <a:t>24/10/2022</a:t>
+              <a:t>25/10/2022</a:t>
             </a:fld>
             <a:endParaRPr lang="fr-FR"/>
           </a:p>
@@ -1612,7 +1612,7 @@
           <a:p>
             <a:fld id="{CC6D09B4-5341-4C7A-BACE-050C44A4B9D3}" type="datetimeFigureOut">
               <a:rPr lang="fr-FR" smtClean="0"/>
-              <a:t>24/10/2022</a:t>
+              <a:t>25/10/2022</a:t>
             </a:fld>
             <a:endParaRPr lang="fr-FR"/>
           </a:p>
@@ -1730,7 +1730,7 @@
           <a:p>
             <a:fld id="{CC6D09B4-5341-4C7A-BACE-050C44A4B9D3}" type="datetimeFigureOut">
               <a:rPr lang="fr-FR" smtClean="0"/>
-              <a:t>24/10/2022</a:t>
+              <a:t>25/10/2022</a:t>
             </a:fld>
             <a:endParaRPr lang="fr-FR"/>
           </a:p>
@@ -1825,7 +1825,7 @@
           <a:p>
             <a:fld id="{CC6D09B4-5341-4C7A-BACE-050C44A4B9D3}" type="datetimeFigureOut">
               <a:rPr lang="fr-FR" smtClean="0"/>
-              <a:t>24/10/2022</a:t>
+              <a:t>25/10/2022</a:t>
             </a:fld>
             <a:endParaRPr lang="fr-FR"/>
           </a:p>
@@ -2102,7 +2102,7 @@
           <a:p>
             <a:fld id="{CC6D09B4-5341-4C7A-BACE-050C44A4B9D3}" type="datetimeFigureOut">
               <a:rPr lang="fr-FR" smtClean="0"/>
-              <a:t>24/10/2022</a:t>
+              <a:t>25/10/2022</a:t>
             </a:fld>
             <a:endParaRPr lang="fr-FR"/>
           </a:p>
@@ -2355,7 +2355,7 @@
           <a:p>
             <a:fld id="{CC6D09B4-5341-4C7A-BACE-050C44A4B9D3}" type="datetimeFigureOut">
               <a:rPr lang="fr-FR" smtClean="0"/>
-              <a:t>24/10/2022</a:t>
+              <a:t>25/10/2022</a:t>
             </a:fld>
             <a:endParaRPr lang="fr-FR"/>
           </a:p>
@@ -2568,7 +2568,7 @@
           <a:p>
             <a:fld id="{CC6D09B4-5341-4C7A-BACE-050C44A4B9D3}" type="datetimeFigureOut">
               <a:rPr lang="fr-FR" smtClean="0"/>
-              <a:t>24/10/2022</a:t>
+              <a:t>25/10/2022</a:t>
             </a:fld>
             <a:endParaRPr lang="fr-FR"/>
           </a:p>
@@ -4287,7 +4287,7 @@
                 <a:latin typeface="Arial" panose="020B0604020202020204" pitchFamily="34" charset="0"/>
                 <a:cs typeface="Arial" panose="020B0604020202020204" pitchFamily="34" charset="0"/>
               </a:rPr>
-              <a:t>PiEdTHONe</a:t>
+              <a:t>Piedthone</a:t>
             </a:r>
             <a:endParaRPr lang="fr-FR" sz="4800" b="1" dirty="0" smtClean="0">
               <a:solidFill>
@@ -4647,9 +4647,9 @@
         <p:grpSpPr>
           <a:xfrm>
             <a:off x="5917234" y="1177320"/>
-            <a:ext cx="2056334" cy="4491601"/>
+            <a:ext cx="2056334" cy="4548747"/>
             <a:chOff x="5734354" y="1791708"/>
-            <a:chExt cx="2056334" cy="4491601"/>
+            <a:chExt cx="2056334" cy="4548747"/>
           </a:xfrm>
         </p:grpSpPr>
         <p:grpSp>
@@ -4661,9 +4661,9 @@
           <p:grpSpPr>
             <a:xfrm>
               <a:off x="6055572" y="1791708"/>
-              <a:ext cx="1565213" cy="4491601"/>
+              <a:ext cx="1565213" cy="4548747"/>
               <a:chOff x="1791408" y="878040"/>
-              <a:chExt cx="2406827" cy="6906733"/>
+              <a:chExt cx="2406827" cy="6994606"/>
             </a:xfrm>
           </p:grpSpPr>
           <p:pic>
@@ -4790,8 +4790,8 @@
             </p:blipFill>
             <p:spPr>
               <a:xfrm>
-                <a:off x="2274821" y="7485146"/>
-                <a:ext cx="1440000" cy="299627"/>
+                <a:off x="2063662" y="7485146"/>
+                <a:ext cx="1862317" cy="387500"/>
               </a:xfrm>
               <a:prstGeom prst="rect">
                 <a:avLst/>
@@ -5193,21 +5193,6 @@
 </file>
 
 <file path=customXml/item1.xml><?xml version="1.0" encoding="utf-8"?>
-<p:properties xmlns:p="http://schemas.microsoft.com/office/2006/metadata/properties" xmlns:xsi="http://www.w3.org/2001/XMLSchema-instance" xmlns:pc="http://schemas.microsoft.com/office/infopath/2007/PartnerControls">
-  <documentManagement/>
-</p:properties>
-</file>
-
-<file path=customXml/item2.xml><?xml version="1.0" encoding="utf-8"?>
-<?mso-contentType ?>
-<FormTemplates xmlns="http://schemas.microsoft.com/sharepoint/v3/contenttype/forms">
-  <Display>DocumentLibraryForm</Display>
-  <Edit>DocumentLibraryForm</Edit>
-  <New>DocumentLibraryForm</New>
-</FormTemplates>
-</file>
-
-<file path=customXml/item3.xml><?xml version="1.0" encoding="utf-8"?>
 <ct:contentTypeSchema xmlns:ct="http://schemas.microsoft.com/office/2006/metadata/contentType" xmlns:ma="http://schemas.microsoft.com/office/2006/metadata/properties/metaAttributes" ct:_="" ma:_="" ma:contentTypeName="Document" ma:contentTypeID="0x0101005F1C601D9B9C5C4292CFD4002C6BAA3A" ma:contentTypeVersion="13" ma:contentTypeDescription="Crée un document." ma:contentTypeScope="" ma:versionID="4071751016b38eec069b162711240ca2">
   <xsd:schema xmlns:xsd="http://www.w3.org/2001/XMLSchema" xmlns:xs="http://www.w3.org/2001/XMLSchema" xmlns:p="http://schemas.microsoft.com/office/2006/metadata/properties" xmlns:ns3="230486b7-ae46-4a7b-9810-315006c8cb07" xmlns:ns4="c8438557-ce8b-4c4c-b94d-6a2491d2cc6d" targetNamespace="http://schemas.microsoft.com/office/2006/metadata/properties" ma:root="true" ma:fieldsID="f2304df4e5a08fdb6df2dee5f1a2e7c5" ns3:_="" ns4:_="">
     <xsd:import namespace="230486b7-ae46-4a7b-9810-315006c8cb07"/>
@@ -5430,32 +5415,22 @@
 </ct:contentTypeSchema>
 </file>
 
-<file path=customXml/itemProps1.xml><?xml version="1.0" encoding="utf-8"?>
-<ds:datastoreItem xmlns:ds="http://schemas.openxmlformats.org/officeDocument/2006/customXml" ds:itemID="{ECF70076-0E67-41E2-BB15-93A25F949074}">
-  <ds:schemaRefs>
-    <ds:schemaRef ds:uri="http://schemas.microsoft.com/office/2006/documentManagement/types"/>
-    <ds:schemaRef ds:uri="230486b7-ae46-4a7b-9810-315006c8cb07"/>
-    <ds:schemaRef ds:uri="http://schemas.microsoft.com/office/2006/metadata/properties"/>
-    <ds:schemaRef ds:uri="http://purl.org/dc/dcmitype/"/>
-    <ds:schemaRef ds:uri="http://purl.org/dc/elements/1.1/"/>
-    <ds:schemaRef ds:uri="c8438557-ce8b-4c4c-b94d-6a2491d2cc6d"/>
-    <ds:schemaRef ds:uri="http://schemas.microsoft.com/office/infopath/2007/PartnerControls"/>
-    <ds:schemaRef ds:uri="http://schemas.openxmlformats.org/package/2006/metadata/core-properties"/>
-    <ds:schemaRef ds:uri="http://www.w3.org/XML/1998/namespace"/>
-    <ds:schemaRef ds:uri="http://purl.org/dc/terms/"/>
-  </ds:schemaRefs>
-</ds:datastoreItem>
+<file path=customXml/item2.xml><?xml version="1.0" encoding="utf-8"?>
+<?mso-contentType ?>
+<FormTemplates xmlns="http://schemas.microsoft.com/sharepoint/v3/contenttype/forms">
+  <Display>DocumentLibraryForm</Display>
+  <Edit>DocumentLibraryForm</Edit>
+  <New>DocumentLibraryForm</New>
+</FormTemplates>
 </file>
 
-<file path=customXml/itemProps2.xml><?xml version="1.0" encoding="utf-8"?>
-<ds:datastoreItem xmlns:ds="http://schemas.openxmlformats.org/officeDocument/2006/customXml" ds:itemID="{E2A64358-4B54-40CD-94B6-DE48E56868BF}">
-  <ds:schemaRefs>
-    <ds:schemaRef ds:uri="http://schemas.microsoft.com/sharepoint/v3/contenttype/forms"/>
-  </ds:schemaRefs>
-</ds:datastoreItem>
+<file path=customXml/item3.xml><?xml version="1.0" encoding="utf-8"?>
+<p:properties xmlns:p="http://schemas.microsoft.com/office/2006/metadata/properties" xmlns:xsi="http://www.w3.org/2001/XMLSchema-instance" xmlns:pc="http://schemas.microsoft.com/office/infopath/2007/PartnerControls">
+  <documentManagement/>
+</p:properties>
 </file>
 
-<file path=customXml/itemProps3.xml><?xml version="1.0" encoding="utf-8"?>
+<file path=customXml/itemProps1.xml><?xml version="1.0" encoding="utf-8"?>
 <ds:datastoreItem xmlns:ds="http://schemas.openxmlformats.org/officeDocument/2006/customXml" ds:itemID="{BD8E68C6-8C7F-498F-A2C0-9BA7C8EF5D7C}">
   <ds:schemaRefs>
     <ds:schemaRef ds:uri="http://schemas.microsoft.com/office/2006/metadata/contentType"/>
@@ -5472,4 +5447,29 @@
     <ds:schemaRef ds:uri="http://schemas.microsoft.com/internal/obd"/>
   </ds:schemaRefs>
 </ds:datastoreItem>
+</file>
+
+<file path=customXml/itemProps2.xml><?xml version="1.0" encoding="utf-8"?>
+<ds:datastoreItem xmlns:ds="http://schemas.openxmlformats.org/officeDocument/2006/customXml" ds:itemID="{E2A64358-4B54-40CD-94B6-DE48E56868BF}">
+  <ds:schemaRefs>
+    <ds:schemaRef ds:uri="http://schemas.microsoft.com/sharepoint/v3/contenttype/forms"/>
+  </ds:schemaRefs>
+</ds:datastoreItem>
+</file>
+
+<file path=customXml/itemProps3.xml><?xml version="1.0" encoding="utf-8"?>
+<ds:datastoreItem xmlns:ds="http://schemas.openxmlformats.org/officeDocument/2006/customXml" ds:itemID="{ECF70076-0E67-41E2-BB15-93A25F949074}">
+  <ds:schemaRefs>
+    <ds:schemaRef ds:uri="http://schemas.microsoft.com/office/2006/documentManagement/types"/>
+    <ds:schemaRef ds:uri="http://www.w3.org/XML/1998/namespace"/>
+    <ds:schemaRef ds:uri="http://schemas.microsoft.com/office/infopath/2007/PartnerControls"/>
+    <ds:schemaRef ds:uri="http://purl.org/dc/dcmitype/"/>
+    <ds:schemaRef ds:uri="230486b7-ae46-4a7b-9810-315006c8cb07"/>
+    <ds:schemaRef ds:uri="c8438557-ce8b-4c4c-b94d-6a2491d2cc6d"/>
+    <ds:schemaRef ds:uri="http://schemas.openxmlformats.org/package/2006/metadata/core-properties"/>
+    <ds:schemaRef ds:uri="http://schemas.microsoft.com/office/2006/metadata/properties"/>
+    <ds:schemaRef ds:uri="http://purl.org/dc/terms/"/>
+    <ds:schemaRef ds:uri="http://purl.org/dc/elements/1.1/"/>
+  </ds:schemaRefs>
+</ds:datastoreItem>
 </file>
--- a/Modele.pptx
+++ b/Modele.pptx
@@ -247,7 +247,7 @@
           <a:p>
             <a:fld id="{CC6D09B4-5341-4C7A-BACE-050C44A4B9D3}" type="datetimeFigureOut">
               <a:rPr lang="fr-FR" smtClean="0"/>
-              <a:t>25/10/2022</a:t>
+              <a:t>27/10/2022</a:t>
             </a:fld>
             <a:endParaRPr lang="fr-FR"/>
           </a:p>
@@ -417,7 +417,7 @@
           <a:p>
             <a:fld id="{CC6D09B4-5341-4C7A-BACE-050C44A4B9D3}" type="datetimeFigureOut">
               <a:rPr lang="fr-FR" smtClean="0"/>
-              <a:t>25/10/2022</a:t>
+              <a:t>27/10/2022</a:t>
             </a:fld>
             <a:endParaRPr lang="fr-FR"/>
           </a:p>
@@ -597,7 +597,7 @@
           <a:p>
             <a:fld id="{CC6D09B4-5341-4C7A-BACE-050C44A4B9D3}" type="datetimeFigureOut">
               <a:rPr lang="fr-FR" smtClean="0"/>
-              <a:t>25/10/2022</a:t>
+              <a:t>27/10/2022</a:t>
             </a:fld>
             <a:endParaRPr lang="fr-FR"/>
           </a:p>
@@ -767,7 +767,7 @@
           <a:p>
             <a:fld id="{CC6D09B4-5341-4C7A-BACE-050C44A4B9D3}" type="datetimeFigureOut">
               <a:rPr lang="fr-FR" smtClean="0"/>
-              <a:t>25/10/2022</a:t>
+              <a:t>27/10/2022</a:t>
             </a:fld>
             <a:endParaRPr lang="fr-FR"/>
           </a:p>
@@ -1013,7 +1013,7 @@
           <a:p>
             <a:fld id="{CC6D09B4-5341-4C7A-BACE-050C44A4B9D3}" type="datetimeFigureOut">
               <a:rPr lang="fr-FR" smtClean="0"/>
-              <a:t>25/10/2022</a:t>
+              <a:t>27/10/2022</a:t>
             </a:fld>
             <a:endParaRPr lang="fr-FR"/>
           </a:p>
@@ -1245,7 +1245,7 @@
           <a:p>
             <a:fld id="{CC6D09B4-5341-4C7A-BACE-050C44A4B9D3}" type="datetimeFigureOut">
               <a:rPr lang="fr-FR" smtClean="0"/>
-              <a:t>25/10/2022</a:t>
+              <a:t>27/10/2022</a:t>
             </a:fld>
             <a:endParaRPr lang="fr-FR"/>
           </a:p>
@@ -1612,7 +1612,7 @@
           <a:p>
             <a:fld id="{CC6D09B4-5341-4C7A-BACE-050C44A4B9D3}" type="datetimeFigureOut">
               <a:rPr lang="fr-FR" smtClean="0"/>
-              <a:t>25/10/2022</a:t>
+              <a:t>27/10/2022</a:t>
             </a:fld>
             <a:endParaRPr lang="fr-FR"/>
           </a:p>
@@ -1730,7 +1730,7 @@
           <a:p>
             <a:fld id="{CC6D09B4-5341-4C7A-BACE-050C44A4B9D3}" type="datetimeFigureOut">
               <a:rPr lang="fr-FR" smtClean="0"/>
-              <a:t>25/10/2022</a:t>
+              <a:t>27/10/2022</a:t>
             </a:fld>
             <a:endParaRPr lang="fr-FR"/>
           </a:p>
@@ -1825,7 +1825,7 @@
           <a:p>
             <a:fld id="{CC6D09B4-5341-4C7A-BACE-050C44A4B9D3}" type="datetimeFigureOut">
               <a:rPr lang="fr-FR" smtClean="0"/>
-              <a:t>25/10/2022</a:t>
+              <a:t>27/10/2022</a:t>
             </a:fld>
             <a:endParaRPr lang="fr-FR"/>
           </a:p>
@@ -2102,7 +2102,7 @@
           <a:p>
             <a:fld id="{CC6D09B4-5341-4C7A-BACE-050C44A4B9D3}" type="datetimeFigureOut">
               <a:rPr lang="fr-FR" smtClean="0"/>
-              <a:t>25/10/2022</a:t>
+              <a:t>27/10/2022</a:t>
             </a:fld>
             <a:endParaRPr lang="fr-FR"/>
           </a:p>
@@ -2355,7 +2355,7 @@
           <a:p>
             <a:fld id="{CC6D09B4-5341-4C7A-BACE-050C44A4B9D3}" type="datetimeFigureOut">
               <a:rPr lang="fr-FR" smtClean="0"/>
-              <a:t>25/10/2022</a:t>
+              <a:t>27/10/2022</a:t>
             </a:fld>
             <a:endParaRPr lang="fr-FR"/>
           </a:p>
@@ -2568,7 +2568,7 @@
           <a:p>
             <a:fld id="{CC6D09B4-5341-4C7A-BACE-050C44A4B9D3}" type="datetimeFigureOut">
               <a:rPr lang="fr-FR" smtClean="0"/>
-              <a:t>25/10/2022</a:t>
+              <a:t>27/10/2022</a:t>
             </a:fld>
             <a:endParaRPr lang="fr-FR"/>
           </a:p>
@@ -4067,7 +4067,7 @@
         </p:blipFill>
         <p:spPr>
           <a:xfrm>
-            <a:off x="5591288" y="5460213"/>
+            <a:off x="5836598" y="5460213"/>
             <a:ext cx="424478" cy="360000"/>
           </a:xfrm>
           <a:prstGeom prst="rect">
@@ -4097,7 +4097,7 @@
         </p:blipFill>
         <p:spPr>
           <a:xfrm>
-            <a:off x="4409574" y="5477215"/>
+            <a:off x="4532229" y="5477215"/>
             <a:ext cx="883032" cy="360000"/>
           </a:xfrm>
           <a:prstGeom prst="rect">
@@ -4107,7 +4107,7 @@
       </p:pic>
       <p:pic>
         <p:nvPicPr>
-          <p:cNvPr id="18" name="Image 17"/>
+          <p:cNvPr id="5" name="Image 4"/>
           <p:cNvPicPr>
             <a:picLocks noChangeAspect="1"/>
           </p:cNvPicPr>
@@ -4127,17 +4127,68 @@
         </p:blipFill>
         <p:spPr>
           <a:xfrm>
-            <a:off x="6314448" y="5460213"/>
-            <a:ext cx="1730151" cy="360000"/>
+            <a:off x="8343282" y="5460213"/>
+            <a:ext cx="1714286" cy="360000"/>
           </a:xfrm>
           <a:prstGeom prst="rect">
             <a:avLst/>
           </a:prstGeom>
         </p:spPr>
       </p:pic>
+      <p:sp>
+        <p:nvSpPr>
+          <p:cNvPr id="19" name="ZoneTexte 18"/>
+          <p:cNvSpPr txBox="1"/>
+          <p:nvPr/>
+        </p:nvSpPr>
+        <p:spPr>
+          <a:xfrm>
+            <a:off x="2688283" y="4157931"/>
+            <a:ext cx="2176292" cy="430887"/>
+          </a:xfrm>
+          <a:prstGeom prst="rect">
+            <a:avLst/>
+          </a:prstGeom>
+          <a:noFill/>
+        </p:spPr>
+        <p:txBody>
+          <a:bodyPr wrap="square" rtlCol="0">
+            <a:spAutoFit/>
+          </a:bodyPr>
+          <a:lstStyle/>
+          <a:p>
+            <a:pPr algn="ctr"/>
+            <a:r>
+              <a:rPr lang="fr-FR" sz="1100" b="1" dirty="0" smtClean="0">
+                <a:latin typeface="Arial" panose="020B0604020202020204" pitchFamily="34" charset="0"/>
+                <a:cs typeface="Arial" panose="020B0604020202020204" pitchFamily="34" charset="0"/>
+              </a:rPr>
+              <a:t>16</a:t>
+            </a:r>
+            <a:r>
+              <a:rPr lang="fr-FR" sz="1100" b="1" baseline="30000" dirty="0" smtClean="0">
+                <a:latin typeface="Arial" panose="020B0604020202020204" pitchFamily="34" charset="0"/>
+                <a:cs typeface="Arial" panose="020B0604020202020204" pitchFamily="34" charset="0"/>
+              </a:rPr>
+              <a:t>ème</a:t>
+            </a:r>
+            <a:r>
+              <a:rPr lang="fr-FR" sz="1100" b="1" dirty="0" smtClean="0">
+                <a:latin typeface="Arial" panose="020B0604020202020204" pitchFamily="34" charset="0"/>
+                <a:cs typeface="Arial" panose="020B0604020202020204" pitchFamily="34" charset="0"/>
+              </a:rPr>
+              <a:t> course virtuelle connectée au profit du</a:t>
+            </a:r>
+            <a:endParaRPr lang="fr-FR" sz="1100" b="1" dirty="0">
+              <a:latin typeface="Arial" panose="020B0604020202020204" pitchFamily="34" charset="0"/>
+              <a:cs typeface="Arial" panose="020B0604020202020204" pitchFamily="34" charset="0"/>
+            </a:endParaRPr>
+          </a:p>
+        </p:txBody>
+      </p:sp>
       <p:pic>
         <p:nvPicPr>
-          <p:cNvPr id="5" name="Image 4"/>
+          <p:cNvPr id="26" name="Image 25"/>
           <p:cNvPicPr>
             <a:picLocks noChangeAspect="1"/>
           </p:cNvPicPr>
@@ -4157,8 +4208,8 @@
         </p:blipFill>
         <p:spPr>
           <a:xfrm>
-            <a:off x="8343282" y="5460213"/>
-            <a:ext cx="1714286" cy="360000"/>
+            <a:off x="9267100" y="1128655"/>
+            <a:ext cx="911688" cy="936000"/>
           </a:xfrm>
           <a:prstGeom prst="rect">
             <a:avLst/>
@@ -4167,14 +4218,14 @@
       </p:pic>
       <p:sp>
         <p:nvSpPr>
-          <p:cNvPr id="19" name="ZoneTexte 18"/>
+          <p:cNvPr id="22" name="ZoneTexte 21"/>
           <p:cNvSpPr txBox="1"/>
           <p:nvPr/>
         </p:nvSpPr>
         <p:spPr>
           <a:xfrm>
-            <a:off x="2688283" y="4157931"/>
-            <a:ext cx="2176292" cy="430887"/>
+            <a:off x="3623569" y="4112593"/>
+            <a:ext cx="5857718" cy="830997"/>
           </a:xfrm>
           <a:prstGeom prst="rect">
             <a:avLst/>
@@ -4187,29 +4238,83 @@
           </a:bodyPr>
           <a:lstStyle/>
           <a:p>
-            <a:pPr algn="ctr"/>
-            <a:r>
-              <a:rPr lang="fr-FR" sz="1100" b="1" dirty="0" smtClean="0">
+            <a:pPr algn="r"/>
+            <a:r>
+              <a:rPr lang="fr-FR" sz="4800" b="1" dirty="0" smtClean="0">
+                <a:solidFill>
+                  <a:srgbClr val="DC4E32"/>
+                </a:solidFill>
                 <a:latin typeface="Arial" panose="020B0604020202020204" pitchFamily="34" charset="0"/>
                 <a:cs typeface="Arial" panose="020B0604020202020204" pitchFamily="34" charset="0"/>
               </a:rPr>
-              <a:t>16</a:t>
-            </a:r>
-            <a:r>
-              <a:rPr lang="fr-FR" sz="1100" b="1" baseline="30000" dirty="0" smtClean="0">
+              <a:t>La </a:t>
+            </a:r>
+            <a:r>
+              <a:rPr lang="fr-FR" sz="4800" b="1" dirty="0" err="1" smtClean="0">
+                <a:solidFill>
+                  <a:srgbClr val="DC4E32"/>
+                </a:solidFill>
                 <a:latin typeface="Arial" panose="020B0604020202020204" pitchFamily="34" charset="0"/>
                 <a:cs typeface="Arial" panose="020B0604020202020204" pitchFamily="34" charset="0"/>
               </a:rPr>
-              <a:t>ème</a:t>
-            </a:r>
-            <a:r>
-              <a:rPr lang="fr-FR" sz="1100" b="1" dirty="0" smtClean="0">
+              <a:t>Piedthone</a:t>
+            </a:r>
+            <a:endParaRPr lang="fr-FR" sz="4800" b="1" dirty="0" smtClean="0">
+              <a:solidFill>
+                <a:srgbClr val="DC4E32"/>
+              </a:solidFill>
+              <a:latin typeface="Arial" panose="020B0604020202020204" pitchFamily="34" charset="0"/>
+              <a:cs typeface="Arial" panose="020B0604020202020204" pitchFamily="34" charset="0"/>
+            </a:endParaRPr>
+          </a:p>
+        </p:txBody>
+      </p:sp>
+      <p:sp>
+        <p:nvSpPr>
+          <p:cNvPr id="7" name="ZoneTexte 6"/>
+          <p:cNvSpPr txBox="1"/>
+          <p:nvPr/>
+        </p:nvSpPr>
+        <p:spPr>
+          <a:xfrm rot="20543161">
+            <a:off x="8760577" y="4462758"/>
+            <a:ext cx="1441420" cy="769441"/>
+          </a:xfrm>
+          <a:prstGeom prst="rect">
+            <a:avLst/>
+          </a:prstGeom>
+          <a:noFill/>
+        </p:spPr>
+        <p:txBody>
+          <a:bodyPr wrap="none" rtlCol="0">
+            <a:spAutoFit/>
+          </a:bodyPr>
+          <a:lstStyle/>
+          <a:p>
+            <a:r>
+              <a:rPr lang="fr-FR" sz="4400" b="1" dirty="0" smtClean="0">
+                <a:ln w="19050">
+                  <a:solidFill>
+                    <a:srgbClr val="DC4E32"/>
+                  </a:solidFill>
+                </a:ln>
+                <a:solidFill>
+                  <a:schemeClr val="bg1"/>
+                </a:solidFill>
                 <a:latin typeface="Arial" panose="020B0604020202020204" pitchFamily="34" charset="0"/>
                 <a:cs typeface="Arial" panose="020B0604020202020204" pitchFamily="34" charset="0"/>
               </a:rPr>
-              <a:t> course virtuelle connectée au profit du</a:t>
-            </a:r>
-            <a:endParaRPr lang="fr-FR" sz="1100" b="1" dirty="0">
+              <a:t>2022</a:t>
+            </a:r>
+            <a:endParaRPr lang="fr-FR" sz="4400" b="1" dirty="0">
+              <a:ln w="19050">
+                <a:solidFill>
+                  <a:srgbClr val="DC4E32"/>
+                </a:solidFill>
+              </a:ln>
+              <a:solidFill>
+                <a:schemeClr val="bg1"/>
+              </a:solidFill>
               <a:latin typeface="Arial" panose="020B0604020202020204" pitchFamily="34" charset="0"/>
               <a:cs typeface="Arial" panose="020B0604020202020204" pitchFamily="34" charset="0"/>
             </a:endParaRPr>
@@ -4218,7 +4323,7 @@
       </p:sp>
       <p:pic>
         <p:nvPicPr>
-          <p:cNvPr id="26" name="Image 25"/>
+          <p:cNvPr id="23" name="Image 22"/>
           <p:cNvPicPr>
             <a:picLocks noChangeAspect="1"/>
           </p:cNvPicPr>
@@ -4238,119 +4343,14 @@
         </p:blipFill>
         <p:spPr>
           <a:xfrm>
-            <a:off x="9267100" y="1128655"/>
-            <a:ext cx="911688" cy="936000"/>
+            <a:off x="6682413" y="5433787"/>
+            <a:ext cx="1239533" cy="421048"/>
           </a:xfrm>
           <a:prstGeom prst="rect">
             <a:avLst/>
           </a:prstGeom>
         </p:spPr>
       </p:pic>
-      <p:sp>
-        <p:nvSpPr>
-          <p:cNvPr id="22" name="ZoneTexte 21"/>
-          <p:cNvSpPr txBox="1"/>
-          <p:nvPr/>
-        </p:nvSpPr>
-        <p:spPr>
-          <a:xfrm>
-            <a:off x="3623569" y="4112593"/>
-            <a:ext cx="5857718" cy="830997"/>
-          </a:xfrm>
-          <a:prstGeom prst="rect">
-            <a:avLst/>
-          </a:prstGeom>
-          <a:noFill/>
-        </p:spPr>
-        <p:txBody>
-          <a:bodyPr wrap="square" rtlCol="0">
-            <a:spAutoFit/>
-          </a:bodyPr>
-          <a:lstStyle/>
-          <a:p>
-            <a:pPr algn="r"/>
-            <a:r>
-              <a:rPr lang="fr-FR" sz="4800" b="1" dirty="0" smtClean="0">
-                <a:solidFill>
-                  <a:srgbClr val="DC4E32"/>
-                </a:solidFill>
-                <a:latin typeface="Arial" panose="020B0604020202020204" pitchFamily="34" charset="0"/>
-                <a:cs typeface="Arial" panose="020B0604020202020204" pitchFamily="34" charset="0"/>
-              </a:rPr>
-              <a:t>La </a:t>
-            </a:r>
-            <a:r>
-              <a:rPr lang="fr-FR" sz="4800" b="1" dirty="0" err="1" smtClean="0">
-                <a:solidFill>
-                  <a:srgbClr val="DC4E32"/>
-                </a:solidFill>
-                <a:latin typeface="Arial" panose="020B0604020202020204" pitchFamily="34" charset="0"/>
-                <a:cs typeface="Arial" panose="020B0604020202020204" pitchFamily="34" charset="0"/>
-              </a:rPr>
-              <a:t>Piedthone</a:t>
-            </a:r>
-            <a:endParaRPr lang="fr-FR" sz="4800" b="1" dirty="0" smtClean="0">
-              <a:solidFill>
-                <a:srgbClr val="DC4E32"/>
-              </a:solidFill>
-              <a:latin typeface="Arial" panose="020B0604020202020204" pitchFamily="34" charset="0"/>
-              <a:cs typeface="Arial" panose="020B0604020202020204" pitchFamily="34" charset="0"/>
-            </a:endParaRPr>
-          </a:p>
-        </p:txBody>
-      </p:sp>
-      <p:sp>
-        <p:nvSpPr>
-          <p:cNvPr id="7" name="ZoneTexte 6"/>
-          <p:cNvSpPr txBox="1"/>
-          <p:nvPr/>
-        </p:nvSpPr>
-        <p:spPr>
-          <a:xfrm rot="20543161">
-            <a:off x="8760577" y="4462758"/>
-            <a:ext cx="1441420" cy="769441"/>
-          </a:xfrm>
-          <a:prstGeom prst="rect">
-            <a:avLst/>
-          </a:prstGeom>
-          <a:noFill/>
-        </p:spPr>
-        <p:txBody>
-          <a:bodyPr wrap="none" rtlCol="0">
-            <a:spAutoFit/>
-          </a:bodyPr>
-          <a:lstStyle/>
-          <a:p>
-            <a:r>
-              <a:rPr lang="fr-FR" sz="4400" b="1" dirty="0" smtClean="0">
-                <a:ln w="19050">
-                  <a:solidFill>
-                    <a:srgbClr val="DC4E32"/>
-                  </a:solidFill>
-                </a:ln>
-                <a:solidFill>
-                  <a:schemeClr val="bg1"/>
-                </a:solidFill>
-                <a:latin typeface="Arial" panose="020B0604020202020204" pitchFamily="34" charset="0"/>
-                <a:cs typeface="Arial" panose="020B0604020202020204" pitchFamily="34" charset="0"/>
-              </a:rPr>
-              <a:t>2022</a:t>
-            </a:r>
-            <a:endParaRPr lang="fr-FR" sz="4400" b="1" dirty="0">
-              <a:ln w="19050">
-                <a:solidFill>
-                  <a:srgbClr val="DC4E32"/>
-                </a:solidFill>
-              </a:ln>
-              <a:solidFill>
-                <a:schemeClr val="bg1"/>
-              </a:solidFill>
-              <a:latin typeface="Arial" panose="020B0604020202020204" pitchFamily="34" charset="0"/>
-              <a:cs typeface="Arial" panose="020B0604020202020204" pitchFamily="34" charset="0"/>
-            </a:endParaRPr>
-          </a:p>
-        </p:txBody>
-      </p:sp>
     </p:spTree>
     <p:extLst>
       <p:ext uri="{BB962C8B-B14F-4D97-AF65-F5344CB8AC3E}">
@@ -4640,283 +4640,298 @@
       </p:grpSp>
       <p:grpSp>
         <p:nvGrpSpPr>
-          <p:cNvPr id="4" name="Groupe 3"/>
+          <p:cNvPr id="18" name="Groupe 17"/>
           <p:cNvGrpSpPr/>
           <p:nvPr/>
         </p:nvGrpSpPr>
         <p:grpSpPr>
           <a:xfrm>
             <a:off x="5917234" y="1177320"/>
-            <a:ext cx="2056334" cy="4548747"/>
-            <a:chOff x="5734354" y="1791708"/>
-            <a:chExt cx="2056334" cy="4548747"/>
+            <a:ext cx="2056334" cy="4633271"/>
+            <a:chOff x="5917234" y="1177320"/>
+            <a:chExt cx="2056334" cy="4633271"/>
           </a:xfrm>
         </p:grpSpPr>
+        <p:pic>
+          <p:nvPicPr>
+            <p:cNvPr id="17" name="Image 16"/>
+            <p:cNvPicPr>
+              <a:picLocks noChangeAspect="1"/>
+            </p:cNvPicPr>
+            <p:nvPr/>
+          </p:nvPicPr>
+          <p:blipFill>
+            <a:blip r:embed="rId8" cstate="print">
+              <a:extLst>
+                <a:ext uri="{28A0092B-C50C-407E-A947-70E740481C1C}">
+                  <a14:useLocalDpi xmlns:a14="http://schemas.microsoft.com/office/drawing/2010/main" val="0"/>
+                </a:ext>
+              </a:extLst>
+            </a:blip>
+            <a:stretch>
+              <a:fillRect/>
+            </a:stretch>
+          </p:blipFill>
+          <p:spPr>
+            <a:xfrm>
+              <a:off x="6425538" y="5389543"/>
+              <a:ext cx="1239533" cy="421048"/>
+            </a:xfrm>
+            <a:prstGeom prst="rect">
+              <a:avLst/>
+            </a:prstGeom>
+          </p:spPr>
+        </p:pic>
         <p:grpSp>
           <p:nvGrpSpPr>
-            <p:cNvPr id="10" name="Groupe 9"/>
+            <p:cNvPr id="4" name="Groupe 3"/>
             <p:cNvGrpSpPr/>
             <p:nvPr/>
           </p:nvGrpSpPr>
           <p:grpSpPr>
             <a:xfrm>
-              <a:off x="6055572" y="1791708"/>
-              <a:ext cx="1565213" cy="4548747"/>
-              <a:chOff x="1791408" y="878040"/>
-              <a:chExt cx="2406827" cy="6994606"/>
+              <a:off x="5917234" y="1177320"/>
+              <a:ext cx="2056334" cy="3614274"/>
+              <a:chOff x="5734354" y="1791708"/>
+              <a:chExt cx="2056334" cy="3614274"/>
             </a:xfrm>
           </p:grpSpPr>
-          <p:pic>
-            <p:nvPicPr>
-              <p:cNvPr id="11" name="Image 10"/>
-              <p:cNvPicPr>
-                <a:picLocks noChangeAspect="1"/>
-              </p:cNvPicPr>
+          <p:grpSp>
+            <p:nvGrpSpPr>
+              <p:cNvPr id="10" name="Groupe 9"/>
+              <p:cNvGrpSpPr/>
               <p:nvPr/>
-            </p:nvPicPr>
-            <p:blipFill>
-              <a:blip r:embed="rId8" cstate="print">
-                <a:extLst>
-                  <a:ext uri="{BEBA8EAE-BF5A-486C-A8C5-ECC9F3942E4B}">
-                    <a14:imgProps xmlns:a14="http://schemas.microsoft.com/office/drawing/2010/main">
-                      <a14:imgLayer r:embed="rId9">
-                        <a14:imgEffect>
-                          <a14:saturation sat="400000"/>
-                        </a14:imgEffect>
-                        <a14:imgEffect>
-                          <a14:brightnessContrast bright="-20000" contrast="40000"/>
-                        </a14:imgEffect>
-                      </a14:imgLayer>
-                    </a14:imgProps>
-                  </a:ext>
-                  <a:ext uri="{28A0092B-C50C-407E-A947-70E740481C1C}">
-                    <a14:useLocalDpi xmlns:a14="http://schemas.microsoft.com/office/drawing/2010/main" val="0"/>
-                  </a:ext>
-                </a:extLst>
-              </a:blip>
-              <a:stretch>
-                <a:fillRect/>
-              </a:stretch>
-            </p:blipFill>
+            </p:nvGrpSpPr>
+            <p:grpSpPr>
+              <a:xfrm>
+                <a:off x="6055572" y="1791708"/>
+                <a:ext cx="1565213" cy="3614274"/>
+                <a:chOff x="1791408" y="878040"/>
+                <a:chExt cx="2406827" cy="5557667"/>
+              </a:xfrm>
+            </p:grpSpPr>
+            <p:pic>
+              <p:nvPicPr>
+                <p:cNvPr id="11" name="Image 10"/>
+                <p:cNvPicPr>
+                  <a:picLocks noChangeAspect="1"/>
+                </p:cNvPicPr>
+                <p:nvPr/>
+              </p:nvPicPr>
+              <p:blipFill>
+                <a:blip r:embed="rId9" cstate="print">
+                  <a:extLst>
+                    <a:ext uri="{BEBA8EAE-BF5A-486C-A8C5-ECC9F3942E4B}">
+                      <a14:imgProps xmlns:a14="http://schemas.microsoft.com/office/drawing/2010/main">
+                        <a14:imgLayer r:embed="rId10">
+                          <a14:imgEffect>
+                            <a14:saturation sat="400000"/>
+                          </a14:imgEffect>
+                          <a14:imgEffect>
+                            <a14:brightnessContrast bright="-20000" contrast="40000"/>
+                          </a14:imgEffect>
+                        </a14:imgLayer>
+                      </a14:imgProps>
+                    </a:ext>
+                    <a:ext uri="{28A0092B-C50C-407E-A947-70E740481C1C}">
+                      <a14:useLocalDpi xmlns:a14="http://schemas.microsoft.com/office/drawing/2010/main" val="0"/>
+                    </a:ext>
+                  </a:extLst>
+                </a:blip>
+                <a:stretch>
+                  <a:fillRect/>
+                </a:stretch>
+              </p:blipFill>
+              <p:spPr>
+                <a:xfrm>
+                  <a:off x="2274821" y="878040"/>
+                  <a:ext cx="1440000" cy="639360"/>
+                </a:xfrm>
+                <a:prstGeom prst="rect">
+                  <a:avLst/>
+                </a:prstGeom>
+              </p:spPr>
+            </p:pic>
+            <p:pic>
+              <p:nvPicPr>
+                <p:cNvPr id="12" name="Image 11"/>
+                <p:cNvPicPr>
+                  <a:picLocks noChangeAspect="1"/>
+                </p:cNvPicPr>
+                <p:nvPr/>
+              </p:nvPicPr>
+              <p:blipFill>
+                <a:blip r:embed="rId4" cstate="print">
+                  <a:extLst>
+                    <a:ext uri="{28A0092B-C50C-407E-A947-70E740481C1C}">
+                      <a14:useLocalDpi xmlns:a14="http://schemas.microsoft.com/office/drawing/2010/main" val="0"/>
+                    </a:ext>
+                  </a:extLst>
+                </a:blip>
+                <a:stretch>
+                  <a:fillRect/>
+                </a:stretch>
+              </p:blipFill>
+              <p:spPr>
+                <a:xfrm>
+                  <a:off x="2595411" y="4121716"/>
+                  <a:ext cx="798821" cy="677481"/>
+                </a:xfrm>
+                <a:prstGeom prst="rect">
+                  <a:avLst/>
+                </a:prstGeom>
+              </p:spPr>
+            </p:pic>
+            <p:pic>
+              <p:nvPicPr>
+                <p:cNvPr id="13" name="Image 12"/>
+                <p:cNvPicPr>
+                  <a:picLocks noChangeAspect="1"/>
+                </p:cNvPicPr>
+                <p:nvPr/>
+              </p:nvPicPr>
+              <p:blipFill>
+                <a:blip r:embed="rId5" cstate="print">
+                  <a:extLst>
+                    <a:ext uri="{28A0092B-C50C-407E-A947-70E740481C1C}">
+                      <a14:useLocalDpi xmlns:a14="http://schemas.microsoft.com/office/drawing/2010/main" val="0"/>
+                    </a:ext>
+                  </a:extLst>
+                </a:blip>
+                <a:stretch>
+                  <a:fillRect/>
+                </a:stretch>
+              </p:blipFill>
+              <p:spPr>
+                <a:xfrm>
+                  <a:off x="2274821" y="5848639"/>
+                  <a:ext cx="1440000" cy="587068"/>
+                </a:xfrm>
+                <a:prstGeom prst="rect">
+                  <a:avLst/>
+                </a:prstGeom>
+              </p:spPr>
+            </p:pic>
+            <p:pic>
+              <p:nvPicPr>
+                <p:cNvPr id="15" name="Image 14"/>
+                <p:cNvPicPr>
+                  <a:picLocks noChangeAspect="1"/>
+                </p:cNvPicPr>
+                <p:nvPr/>
+              </p:nvPicPr>
+              <p:blipFill>
+                <a:blip r:embed="rId11" cstate="print">
+                  <a:extLst>
+                    <a:ext uri="{28A0092B-C50C-407E-A947-70E740481C1C}">
+                      <a14:useLocalDpi xmlns:a14="http://schemas.microsoft.com/office/drawing/2010/main" val="0"/>
+                    </a:ext>
+                  </a:extLst>
+                </a:blip>
+                <a:stretch>
+                  <a:fillRect/>
+                </a:stretch>
+              </p:blipFill>
+              <p:spPr>
+                <a:xfrm>
+                  <a:off x="1791408" y="2566842"/>
+                  <a:ext cx="2406827" cy="505433"/>
+                </a:xfrm>
+                <a:prstGeom prst="rect">
+                  <a:avLst/>
+                </a:prstGeom>
+              </p:spPr>
+            </p:pic>
+          </p:grpSp>
+          <p:sp>
+            <p:nvSpPr>
+              <p:cNvPr id="3" name="Rectangle 2"/>
+              <p:cNvSpPr/>
+              <p:nvPr/>
+            </p:nvSpPr>
             <p:spPr>
               <a:xfrm>
-                <a:off x="2274821" y="878040"/>
-                <a:ext cx="1440000" cy="639360"/>
+                <a:off x="7534656" y="2207498"/>
+                <a:ext cx="256032" cy="1387083"/>
               </a:xfrm>
               <a:prstGeom prst="rect">
                 <a:avLst/>
               </a:prstGeom>
+              <a:noFill/>
+              <a:ln>
+                <a:noFill/>
+              </a:ln>
             </p:spPr>
-          </p:pic>
-          <p:pic>
-            <p:nvPicPr>
-              <p:cNvPr id="12" name="Image 11"/>
-              <p:cNvPicPr>
-                <a:picLocks noChangeAspect="1"/>
-              </p:cNvPicPr>
+            <p:style>
+              <a:lnRef idx="2">
+                <a:schemeClr val="accent1">
+                  <a:shade val="50000"/>
+                </a:schemeClr>
+              </a:lnRef>
+              <a:fillRef idx="1">
+                <a:schemeClr val="accent1"/>
+              </a:fillRef>
+              <a:effectRef idx="0">
+                <a:schemeClr val="accent1"/>
+              </a:effectRef>
+              <a:fontRef idx="minor">
+                <a:schemeClr val="lt1"/>
+              </a:fontRef>
+            </p:style>
+            <p:txBody>
+              <a:bodyPr rtlCol="0" anchor="ctr"/>
+              <a:lstStyle/>
+              <a:p>
+                <a:pPr algn="ctr"/>
+                <a:endParaRPr lang="fr-FR"/>
+              </a:p>
+            </p:txBody>
+          </p:sp>
+          <p:sp>
+            <p:nvSpPr>
+              <p:cNvPr id="16" name="Rectangle 15"/>
+              <p:cNvSpPr/>
               <p:nvPr/>
-            </p:nvPicPr>
-            <p:blipFill>
-              <a:blip r:embed="rId4" cstate="print">
-                <a:extLst>
-                  <a:ext uri="{28A0092B-C50C-407E-A947-70E740481C1C}">
-                    <a14:useLocalDpi xmlns:a14="http://schemas.microsoft.com/office/drawing/2010/main" val="0"/>
-                  </a:ext>
-                </a:extLst>
-              </a:blip>
-              <a:stretch>
-                <a:fillRect/>
-              </a:stretch>
-            </p:blipFill>
+            </p:nvSpPr>
             <p:spPr>
               <a:xfrm>
-                <a:off x="2595411" y="4121716"/>
-                <a:ext cx="798821" cy="677481"/>
+                <a:off x="5734354" y="2300069"/>
+                <a:ext cx="256032" cy="1387083"/>
               </a:xfrm>
               <a:prstGeom prst="rect">
                 <a:avLst/>
               </a:prstGeom>
+              <a:noFill/>
+              <a:ln>
+                <a:noFill/>
+              </a:ln>
             </p:spPr>
-          </p:pic>
-          <p:pic>
-            <p:nvPicPr>
-              <p:cNvPr id="13" name="Image 12"/>
-              <p:cNvPicPr>
-                <a:picLocks noChangeAspect="1"/>
-              </p:cNvPicPr>
-              <p:nvPr/>
-            </p:nvPicPr>
-            <p:blipFill>
-              <a:blip r:embed="rId5" cstate="print">
-                <a:extLst>
-                  <a:ext uri="{28A0092B-C50C-407E-A947-70E740481C1C}">
-                    <a14:useLocalDpi xmlns:a14="http://schemas.microsoft.com/office/drawing/2010/main" val="0"/>
-                  </a:ext>
-                </a:extLst>
-              </a:blip>
-              <a:stretch>
-                <a:fillRect/>
-              </a:stretch>
-            </p:blipFill>
-            <p:spPr>
-              <a:xfrm>
-                <a:off x="2274821" y="5848639"/>
-                <a:ext cx="1440000" cy="587068"/>
-              </a:xfrm>
-              <a:prstGeom prst="rect">
-                <a:avLst/>
-              </a:prstGeom>
-            </p:spPr>
-          </p:pic>
-          <p:pic>
-            <p:nvPicPr>
-              <p:cNvPr id="14" name="Image 13"/>
-              <p:cNvPicPr>
-                <a:picLocks noChangeAspect="1"/>
-              </p:cNvPicPr>
-              <p:nvPr/>
-            </p:nvPicPr>
-            <p:blipFill>
-              <a:blip r:embed="rId6" cstate="print">
-                <a:extLst>
-                  <a:ext uri="{28A0092B-C50C-407E-A947-70E740481C1C}">
-                    <a14:useLocalDpi xmlns:a14="http://schemas.microsoft.com/office/drawing/2010/main" val="0"/>
-                  </a:ext>
-                </a:extLst>
-              </a:blip>
-              <a:stretch>
-                <a:fillRect/>
-              </a:stretch>
-            </p:blipFill>
-            <p:spPr>
-              <a:xfrm>
-                <a:off x="2063662" y="7485146"/>
-                <a:ext cx="1862317" cy="387500"/>
-              </a:xfrm>
-              <a:prstGeom prst="rect">
-                <a:avLst/>
-              </a:prstGeom>
-            </p:spPr>
-          </p:pic>
-          <p:pic>
-            <p:nvPicPr>
-              <p:cNvPr id="15" name="Image 14"/>
-              <p:cNvPicPr>
-                <a:picLocks noChangeAspect="1"/>
-              </p:cNvPicPr>
-              <p:nvPr/>
-            </p:nvPicPr>
-            <p:blipFill>
-              <a:blip r:embed="rId10" cstate="print">
-                <a:extLst>
-                  <a:ext uri="{28A0092B-C50C-407E-A947-70E740481C1C}">
-                    <a14:useLocalDpi xmlns:a14="http://schemas.microsoft.com/office/drawing/2010/main" val="0"/>
-                  </a:ext>
-                </a:extLst>
-              </a:blip>
-              <a:stretch>
-                <a:fillRect/>
-              </a:stretch>
-            </p:blipFill>
-            <p:spPr>
-              <a:xfrm>
-                <a:off x="1791408" y="2566842"/>
-                <a:ext cx="2406827" cy="505433"/>
-              </a:xfrm>
-              <a:prstGeom prst="rect">
-                <a:avLst/>
-              </a:prstGeom>
-            </p:spPr>
-          </p:pic>
+            <p:style>
+              <a:lnRef idx="2">
+                <a:schemeClr val="accent1">
+                  <a:shade val="50000"/>
+                </a:schemeClr>
+              </a:lnRef>
+              <a:fillRef idx="1">
+                <a:schemeClr val="accent1"/>
+              </a:fillRef>
+              <a:effectRef idx="0">
+                <a:schemeClr val="accent1"/>
+              </a:effectRef>
+              <a:fontRef idx="minor">
+                <a:schemeClr val="lt1"/>
+              </a:fontRef>
+            </p:style>
+            <p:txBody>
+              <a:bodyPr rtlCol="0" anchor="ctr"/>
+              <a:lstStyle/>
+              <a:p>
+                <a:pPr algn="ctr"/>
+                <a:endParaRPr lang="fr-FR"/>
+              </a:p>
+            </p:txBody>
+          </p:sp>
         </p:grpSp>
-        <p:sp>
-          <p:nvSpPr>
-            <p:cNvPr id="3" name="Rectangle 2"/>
-            <p:cNvSpPr/>
-            <p:nvPr/>
-          </p:nvSpPr>
-          <p:spPr>
-            <a:xfrm>
-              <a:off x="7534656" y="2207498"/>
-              <a:ext cx="256032" cy="1387083"/>
-            </a:xfrm>
-            <a:prstGeom prst="rect">
-              <a:avLst/>
-            </a:prstGeom>
-            <a:noFill/>
-            <a:ln>
-              <a:noFill/>
-            </a:ln>
-          </p:spPr>
-          <p:style>
-            <a:lnRef idx="2">
-              <a:schemeClr val="accent1">
-                <a:shade val="50000"/>
-              </a:schemeClr>
-            </a:lnRef>
-            <a:fillRef idx="1">
-              <a:schemeClr val="accent1"/>
-            </a:fillRef>
-            <a:effectRef idx="0">
-              <a:schemeClr val="accent1"/>
-            </a:effectRef>
-            <a:fontRef idx="minor">
-              <a:schemeClr val="lt1"/>
-            </a:fontRef>
-          </p:style>
-          <p:txBody>
-            <a:bodyPr rtlCol="0" anchor="ctr"/>
-            <a:lstStyle/>
-            <a:p>
-              <a:pPr algn="ctr"/>
-              <a:endParaRPr lang="fr-FR"/>
-            </a:p>
-          </p:txBody>
-        </p:sp>
-        <p:sp>
-          <p:nvSpPr>
-            <p:cNvPr id="16" name="Rectangle 15"/>
-            <p:cNvSpPr/>
-            <p:nvPr/>
-          </p:nvSpPr>
-          <p:spPr>
-            <a:xfrm>
-              <a:off x="5734354" y="2300069"/>
-              <a:ext cx="256032" cy="1387083"/>
-            </a:xfrm>
-            <a:prstGeom prst="rect">
-              <a:avLst/>
-            </a:prstGeom>
-            <a:noFill/>
-            <a:ln>
-              <a:noFill/>
-            </a:ln>
-          </p:spPr>
-          <p:style>
-            <a:lnRef idx="2">
-              <a:schemeClr val="accent1">
-                <a:shade val="50000"/>
-              </a:schemeClr>
-            </a:lnRef>
-            <a:fillRef idx="1">
-              <a:schemeClr val="accent1"/>
-            </a:fillRef>
-            <a:effectRef idx="0">
-              <a:schemeClr val="accent1"/>
-            </a:effectRef>
-            <a:fontRef idx="minor">
-              <a:schemeClr val="lt1"/>
-            </a:fontRef>
-          </p:style>
-          <p:txBody>
-            <a:bodyPr rtlCol="0" anchor="ctr"/>
-            <a:lstStyle/>
-            <a:p>
-              <a:pPr algn="ctr"/>
-              <a:endParaRPr lang="fr-FR"/>
-            </a:p>
-          </p:txBody>
-        </p:sp>
       </p:grpSp>
     </p:spTree>
     <p:extLst>
@@ -5193,6 +5208,21 @@
 </file>
 
 <file path=customXml/item1.xml><?xml version="1.0" encoding="utf-8"?>
+<p:properties xmlns:p="http://schemas.microsoft.com/office/2006/metadata/properties" xmlns:xsi="http://www.w3.org/2001/XMLSchema-instance" xmlns:pc="http://schemas.microsoft.com/office/infopath/2007/PartnerControls">
+  <documentManagement/>
+</p:properties>
+</file>
+
+<file path=customXml/item2.xml><?xml version="1.0" encoding="utf-8"?>
+<?mso-contentType ?>
+<FormTemplates xmlns="http://schemas.microsoft.com/sharepoint/v3/contenttype/forms">
+  <Display>DocumentLibraryForm</Display>
+  <Edit>DocumentLibraryForm</Edit>
+  <New>DocumentLibraryForm</New>
+</FormTemplates>
+</file>
+
+<file path=customXml/item3.xml><?xml version="1.0" encoding="utf-8"?>
 <ct:contentTypeSchema xmlns:ct="http://schemas.microsoft.com/office/2006/metadata/contentType" xmlns:ma="http://schemas.microsoft.com/office/2006/metadata/properties/metaAttributes" ct:_="" ma:_="" ma:contentTypeName="Document" ma:contentTypeID="0x0101005F1C601D9B9C5C4292CFD4002C6BAA3A" ma:contentTypeVersion="13" ma:contentTypeDescription="Crée un document." ma:contentTypeScope="" ma:versionID="4071751016b38eec069b162711240ca2">
   <xsd:schema xmlns:xsd="http://www.w3.org/2001/XMLSchema" xmlns:xs="http://www.w3.org/2001/XMLSchema" xmlns:p="http://schemas.microsoft.com/office/2006/metadata/properties" xmlns:ns3="230486b7-ae46-4a7b-9810-315006c8cb07" xmlns:ns4="c8438557-ce8b-4c4c-b94d-6a2491d2cc6d" targetNamespace="http://schemas.microsoft.com/office/2006/metadata/properties" ma:root="true" ma:fieldsID="f2304df4e5a08fdb6df2dee5f1a2e7c5" ns3:_="" ns4:_="">
     <xsd:import namespace="230486b7-ae46-4a7b-9810-315006c8cb07"/>
@@ -5415,22 +5445,32 @@
 </ct:contentTypeSchema>
 </file>
 
-<file path=customXml/item2.xml><?xml version="1.0" encoding="utf-8"?>
-<?mso-contentType ?>
-<FormTemplates xmlns="http://schemas.microsoft.com/sharepoint/v3/contenttype/forms">
-  <Display>DocumentLibraryForm</Display>
-  <Edit>DocumentLibraryForm</Edit>
-  <New>DocumentLibraryForm</New>
-</FormTemplates>
+<file path=customXml/itemProps1.xml><?xml version="1.0" encoding="utf-8"?>
+<ds:datastoreItem xmlns:ds="http://schemas.openxmlformats.org/officeDocument/2006/customXml" ds:itemID="{ECF70076-0E67-41E2-BB15-93A25F949074}">
+  <ds:schemaRefs>
+    <ds:schemaRef ds:uri="230486b7-ae46-4a7b-9810-315006c8cb07"/>
+    <ds:schemaRef ds:uri="http://purl.org/dc/terms/"/>
+    <ds:schemaRef ds:uri="http://purl.org/dc/elements/1.1/"/>
+    <ds:schemaRef ds:uri="http://purl.org/dc/dcmitype/"/>
+    <ds:schemaRef ds:uri="http://schemas.microsoft.com/office/2006/metadata/properties"/>
+    <ds:schemaRef ds:uri="http://schemas.microsoft.com/office/infopath/2007/PartnerControls"/>
+    <ds:schemaRef ds:uri="http://schemas.microsoft.com/office/2006/documentManagement/types"/>
+    <ds:schemaRef ds:uri="http://schemas.openxmlformats.org/package/2006/metadata/core-properties"/>
+    <ds:schemaRef ds:uri="c8438557-ce8b-4c4c-b94d-6a2491d2cc6d"/>
+    <ds:schemaRef ds:uri="http://www.w3.org/XML/1998/namespace"/>
+  </ds:schemaRefs>
+</ds:datastoreItem>
 </file>
 
-<file path=customXml/item3.xml><?xml version="1.0" encoding="utf-8"?>
-<p:properties xmlns:p="http://schemas.microsoft.com/office/2006/metadata/properties" xmlns:xsi="http://www.w3.org/2001/XMLSchema-instance" xmlns:pc="http://schemas.microsoft.com/office/infopath/2007/PartnerControls">
-  <documentManagement/>
-</p:properties>
+<file path=customXml/itemProps2.xml><?xml version="1.0" encoding="utf-8"?>
+<ds:datastoreItem xmlns:ds="http://schemas.openxmlformats.org/officeDocument/2006/customXml" ds:itemID="{E2A64358-4B54-40CD-94B6-DE48E56868BF}">
+  <ds:schemaRefs>
+    <ds:schemaRef ds:uri="http://schemas.microsoft.com/sharepoint/v3/contenttype/forms"/>
+  </ds:schemaRefs>
+</ds:datastoreItem>
 </file>
 
-<file path=customXml/itemProps1.xml><?xml version="1.0" encoding="utf-8"?>
+<file path=customXml/itemProps3.xml><?xml version="1.0" encoding="utf-8"?>
 <ds:datastoreItem xmlns:ds="http://schemas.openxmlformats.org/officeDocument/2006/customXml" ds:itemID="{BD8E68C6-8C7F-498F-A2C0-9BA7C8EF5D7C}">
   <ds:schemaRefs>
     <ds:schemaRef ds:uri="http://schemas.microsoft.com/office/2006/metadata/contentType"/>
@@ -5447,29 +5487,4 @@
     <ds:schemaRef ds:uri="http://schemas.microsoft.com/internal/obd"/>
   </ds:schemaRefs>
 </ds:datastoreItem>
-</file>
-
-<file path=customXml/itemProps2.xml><?xml version="1.0" encoding="utf-8"?>
-<ds:datastoreItem xmlns:ds="http://schemas.openxmlformats.org/officeDocument/2006/customXml" ds:itemID="{E2A64358-4B54-40CD-94B6-DE48E56868BF}">
-  <ds:schemaRefs>
-    <ds:schemaRef ds:uri="http://schemas.microsoft.com/sharepoint/v3/contenttype/forms"/>
-  </ds:schemaRefs>
-</ds:datastoreItem>
-</file>
-
-<file path=customXml/itemProps3.xml><?xml version="1.0" encoding="utf-8"?>
-<ds:datastoreItem xmlns:ds="http://schemas.openxmlformats.org/officeDocument/2006/customXml" ds:itemID="{ECF70076-0E67-41E2-BB15-93A25F949074}">
-  <ds:schemaRefs>
-    <ds:schemaRef ds:uri="http://schemas.microsoft.com/office/2006/documentManagement/types"/>
-    <ds:schemaRef ds:uri="http://www.w3.org/XML/1998/namespace"/>
-    <ds:schemaRef ds:uri="http://schemas.microsoft.com/office/infopath/2007/PartnerControls"/>
-    <ds:schemaRef ds:uri="http://purl.org/dc/dcmitype/"/>
-    <ds:schemaRef ds:uri="230486b7-ae46-4a7b-9810-315006c8cb07"/>
-    <ds:schemaRef ds:uri="c8438557-ce8b-4c4c-b94d-6a2491d2cc6d"/>
-    <ds:schemaRef ds:uri="http://schemas.openxmlformats.org/package/2006/metadata/core-properties"/>
-    <ds:schemaRef ds:uri="http://schemas.microsoft.com/office/2006/metadata/properties"/>
-    <ds:schemaRef ds:uri="http://purl.org/dc/terms/"/>
-    <ds:schemaRef ds:uri="http://purl.org/dc/elements/1.1/"/>
-  </ds:schemaRefs>
-</ds:datastoreItem>
 </file>